--- a/BIO1410_labo-2.pptx
+++ b/BIO1410_labo-2.pptx
@@ -220,7 +220,7 @@
           <a:p>
             <a:fld id="{C08414A9-7F57-064B-9498-58438E229F1C}" type="datetimeFigureOut">
               <a:rPr lang="fr-FR" smtClean="0"/>
-              <a:t>20/01/2025</a:t>
+              <a:t>21/01/2025</a:t>
             </a:fld>
             <a:endParaRPr lang="fr-FR"/>
           </a:p>
@@ -2608,7 +2608,7 @@
           <a:p>
             <a:fld id="{E5C3F8E6-E0BC-D847-8A4F-F984538FE02A}" type="datetime1">
               <a:rPr lang="fr-CA" smtClean="0"/>
-              <a:t>2025-01-20</a:t>
+              <a:t>2025-01-21</a:t>
             </a:fld>
             <a:endParaRPr lang="fr-FR"/>
           </a:p>
@@ -2816,7 +2816,7 @@
           <a:p>
             <a:fld id="{E98629D1-0E23-3B4D-9988-0C58B9F13186}" type="datetime1">
               <a:rPr lang="fr-CA" smtClean="0"/>
-              <a:t>2025-01-20</a:t>
+              <a:t>2025-01-21</a:t>
             </a:fld>
             <a:endParaRPr lang="fr-FR"/>
           </a:p>
@@ -3029,7 +3029,7 @@
           <a:p>
             <a:fld id="{9688775C-48C4-ED40-B7AA-BC260775E5D7}" type="datetime1">
               <a:rPr lang="fr-CA" smtClean="0"/>
-              <a:t>2025-01-20</a:t>
+              <a:t>2025-01-21</a:t>
             </a:fld>
             <a:endParaRPr lang="fr-FR"/>
           </a:p>
@@ -3345,7 +3345,7 @@
           <a:p>
             <a:fld id="{3A7A29EC-2DA2-A844-AD0D-D4C84DDC7539}" type="datetime1">
               <a:rPr lang="fr-CA" smtClean="0"/>
-              <a:t>2025-01-20</a:t>
+              <a:t>2025-01-21</a:t>
             </a:fld>
             <a:endParaRPr lang="fr-FR"/>
           </a:p>
@@ -3667,7 +3667,7 @@
           <a:p>
             <a:fld id="{CD6DFA2F-7ED3-5746-8AD2-9DE40256FB99}" type="datetime1">
               <a:rPr lang="fr-CA" smtClean="0"/>
-              <a:t>2025-01-20</a:t>
+              <a:t>2025-01-21</a:t>
             </a:fld>
             <a:endParaRPr lang="fr-FR"/>
           </a:p>
@@ -3943,7 +3943,7 @@
           <a:p>
             <a:fld id="{9EBCA33E-81E5-F24E-ABC1-4D72B8AE4BAD}" type="datetime1">
               <a:rPr lang="fr-CA" smtClean="0"/>
-              <a:t>2025-01-20</a:t>
+              <a:t>2025-01-21</a:t>
             </a:fld>
             <a:endParaRPr lang="fr-FR"/>
           </a:p>
@@ -4361,7 +4361,7 @@
           <a:p>
             <a:fld id="{3C16EBFF-706A-F34E-89DE-BEC8C7C43498}" type="datetime1">
               <a:rPr lang="fr-CA" smtClean="0"/>
-              <a:t>2025-01-20</a:t>
+              <a:t>2025-01-21</a:t>
             </a:fld>
             <a:endParaRPr lang="fr-FR"/>
           </a:p>
@@ -4511,7 +4511,7 @@
           <a:p>
             <a:fld id="{A40B396F-15D9-3044-B88E-CF5322E226E3}" type="datetime1">
               <a:rPr lang="fr-CA" smtClean="0"/>
-              <a:t>2025-01-20</a:t>
+              <a:t>2025-01-21</a:t>
             </a:fld>
             <a:endParaRPr lang="fr-FR"/>
           </a:p>
@@ -4624,7 +4624,7 @@
           <a:p>
             <a:fld id="{7AF54194-0EF8-B04B-904F-19DE5315CFBD}" type="datetime1">
               <a:rPr lang="fr-CA" smtClean="0"/>
-              <a:t>2025-01-20</a:t>
+              <a:t>2025-01-21</a:t>
             </a:fld>
             <a:endParaRPr lang="fr-FR"/>
           </a:p>
@@ -4940,7 +4940,7 @@
           <a:p>
             <a:fld id="{10F462FD-58B8-7C45-AA61-0F113E772A96}" type="datetime1">
               <a:rPr lang="fr-CA" smtClean="0"/>
-              <a:t>2025-01-20</a:t>
+              <a:t>2025-01-21</a:t>
             </a:fld>
             <a:endParaRPr lang="fr-FR"/>
           </a:p>
@@ -5232,7 +5232,7 @@
           <a:p>
             <a:fld id="{812FC241-56CA-AB41-A6A7-E3D0351CF20C}" type="datetime1">
               <a:rPr lang="fr-CA" smtClean="0"/>
-              <a:t>2025-01-20</a:t>
+              <a:t>2025-01-21</a:t>
             </a:fld>
             <a:endParaRPr lang="fr-FR"/>
           </a:p>
@@ -5438,7 +5438,7 @@
             <a:fld id="{6A537DD5-4F34-5F4B-BEB2-033AF8CDB394}" type="datetime1">
               <a:rPr lang="fr-CA" smtClean="0"/>
               <a:pPr/>
-              <a:t>2025-01-20</a:t>
+              <a:t>2025-01-21</a:t>
             </a:fld>
             <a:endParaRPr lang="fr-FR"/>
           </a:p>
@@ -13090,56 +13090,56 @@
               </a:spcAft>
             </a:pPr>
             <a:r>
-              <a:rPr lang="fr-CA" sz="2400">
+              <a:rPr lang="fr-CA" sz="2400" dirty="0">
                 <a:latin typeface="Calibri"/>
                 <a:cs typeface="Calibri"/>
               </a:rPr>
               <a:t>Déposer </a:t>
             </a:r>
             <a:r>
-              <a:rPr lang="fr-CA" sz="2400" b="1">
+              <a:rPr lang="fr-CA" sz="2400" b="1" dirty="0">
                 <a:latin typeface="Calibri"/>
                 <a:cs typeface="Calibri"/>
               </a:rPr>
               <a:t>10 </a:t>
             </a:r>
             <a:r>
-              <a:rPr lang="fr-CA" sz="2400" b="1" err="1">
+              <a:rPr lang="fr-CA" sz="2400" b="1" dirty="0" err="1">
                 <a:latin typeface="Calibri"/>
                 <a:cs typeface="Calibri"/>
               </a:rPr>
               <a:t>μl</a:t>
             </a:r>
             <a:r>
-              <a:rPr lang="fr-CA" sz="2400">
+              <a:rPr lang="fr-CA" sz="2400" dirty="0">
                 <a:latin typeface="Calibri"/>
                 <a:cs typeface="Calibri"/>
               </a:rPr>
               <a:t> de votre </a:t>
             </a:r>
             <a:r>
-              <a:rPr lang="fr-CA" sz="2400" b="1">
+              <a:rPr lang="fr-CA" sz="2400" b="1" dirty="0">
                 <a:latin typeface="Calibri"/>
                 <a:cs typeface="Calibri"/>
               </a:rPr>
               <a:t>ADN</a:t>
             </a:r>
             <a:r>
-              <a:rPr lang="fr-CA" sz="2400">
+              <a:rPr lang="fr-CA" sz="2400" dirty="0">
                 <a:latin typeface="Calibri"/>
                 <a:cs typeface="Calibri"/>
               </a:rPr>
               <a:t> dans le tube Eppendorf contenant le </a:t>
             </a:r>
             <a:r>
-              <a:rPr lang="fr-CA" sz="2400" b="1">
+              <a:rPr lang="fr-CA" sz="2400" b="1" dirty="0">
                 <a:latin typeface="Calibri"/>
                 <a:cs typeface="Calibri"/>
               </a:rPr>
               <a:t>colorant</a:t>
             </a:r>
             <a:r>
-              <a:rPr lang="fr-CA" sz="2400">
+              <a:rPr lang="fr-CA" sz="2400" dirty="0">
                 <a:latin typeface="Calibri"/>
                 <a:cs typeface="Calibri"/>
               </a:rPr>
@@ -13156,42 +13156,42 @@
               </a:spcAft>
             </a:pPr>
             <a:r>
-              <a:rPr lang="fr-CA" sz="2400">
+              <a:rPr lang="fr-CA" sz="2400" dirty="0">
                 <a:latin typeface="Calibri"/>
                 <a:cs typeface="Calibri"/>
               </a:rPr>
               <a:t>Les démonstrateurs déposeront </a:t>
             </a:r>
             <a:r>
-              <a:rPr lang="fr-CA" sz="2400" b="1">
+              <a:rPr lang="fr-CA" sz="2400" b="1" dirty="0">
                 <a:latin typeface="Calibri"/>
                 <a:cs typeface="Calibri"/>
               </a:rPr>
               <a:t>10 </a:t>
             </a:r>
             <a:r>
-              <a:rPr lang="fr-CA" sz="2400" b="1" err="1">
+              <a:rPr lang="fr-CA" sz="2400" b="1" dirty="0" err="1">
                 <a:latin typeface="Calibri"/>
                 <a:cs typeface="Calibri"/>
               </a:rPr>
               <a:t>μl</a:t>
             </a:r>
             <a:r>
-              <a:rPr lang="fr-CA" sz="2400">
+              <a:rPr lang="fr-CA" sz="2400" dirty="0">
                 <a:latin typeface="Calibri"/>
                 <a:cs typeface="Calibri"/>
               </a:rPr>
               <a:t> de </a:t>
             </a:r>
             <a:r>
-              <a:rPr lang="fr-CA" sz="2400" b="1">
+              <a:rPr lang="fr-CA" sz="2400" b="1" dirty="0">
                 <a:latin typeface="Calibri"/>
                 <a:cs typeface="Calibri"/>
               </a:rPr>
               <a:t>marqueur de taille</a:t>
             </a:r>
             <a:r>
-              <a:rPr lang="fr-CA" sz="2400">
+              <a:rPr lang="fr-CA" sz="2400" dirty="0">
                 <a:latin typeface="Calibri"/>
                 <a:cs typeface="Calibri"/>
               </a:rPr>
@@ -13208,56 +13208,56 @@
               </a:spcAft>
             </a:pPr>
             <a:r>
-              <a:rPr lang="fr-CA" sz="2400">
+              <a:rPr lang="fr-CA" sz="2400" dirty="0">
                 <a:latin typeface="Calibri"/>
                 <a:cs typeface="Calibri"/>
               </a:rPr>
               <a:t>Pipeter le </a:t>
             </a:r>
             <a:r>
-              <a:rPr lang="fr-CA" sz="2400" b="1">
+              <a:rPr lang="fr-CA" sz="2400" b="1" dirty="0">
                 <a:latin typeface="Calibri"/>
                 <a:cs typeface="Calibri"/>
               </a:rPr>
               <a:t>12 </a:t>
             </a:r>
             <a:r>
-              <a:rPr lang="fr-CA" sz="2400" b="1" err="1">
+              <a:rPr lang="fr-CA" sz="2400" b="1" dirty="0" err="1">
                 <a:latin typeface="Calibri"/>
                 <a:cs typeface="Calibri"/>
               </a:rPr>
               <a:t>μl</a:t>
             </a:r>
             <a:r>
-              <a:rPr lang="fr-CA" sz="2400">
+              <a:rPr lang="fr-CA" sz="2400" dirty="0">
                 <a:latin typeface="Calibri"/>
                 <a:cs typeface="Calibri"/>
               </a:rPr>
               <a:t> de votre mélange </a:t>
             </a:r>
             <a:r>
-              <a:rPr lang="fr-CA" sz="2400" b="1">
+              <a:rPr lang="fr-CA" sz="2400" b="1" dirty="0">
                 <a:latin typeface="Calibri"/>
                 <a:cs typeface="Calibri"/>
               </a:rPr>
               <a:t>ADN – colorant</a:t>
             </a:r>
             <a:r>
-              <a:rPr lang="fr-CA" sz="2400">
+              <a:rPr lang="fr-CA" sz="2400" dirty="0">
                 <a:latin typeface="Calibri"/>
                 <a:cs typeface="Calibri"/>
               </a:rPr>
               <a:t> et le déposer dans un des puits du gel en faisant bien </a:t>
             </a:r>
             <a:r>
-              <a:rPr lang="fr-CA" sz="2400" u="sng">
+              <a:rPr lang="fr-CA" sz="2400" u="sng" dirty="0">
                 <a:latin typeface="Calibri"/>
                 <a:cs typeface="Calibri"/>
               </a:rPr>
               <a:t>attention de ne pas déchirer le gel</a:t>
             </a:r>
             <a:r>
-              <a:rPr lang="fr-CA" sz="2400">
+              <a:rPr lang="fr-CA" sz="2400" dirty="0">
                 <a:latin typeface="Calibri"/>
                 <a:cs typeface="Calibri"/>
               </a:rPr>
@@ -13273,7 +13273,7 @@
                 <a:spcPts val="600"/>
               </a:spcAft>
             </a:pPr>
-            <a:endParaRPr lang="fr-CA" sz="2400"/>
+            <a:endParaRPr lang="fr-CA" sz="2400" dirty="0"/>
           </a:p>
           <a:p>
             <a:pPr marL="0" indent="0">
@@ -13286,13 +13286,13 @@
               <a:buNone/>
             </a:pPr>
             <a:r>
-              <a:rPr lang="fr-CA" sz="2400">
+              <a:rPr lang="fr-CA" sz="2400" dirty="0">
                 <a:latin typeface="Calibri"/>
                 <a:cs typeface="Calibri"/>
               </a:rPr>
               <a:t>Les démonstrateurs s'occuperont du reste des étapes (voir protocole).</a:t>
             </a:r>
-            <a:endParaRPr lang="fr-CA" sz="2400"/>
+            <a:endParaRPr lang="fr-CA" sz="2400" dirty="0"/>
           </a:p>
           <a:p>
             <a:pPr marL="342900" indent="-342900">
@@ -13303,7 +13303,7 @@
                 <a:spcPts val="600"/>
               </a:spcAft>
             </a:pPr>
-            <a:endParaRPr lang="fr-CA" sz="2400"/>
+            <a:endParaRPr lang="fr-CA" sz="2400" dirty="0"/>
           </a:p>
         </p:txBody>
       </p:sp>
@@ -13825,13 +13825,13 @@
               </a:spcAft>
             </a:pPr>
             <a:r>
-              <a:rPr lang="fr-CA" sz="1800">
+              <a:rPr lang="fr-CA" sz="1800" dirty="0">
                 <a:latin typeface="Calibri"/>
                 <a:cs typeface="Calibri"/>
               </a:rPr>
               <a:t>Observez à l'aide de la loupe binoculaire. Décrivez.</a:t>
             </a:r>
-            <a:endParaRPr lang="fr-CA" sz="1800"/>
+            <a:endParaRPr lang="fr-CA" sz="1800" dirty="0"/>
           </a:p>
           <a:p>
             <a:pPr marL="342900" indent="-342900">
@@ -13843,7 +13843,10 @@
               </a:spcAft>
             </a:pPr>
             <a:r>
-              <a:rPr lang="fr-CA" sz="1800">
+              <a:rPr lang="fr-CA" sz="1800" b="1" dirty="0">
+                <a:solidFill>
+                  <a:srgbClr val="FF0000"/>
+                </a:solidFill>
                 <a:latin typeface="Calibri"/>
                 <a:cs typeface="Calibri"/>
               </a:rPr>

--- a/BIO1410_labo-2.pptx
+++ b/BIO1410_labo-2.pptx
@@ -5,7 +5,7 @@
     <p:sldMasterId id="2147483648" r:id="rId1"/>
   </p:sldMasterIdLst>
   <p:notesMasterIdLst>
-    <p:notesMasterId r:id="rId26"/>
+    <p:notesMasterId r:id="rId27"/>
   </p:notesMasterIdLst>
   <p:sldIdLst>
     <p:sldId id="256" r:id="rId2"/>
@@ -14,24 +14,25 @@
     <p:sldId id="1144" r:id="rId5"/>
     <p:sldId id="1142" r:id="rId6"/>
     <p:sldId id="1182" r:id="rId7"/>
-    <p:sldId id="1187" r:id="rId8"/>
-    <p:sldId id="1146" r:id="rId9"/>
-    <p:sldId id="1188" r:id="rId10"/>
-    <p:sldId id="1179" r:id="rId11"/>
-    <p:sldId id="1147" r:id="rId12"/>
-    <p:sldId id="1145" r:id="rId13"/>
-    <p:sldId id="1189" r:id="rId14"/>
-    <p:sldId id="1180" r:id="rId15"/>
-    <p:sldId id="1171" r:id="rId16"/>
-    <p:sldId id="1134" r:id="rId17"/>
-    <p:sldId id="1190" r:id="rId18"/>
-    <p:sldId id="1170" r:id="rId19"/>
-    <p:sldId id="1185" r:id="rId20"/>
-    <p:sldId id="1149" r:id="rId21"/>
-    <p:sldId id="1150" r:id="rId22"/>
-    <p:sldId id="1178" r:id="rId23"/>
-    <p:sldId id="1151" r:id="rId24"/>
-    <p:sldId id="1167" r:id="rId25"/>
+    <p:sldId id="1191" r:id="rId8"/>
+    <p:sldId id="1187" r:id="rId9"/>
+    <p:sldId id="1146" r:id="rId10"/>
+    <p:sldId id="1188" r:id="rId11"/>
+    <p:sldId id="1179" r:id="rId12"/>
+    <p:sldId id="1147" r:id="rId13"/>
+    <p:sldId id="1145" r:id="rId14"/>
+    <p:sldId id="1189" r:id="rId15"/>
+    <p:sldId id="1180" r:id="rId16"/>
+    <p:sldId id="1171" r:id="rId17"/>
+    <p:sldId id="1134" r:id="rId18"/>
+    <p:sldId id="1190" r:id="rId19"/>
+    <p:sldId id="1170" r:id="rId20"/>
+    <p:sldId id="1185" r:id="rId21"/>
+    <p:sldId id="1149" r:id="rId22"/>
+    <p:sldId id="1150" r:id="rId23"/>
+    <p:sldId id="1178" r:id="rId24"/>
+    <p:sldId id="1151" r:id="rId25"/>
+    <p:sldId id="1167" r:id="rId26"/>
   </p:sldIdLst>
   <p:sldSz cx="12192000" cy="6858000"/>
   <p:notesSz cx="6858000" cy="9144000"/>
@@ -220,7 +221,7 @@
           <a:p>
             <a:fld id="{C08414A9-7F57-064B-9498-58438E229F1C}" type="datetimeFigureOut">
               <a:rPr lang="fr-FR" smtClean="0"/>
-              <a:t>21/01/2025</a:t>
+              <a:t>27/01/2025</a:t>
             </a:fld>
             <a:endParaRPr lang="fr-FR"/>
           </a:p>
@@ -646,7 +647,7 @@
     </p:spTree>
     <p:extLst>
       <p:ext uri="{BB962C8B-B14F-4D97-AF65-F5344CB8AC3E}">
-        <p14:creationId xmlns:p14="http://schemas.microsoft.com/office/powerpoint/2010/main" val="3898576618"/>
+        <p14:creationId xmlns:p14="http://schemas.microsoft.com/office/powerpoint/2010/main" val="103077003"/>
       </p:ext>
     </p:extLst>
   </p:cSld>
@@ -730,6 +731,90 @@
     </p:spTree>
     <p:extLst>
       <p:ext uri="{BB962C8B-B14F-4D97-AF65-F5344CB8AC3E}">
+        <p14:creationId xmlns:p14="http://schemas.microsoft.com/office/powerpoint/2010/main" val="3898576618"/>
+      </p:ext>
+    </p:extLst>
+  </p:cSld>
+  <p:clrMapOvr>
+    <a:masterClrMapping/>
+  </p:clrMapOvr>
+</p:notes>
+</file>
+
+<file path=ppt/notesSlides/notesSlide12.xml><?xml version="1.0" encoding="utf-8"?>
+<p:notes xmlns:a="http://schemas.openxmlformats.org/drawingml/2006/main" xmlns:r="http://schemas.openxmlformats.org/officeDocument/2006/relationships" xmlns:p="http://schemas.openxmlformats.org/presentationml/2006/main">
+  <p:cSld>
+    <p:spTree>
+      <p:nvGrpSpPr>
+        <p:cNvPr id="1" name=""/>
+        <p:cNvGrpSpPr/>
+        <p:nvPr/>
+      </p:nvGrpSpPr>
+      <p:grpSpPr>
+        <a:xfrm>
+          <a:off x="0" y="0"/>
+          <a:ext cx="0" cy="0"/>
+          <a:chOff x="0" y="0"/>
+          <a:chExt cx="0" cy="0"/>
+        </a:xfrm>
+      </p:grpSpPr>
+      <p:sp>
+        <p:nvSpPr>
+          <p:cNvPr id="2" name="Slide Image Placeholder 1"/>
+          <p:cNvSpPr>
+            <a:spLocks noGrp="1" noRot="1" noChangeAspect="1"/>
+          </p:cNvSpPr>
+          <p:nvPr>
+            <p:ph type="sldImg"/>
+          </p:nvPr>
+        </p:nvSpPr>
+        <p:spPr/>
+      </p:sp>
+      <p:sp>
+        <p:nvSpPr>
+          <p:cNvPr id="3" name="Notes Placeholder 2"/>
+          <p:cNvSpPr>
+            <a:spLocks noGrp="1"/>
+          </p:cNvSpPr>
+          <p:nvPr>
+            <p:ph type="body" idx="1"/>
+          </p:nvPr>
+        </p:nvSpPr>
+        <p:spPr/>
+        <p:txBody>
+          <a:bodyPr/>
+          <a:lstStyle/>
+          <a:p>
+            <a:endParaRPr lang="fr-CA"/>
+          </a:p>
+        </p:txBody>
+      </p:sp>
+      <p:sp>
+        <p:nvSpPr>
+          <p:cNvPr id="4" name="Slide Number Placeholder 3"/>
+          <p:cNvSpPr>
+            <a:spLocks noGrp="1"/>
+          </p:cNvSpPr>
+          <p:nvPr>
+            <p:ph type="sldNum" sz="quarter" idx="5"/>
+          </p:nvPr>
+        </p:nvSpPr>
+        <p:spPr/>
+        <p:txBody>
+          <a:bodyPr/>
+          <a:lstStyle/>
+          <a:p>
+            <a:fld id="{01C17934-6AC1-E145-AB48-94840A833696}" type="slidenum">
+              <a:rPr lang="fr-FR" smtClean="0"/>
+              <a:t>13</a:t>
+            </a:fld>
+            <a:endParaRPr lang="fr-FR"/>
+          </a:p>
+        </p:txBody>
+      </p:sp>
+    </p:spTree>
+    <p:extLst>
+      <p:ext uri="{BB962C8B-B14F-4D97-AF65-F5344CB8AC3E}">
         <p14:creationId xmlns:p14="http://schemas.microsoft.com/office/powerpoint/2010/main" val="2037034120"/>
       </p:ext>
     </p:extLst>
@@ -740,7 +825,7 @@
 </p:notes>
 </file>
 
-<file path=ppt/notesSlides/notesSlide12.xml><?xml version="1.0" encoding="utf-8"?>
+<file path=ppt/notesSlides/notesSlide13.xml><?xml version="1.0" encoding="utf-8"?>
 <p:notes xmlns:a="http://schemas.openxmlformats.org/drawingml/2006/main" xmlns:r="http://schemas.openxmlformats.org/officeDocument/2006/relationships" xmlns:p="http://schemas.openxmlformats.org/presentationml/2006/main">
   <p:cSld>
     <p:spTree>
@@ -829,7 +914,7 @@
           <a:p>
             <a:fld id="{01C17934-6AC1-E145-AB48-94840A833696}" type="slidenum">
               <a:rPr lang="fr-FR" smtClean="0"/>
-              <a:t>13</a:t>
+              <a:t>14</a:t>
             </a:fld>
             <a:endParaRPr lang="fr-FR"/>
           </a:p>
@@ -839,90 +924,6 @@
     <p:extLst>
       <p:ext uri="{BB962C8B-B14F-4D97-AF65-F5344CB8AC3E}">
         <p14:creationId xmlns:p14="http://schemas.microsoft.com/office/powerpoint/2010/main" val="1207838033"/>
-      </p:ext>
-    </p:extLst>
-  </p:cSld>
-  <p:clrMapOvr>
-    <a:masterClrMapping/>
-  </p:clrMapOvr>
-</p:notes>
-</file>
-
-<file path=ppt/notesSlides/notesSlide13.xml><?xml version="1.0" encoding="utf-8"?>
-<p:notes xmlns:a="http://schemas.openxmlformats.org/drawingml/2006/main" xmlns:r="http://schemas.openxmlformats.org/officeDocument/2006/relationships" xmlns:p="http://schemas.openxmlformats.org/presentationml/2006/main">
-  <p:cSld>
-    <p:spTree>
-      <p:nvGrpSpPr>
-        <p:cNvPr id="1" name=""/>
-        <p:cNvGrpSpPr/>
-        <p:nvPr/>
-      </p:nvGrpSpPr>
-      <p:grpSpPr>
-        <a:xfrm>
-          <a:off x="0" y="0"/>
-          <a:ext cx="0" cy="0"/>
-          <a:chOff x="0" y="0"/>
-          <a:chExt cx="0" cy="0"/>
-        </a:xfrm>
-      </p:grpSpPr>
-      <p:sp>
-        <p:nvSpPr>
-          <p:cNvPr id="2" name="Slide Image Placeholder 1"/>
-          <p:cNvSpPr>
-            <a:spLocks noGrp="1" noRot="1" noChangeAspect="1"/>
-          </p:cNvSpPr>
-          <p:nvPr>
-            <p:ph type="sldImg"/>
-          </p:nvPr>
-        </p:nvSpPr>
-        <p:spPr/>
-      </p:sp>
-      <p:sp>
-        <p:nvSpPr>
-          <p:cNvPr id="3" name="Notes Placeholder 2"/>
-          <p:cNvSpPr>
-            <a:spLocks noGrp="1"/>
-          </p:cNvSpPr>
-          <p:nvPr>
-            <p:ph type="body" idx="1"/>
-          </p:nvPr>
-        </p:nvSpPr>
-        <p:spPr/>
-        <p:txBody>
-          <a:bodyPr/>
-          <a:lstStyle/>
-          <a:p>
-            <a:endParaRPr lang="fr-CA"/>
-          </a:p>
-        </p:txBody>
-      </p:sp>
-      <p:sp>
-        <p:nvSpPr>
-          <p:cNvPr id="4" name="Slide Number Placeholder 3"/>
-          <p:cNvSpPr>
-            <a:spLocks noGrp="1"/>
-          </p:cNvSpPr>
-          <p:nvPr>
-            <p:ph type="sldNum" sz="quarter" idx="5"/>
-          </p:nvPr>
-        </p:nvSpPr>
-        <p:spPr/>
-        <p:txBody>
-          <a:bodyPr/>
-          <a:lstStyle/>
-          <a:p>
-            <a:fld id="{01C17934-6AC1-E145-AB48-94840A833696}" type="slidenum">
-              <a:rPr lang="fr-FR" smtClean="0"/>
-              <a:t>14</a:t>
-            </a:fld>
-            <a:endParaRPr lang="fr-FR"/>
-          </a:p>
-        </p:txBody>
-      </p:sp>
-    </p:spTree>
-    <p:extLst>
-      <p:ext uri="{BB962C8B-B14F-4D97-AF65-F5344CB8AC3E}">
-        <p14:creationId xmlns:p14="http://schemas.microsoft.com/office/powerpoint/2010/main" val="2015669131"/>
       </p:ext>
     </p:extLst>
   </p:cSld>
@@ -1006,7 +1007,7 @@
     </p:spTree>
     <p:extLst>
       <p:ext uri="{BB962C8B-B14F-4D97-AF65-F5344CB8AC3E}">
-        <p14:creationId xmlns:p14="http://schemas.microsoft.com/office/powerpoint/2010/main" val="3259656608"/>
+        <p14:creationId xmlns:p14="http://schemas.microsoft.com/office/powerpoint/2010/main" val="2015669131"/>
       </p:ext>
     </p:extLst>
   </p:cSld>
@@ -1090,6 +1091,90 @@
     </p:spTree>
     <p:extLst>
       <p:ext uri="{BB962C8B-B14F-4D97-AF65-F5344CB8AC3E}">
+        <p14:creationId xmlns:p14="http://schemas.microsoft.com/office/powerpoint/2010/main" val="3259656608"/>
+      </p:ext>
+    </p:extLst>
+  </p:cSld>
+  <p:clrMapOvr>
+    <a:masterClrMapping/>
+  </p:clrMapOvr>
+</p:notes>
+</file>
+
+<file path=ppt/notesSlides/notesSlide16.xml><?xml version="1.0" encoding="utf-8"?>
+<p:notes xmlns:a="http://schemas.openxmlformats.org/drawingml/2006/main" xmlns:r="http://schemas.openxmlformats.org/officeDocument/2006/relationships" xmlns:p="http://schemas.openxmlformats.org/presentationml/2006/main">
+  <p:cSld>
+    <p:spTree>
+      <p:nvGrpSpPr>
+        <p:cNvPr id="1" name=""/>
+        <p:cNvGrpSpPr/>
+        <p:nvPr/>
+      </p:nvGrpSpPr>
+      <p:grpSpPr>
+        <a:xfrm>
+          <a:off x="0" y="0"/>
+          <a:ext cx="0" cy="0"/>
+          <a:chOff x="0" y="0"/>
+          <a:chExt cx="0" cy="0"/>
+        </a:xfrm>
+      </p:grpSpPr>
+      <p:sp>
+        <p:nvSpPr>
+          <p:cNvPr id="2" name="Slide Image Placeholder 1"/>
+          <p:cNvSpPr>
+            <a:spLocks noGrp="1" noRot="1" noChangeAspect="1"/>
+          </p:cNvSpPr>
+          <p:nvPr>
+            <p:ph type="sldImg"/>
+          </p:nvPr>
+        </p:nvSpPr>
+        <p:spPr/>
+      </p:sp>
+      <p:sp>
+        <p:nvSpPr>
+          <p:cNvPr id="3" name="Notes Placeholder 2"/>
+          <p:cNvSpPr>
+            <a:spLocks noGrp="1"/>
+          </p:cNvSpPr>
+          <p:nvPr>
+            <p:ph type="body" idx="1"/>
+          </p:nvPr>
+        </p:nvSpPr>
+        <p:spPr/>
+        <p:txBody>
+          <a:bodyPr/>
+          <a:lstStyle/>
+          <a:p>
+            <a:endParaRPr lang="fr-CA"/>
+          </a:p>
+        </p:txBody>
+      </p:sp>
+      <p:sp>
+        <p:nvSpPr>
+          <p:cNvPr id="4" name="Slide Number Placeholder 3"/>
+          <p:cNvSpPr>
+            <a:spLocks noGrp="1"/>
+          </p:cNvSpPr>
+          <p:nvPr>
+            <p:ph type="sldNum" sz="quarter" idx="5"/>
+          </p:nvPr>
+        </p:nvSpPr>
+        <p:spPr/>
+        <p:txBody>
+          <a:bodyPr/>
+          <a:lstStyle/>
+          <a:p>
+            <a:fld id="{01C17934-6AC1-E145-AB48-94840A833696}" type="slidenum">
+              <a:rPr lang="fr-FR" smtClean="0"/>
+              <a:t>17</a:t>
+            </a:fld>
+            <a:endParaRPr lang="fr-FR"/>
+          </a:p>
+        </p:txBody>
+      </p:sp>
+    </p:spTree>
+    <p:extLst>
+      <p:ext uri="{BB962C8B-B14F-4D97-AF65-F5344CB8AC3E}">
         <p14:creationId xmlns:p14="http://schemas.microsoft.com/office/powerpoint/2010/main" val="741156701"/>
       </p:ext>
     </p:extLst>
@@ -1100,7 +1185,7 @@
 </p:notes>
 </file>
 
-<file path=ppt/notesSlides/notesSlide16.xml><?xml version="1.0" encoding="utf-8"?>
+<file path=ppt/notesSlides/notesSlide17.xml><?xml version="1.0" encoding="utf-8"?>
 <p:notes xmlns:a="http://schemas.openxmlformats.org/drawingml/2006/main" xmlns:r="http://schemas.openxmlformats.org/officeDocument/2006/relationships" xmlns:p="http://schemas.openxmlformats.org/presentationml/2006/main">
   <p:cSld>
     <p:spTree>
@@ -1189,7 +1274,7 @@
           <a:p>
             <a:fld id="{01C17934-6AC1-E145-AB48-94840A833696}" type="slidenum">
               <a:rPr lang="fr-FR" smtClean="0"/>
-              <a:t>17</a:t>
+              <a:t>18</a:t>
             </a:fld>
             <a:endParaRPr lang="fr-FR"/>
           </a:p>
@@ -1199,90 +1284,6 @@
     <p:extLst>
       <p:ext uri="{BB962C8B-B14F-4D97-AF65-F5344CB8AC3E}">
         <p14:creationId xmlns:p14="http://schemas.microsoft.com/office/powerpoint/2010/main" val="3571406059"/>
-      </p:ext>
-    </p:extLst>
-  </p:cSld>
-  <p:clrMapOvr>
-    <a:masterClrMapping/>
-  </p:clrMapOvr>
-</p:notes>
-</file>
-
-<file path=ppt/notesSlides/notesSlide17.xml><?xml version="1.0" encoding="utf-8"?>
-<p:notes xmlns:a="http://schemas.openxmlformats.org/drawingml/2006/main" xmlns:r="http://schemas.openxmlformats.org/officeDocument/2006/relationships" xmlns:p="http://schemas.openxmlformats.org/presentationml/2006/main">
-  <p:cSld>
-    <p:spTree>
-      <p:nvGrpSpPr>
-        <p:cNvPr id="1" name=""/>
-        <p:cNvGrpSpPr/>
-        <p:nvPr/>
-      </p:nvGrpSpPr>
-      <p:grpSpPr>
-        <a:xfrm>
-          <a:off x="0" y="0"/>
-          <a:ext cx="0" cy="0"/>
-          <a:chOff x="0" y="0"/>
-          <a:chExt cx="0" cy="0"/>
-        </a:xfrm>
-      </p:grpSpPr>
-      <p:sp>
-        <p:nvSpPr>
-          <p:cNvPr id="2" name="Slide Image Placeholder 1"/>
-          <p:cNvSpPr>
-            <a:spLocks noGrp="1" noRot="1" noChangeAspect="1"/>
-          </p:cNvSpPr>
-          <p:nvPr>
-            <p:ph type="sldImg"/>
-          </p:nvPr>
-        </p:nvSpPr>
-        <p:spPr/>
-      </p:sp>
-      <p:sp>
-        <p:nvSpPr>
-          <p:cNvPr id="3" name="Notes Placeholder 2"/>
-          <p:cNvSpPr>
-            <a:spLocks noGrp="1"/>
-          </p:cNvSpPr>
-          <p:nvPr>
-            <p:ph type="body" idx="1"/>
-          </p:nvPr>
-        </p:nvSpPr>
-        <p:spPr/>
-        <p:txBody>
-          <a:bodyPr/>
-          <a:lstStyle/>
-          <a:p>
-            <a:endParaRPr lang="fr-CA"/>
-          </a:p>
-        </p:txBody>
-      </p:sp>
-      <p:sp>
-        <p:nvSpPr>
-          <p:cNvPr id="4" name="Slide Number Placeholder 3"/>
-          <p:cNvSpPr>
-            <a:spLocks noGrp="1"/>
-          </p:cNvSpPr>
-          <p:nvPr>
-            <p:ph type="sldNum" sz="quarter" idx="5"/>
-          </p:nvPr>
-        </p:nvSpPr>
-        <p:spPr/>
-        <p:txBody>
-          <a:bodyPr/>
-          <a:lstStyle/>
-          <a:p>
-            <a:fld id="{01C17934-6AC1-E145-AB48-94840A833696}" type="slidenum">
-              <a:rPr lang="fr-FR" smtClean="0"/>
-              <a:t>18</a:t>
-            </a:fld>
-            <a:endParaRPr lang="fr-FR"/>
-          </a:p>
-        </p:txBody>
-      </p:sp>
-    </p:spTree>
-    <p:extLst>
-      <p:ext uri="{BB962C8B-B14F-4D97-AF65-F5344CB8AC3E}">
-        <p14:creationId xmlns:p14="http://schemas.microsoft.com/office/powerpoint/2010/main" val="688972001"/>
       </p:ext>
     </p:extLst>
   </p:cSld>
@@ -1366,7 +1367,7 @@
     </p:spTree>
     <p:extLst>
       <p:ext uri="{BB962C8B-B14F-4D97-AF65-F5344CB8AC3E}">
-        <p14:creationId xmlns:p14="http://schemas.microsoft.com/office/powerpoint/2010/main" val="1191983466"/>
+        <p14:creationId xmlns:p14="http://schemas.microsoft.com/office/powerpoint/2010/main" val="688972001"/>
       </p:ext>
     </p:extLst>
   </p:cSld>
@@ -1450,7 +1451,7 @@
     </p:spTree>
     <p:extLst>
       <p:ext uri="{BB962C8B-B14F-4D97-AF65-F5344CB8AC3E}">
-        <p14:creationId xmlns:p14="http://schemas.microsoft.com/office/powerpoint/2010/main" val="1583084985"/>
+        <p14:creationId xmlns:p14="http://schemas.microsoft.com/office/powerpoint/2010/main" val="1191983466"/>
       </p:ext>
     </p:extLst>
   </p:cSld>
@@ -1618,7 +1619,7 @@
     </p:spTree>
     <p:extLst>
       <p:ext uri="{BB962C8B-B14F-4D97-AF65-F5344CB8AC3E}">
-        <p14:creationId xmlns:p14="http://schemas.microsoft.com/office/powerpoint/2010/main" val="317741553"/>
+        <p14:creationId xmlns:p14="http://schemas.microsoft.com/office/powerpoint/2010/main" val="1583084985"/>
       </p:ext>
     </p:extLst>
   </p:cSld>
@@ -1702,7 +1703,7 @@
     </p:spTree>
     <p:extLst>
       <p:ext uri="{BB962C8B-B14F-4D97-AF65-F5344CB8AC3E}">
-        <p14:creationId xmlns:p14="http://schemas.microsoft.com/office/powerpoint/2010/main" val="927329561"/>
+        <p14:creationId xmlns:p14="http://schemas.microsoft.com/office/powerpoint/2010/main" val="317741553"/>
       </p:ext>
     </p:extLst>
   </p:cSld>
@@ -1778,6 +1779,90 @@
             <a:fld id="{01C17934-6AC1-E145-AB48-94840A833696}" type="slidenum">
               <a:rPr lang="fr-FR" smtClean="0"/>
               <a:t>23</a:t>
+            </a:fld>
+            <a:endParaRPr lang="fr-FR"/>
+          </a:p>
+        </p:txBody>
+      </p:sp>
+    </p:spTree>
+    <p:extLst>
+      <p:ext uri="{BB962C8B-B14F-4D97-AF65-F5344CB8AC3E}">
+        <p14:creationId xmlns:p14="http://schemas.microsoft.com/office/powerpoint/2010/main" val="927329561"/>
+      </p:ext>
+    </p:extLst>
+  </p:cSld>
+  <p:clrMapOvr>
+    <a:masterClrMapping/>
+  </p:clrMapOvr>
+</p:notes>
+</file>
+
+<file path=ppt/notesSlides/notesSlide23.xml><?xml version="1.0" encoding="utf-8"?>
+<p:notes xmlns:a="http://schemas.openxmlformats.org/drawingml/2006/main" xmlns:r="http://schemas.openxmlformats.org/officeDocument/2006/relationships" xmlns:p="http://schemas.openxmlformats.org/presentationml/2006/main">
+  <p:cSld>
+    <p:spTree>
+      <p:nvGrpSpPr>
+        <p:cNvPr id="1" name=""/>
+        <p:cNvGrpSpPr/>
+        <p:nvPr/>
+      </p:nvGrpSpPr>
+      <p:grpSpPr>
+        <a:xfrm>
+          <a:off x="0" y="0"/>
+          <a:ext cx="0" cy="0"/>
+          <a:chOff x="0" y="0"/>
+          <a:chExt cx="0" cy="0"/>
+        </a:xfrm>
+      </p:grpSpPr>
+      <p:sp>
+        <p:nvSpPr>
+          <p:cNvPr id="2" name="Slide Image Placeholder 1"/>
+          <p:cNvSpPr>
+            <a:spLocks noGrp="1" noRot="1" noChangeAspect="1"/>
+          </p:cNvSpPr>
+          <p:nvPr>
+            <p:ph type="sldImg"/>
+          </p:nvPr>
+        </p:nvSpPr>
+        <p:spPr/>
+      </p:sp>
+      <p:sp>
+        <p:nvSpPr>
+          <p:cNvPr id="3" name="Notes Placeholder 2"/>
+          <p:cNvSpPr>
+            <a:spLocks noGrp="1"/>
+          </p:cNvSpPr>
+          <p:nvPr>
+            <p:ph type="body" idx="1"/>
+          </p:nvPr>
+        </p:nvSpPr>
+        <p:spPr/>
+        <p:txBody>
+          <a:bodyPr/>
+          <a:lstStyle/>
+          <a:p>
+            <a:endParaRPr lang="fr-CA"/>
+          </a:p>
+        </p:txBody>
+      </p:sp>
+      <p:sp>
+        <p:nvSpPr>
+          <p:cNvPr id="4" name="Slide Number Placeholder 3"/>
+          <p:cNvSpPr>
+            <a:spLocks noGrp="1"/>
+          </p:cNvSpPr>
+          <p:nvPr>
+            <p:ph type="sldNum" sz="quarter" idx="5"/>
+          </p:nvPr>
+        </p:nvSpPr>
+        <p:spPr/>
+        <p:txBody>
+          <a:bodyPr/>
+          <a:lstStyle/>
+          <a:p>
+            <a:fld id="{01C17934-6AC1-E145-AB48-94840A833696}" type="slidenum">
+              <a:rPr lang="fr-FR" smtClean="0"/>
+              <a:t>24</a:t>
             </a:fld>
             <a:endParaRPr lang="fr-FR"/>
           </a:p>
@@ -2164,6 +2249,114 @@
         <p:cNvPr id="1" name="">
           <a:extLst>
             <a:ext uri="{FF2B5EF4-FFF2-40B4-BE49-F238E27FC236}">
+              <a16:creationId xmlns:a16="http://schemas.microsoft.com/office/drawing/2014/main" id="{B66339FF-A192-FD9B-E63D-9CD414CA906C}"/>
+            </a:ext>
+          </a:extLst>
+        </p:cNvPr>
+        <p:cNvGrpSpPr/>
+        <p:nvPr/>
+      </p:nvGrpSpPr>
+      <p:grpSpPr>
+        <a:xfrm>
+          <a:off x="0" y="0"/>
+          <a:ext cx="0" cy="0"/>
+          <a:chOff x="0" y="0"/>
+          <a:chExt cx="0" cy="0"/>
+        </a:xfrm>
+      </p:grpSpPr>
+      <p:sp>
+        <p:nvSpPr>
+          <p:cNvPr id="2" name="Slide Image Placeholder 1">
+            <a:extLst>
+              <a:ext uri="{FF2B5EF4-FFF2-40B4-BE49-F238E27FC236}">
+                <a16:creationId xmlns:a16="http://schemas.microsoft.com/office/drawing/2014/main" id="{11C590E4-103E-14EA-3DF5-EEEA92534B61}"/>
+              </a:ext>
+            </a:extLst>
+          </p:cNvPr>
+          <p:cNvSpPr>
+            <a:spLocks noGrp="1" noRot="1" noChangeAspect="1"/>
+          </p:cNvSpPr>
+          <p:nvPr>
+            <p:ph type="sldImg"/>
+          </p:nvPr>
+        </p:nvSpPr>
+        <p:spPr/>
+      </p:sp>
+      <p:sp>
+        <p:nvSpPr>
+          <p:cNvPr id="3" name="Notes Placeholder 2">
+            <a:extLst>
+              <a:ext uri="{FF2B5EF4-FFF2-40B4-BE49-F238E27FC236}">
+                <a16:creationId xmlns:a16="http://schemas.microsoft.com/office/drawing/2014/main" id="{37A835FB-064D-97CD-6FE2-95435A2C94E5}"/>
+              </a:ext>
+            </a:extLst>
+          </p:cNvPr>
+          <p:cNvSpPr>
+            <a:spLocks noGrp="1"/>
+          </p:cNvSpPr>
+          <p:nvPr>
+            <p:ph type="body" idx="1"/>
+          </p:nvPr>
+        </p:nvSpPr>
+        <p:spPr/>
+        <p:txBody>
+          <a:bodyPr/>
+          <a:lstStyle/>
+          <a:p>
+            <a:endParaRPr lang="fr-CA"/>
+          </a:p>
+        </p:txBody>
+      </p:sp>
+      <p:sp>
+        <p:nvSpPr>
+          <p:cNvPr id="4" name="Slide Number Placeholder 3">
+            <a:extLst>
+              <a:ext uri="{FF2B5EF4-FFF2-40B4-BE49-F238E27FC236}">
+                <a16:creationId xmlns:a16="http://schemas.microsoft.com/office/drawing/2014/main" id="{7D29B06A-8781-E096-9B9D-952FB55DC024}"/>
+              </a:ext>
+            </a:extLst>
+          </p:cNvPr>
+          <p:cNvSpPr>
+            <a:spLocks noGrp="1"/>
+          </p:cNvSpPr>
+          <p:nvPr>
+            <p:ph type="sldNum" sz="quarter" idx="5"/>
+          </p:nvPr>
+        </p:nvSpPr>
+        <p:spPr/>
+        <p:txBody>
+          <a:bodyPr/>
+          <a:lstStyle/>
+          <a:p>
+            <a:fld id="{01C17934-6AC1-E145-AB48-94840A833696}" type="slidenum">
+              <a:rPr lang="fr-FR" smtClean="0"/>
+              <a:t>7</a:t>
+            </a:fld>
+            <a:endParaRPr lang="fr-FR"/>
+          </a:p>
+        </p:txBody>
+      </p:sp>
+    </p:spTree>
+    <p:extLst>
+      <p:ext uri="{BB962C8B-B14F-4D97-AF65-F5344CB8AC3E}">
+        <p14:creationId xmlns:p14="http://schemas.microsoft.com/office/powerpoint/2010/main" val="1734533517"/>
+      </p:ext>
+    </p:extLst>
+  </p:cSld>
+  <p:clrMapOvr>
+    <a:masterClrMapping/>
+  </p:clrMapOvr>
+</p:notes>
+</file>
+
+<file path=ppt/notesSlides/notesSlide8.xml><?xml version="1.0" encoding="utf-8"?>
+<p:notes xmlns:a="http://schemas.openxmlformats.org/drawingml/2006/main" xmlns:r="http://schemas.openxmlformats.org/officeDocument/2006/relationships" xmlns:p="http://schemas.openxmlformats.org/presentationml/2006/main">
+  <p:cSld>
+    <p:spTree>
+      <p:nvGrpSpPr>
+        <p:cNvPr id="1" name="">
+          <a:extLst>
+            <a:ext uri="{FF2B5EF4-FFF2-40B4-BE49-F238E27FC236}">
               <a16:creationId xmlns:a16="http://schemas.microsoft.com/office/drawing/2014/main" id="{DC115870-D91B-F237-CC97-DEF5105BD607}"/>
             </a:ext>
           </a:extLst>
@@ -2245,7 +2438,7 @@
           <a:p>
             <a:fld id="{01C17934-6AC1-E145-AB48-94840A833696}" type="slidenum">
               <a:rPr lang="fr-FR" smtClean="0"/>
-              <a:t>7</a:t>
+              <a:t>8</a:t>
             </a:fld>
             <a:endParaRPr lang="fr-FR"/>
           </a:p>
@@ -2264,7 +2457,7 @@
 </p:notes>
 </file>
 
-<file path=ppt/notesSlides/notesSlide8.xml><?xml version="1.0" encoding="utf-8"?>
+<file path=ppt/notesSlides/notesSlide9.xml><?xml version="1.0" encoding="utf-8"?>
 <p:notes xmlns:a="http://schemas.openxmlformats.org/drawingml/2006/main" xmlns:r="http://schemas.openxmlformats.org/officeDocument/2006/relationships" xmlns:p="http://schemas.openxmlformats.org/presentationml/2006/main">
   <p:cSld>
     <p:spTree>
@@ -2353,7 +2546,7 @@
           <a:p>
             <a:fld id="{01C17934-6AC1-E145-AB48-94840A833696}" type="slidenum">
               <a:rPr lang="fr-FR" smtClean="0"/>
-              <a:t>9</a:t>
+              <a:t>10</a:t>
             </a:fld>
             <a:endParaRPr lang="fr-FR"/>
           </a:p>
@@ -2363,90 +2556,6 @@
     <p:extLst>
       <p:ext uri="{BB962C8B-B14F-4D97-AF65-F5344CB8AC3E}">
         <p14:creationId xmlns:p14="http://schemas.microsoft.com/office/powerpoint/2010/main" val="2190173675"/>
-      </p:ext>
-    </p:extLst>
-  </p:cSld>
-  <p:clrMapOvr>
-    <a:masterClrMapping/>
-  </p:clrMapOvr>
-</p:notes>
-</file>
-
-<file path=ppt/notesSlides/notesSlide9.xml><?xml version="1.0" encoding="utf-8"?>
-<p:notes xmlns:a="http://schemas.openxmlformats.org/drawingml/2006/main" xmlns:r="http://schemas.openxmlformats.org/officeDocument/2006/relationships" xmlns:p="http://schemas.openxmlformats.org/presentationml/2006/main">
-  <p:cSld>
-    <p:spTree>
-      <p:nvGrpSpPr>
-        <p:cNvPr id="1" name=""/>
-        <p:cNvGrpSpPr/>
-        <p:nvPr/>
-      </p:nvGrpSpPr>
-      <p:grpSpPr>
-        <a:xfrm>
-          <a:off x="0" y="0"/>
-          <a:ext cx="0" cy="0"/>
-          <a:chOff x="0" y="0"/>
-          <a:chExt cx="0" cy="0"/>
-        </a:xfrm>
-      </p:grpSpPr>
-      <p:sp>
-        <p:nvSpPr>
-          <p:cNvPr id="2" name="Slide Image Placeholder 1"/>
-          <p:cNvSpPr>
-            <a:spLocks noGrp="1" noRot="1" noChangeAspect="1"/>
-          </p:cNvSpPr>
-          <p:nvPr>
-            <p:ph type="sldImg"/>
-          </p:nvPr>
-        </p:nvSpPr>
-        <p:spPr/>
-      </p:sp>
-      <p:sp>
-        <p:nvSpPr>
-          <p:cNvPr id="3" name="Notes Placeholder 2"/>
-          <p:cNvSpPr>
-            <a:spLocks noGrp="1"/>
-          </p:cNvSpPr>
-          <p:nvPr>
-            <p:ph type="body" idx="1"/>
-          </p:nvPr>
-        </p:nvSpPr>
-        <p:spPr/>
-        <p:txBody>
-          <a:bodyPr/>
-          <a:lstStyle/>
-          <a:p>
-            <a:endParaRPr lang="fr-CA"/>
-          </a:p>
-        </p:txBody>
-      </p:sp>
-      <p:sp>
-        <p:nvSpPr>
-          <p:cNvPr id="4" name="Slide Number Placeholder 3"/>
-          <p:cNvSpPr>
-            <a:spLocks noGrp="1"/>
-          </p:cNvSpPr>
-          <p:nvPr>
-            <p:ph type="sldNum" sz="quarter" idx="5"/>
-          </p:nvPr>
-        </p:nvSpPr>
-        <p:spPr/>
-        <p:txBody>
-          <a:bodyPr/>
-          <a:lstStyle/>
-          <a:p>
-            <a:fld id="{01C17934-6AC1-E145-AB48-94840A833696}" type="slidenum">
-              <a:rPr lang="fr-FR" smtClean="0"/>
-              <a:t>10</a:t>
-            </a:fld>
-            <a:endParaRPr lang="fr-FR"/>
-          </a:p>
-        </p:txBody>
-      </p:sp>
-    </p:spTree>
-    <p:extLst>
-      <p:ext uri="{BB962C8B-B14F-4D97-AF65-F5344CB8AC3E}">
-        <p14:creationId xmlns:p14="http://schemas.microsoft.com/office/powerpoint/2010/main" val="103077003"/>
       </p:ext>
     </p:extLst>
   </p:cSld>
@@ -2608,7 +2717,7 @@
           <a:p>
             <a:fld id="{E5C3F8E6-E0BC-D847-8A4F-F984538FE02A}" type="datetime1">
               <a:rPr lang="fr-CA" smtClean="0"/>
-              <a:t>2025-01-21</a:t>
+              <a:t>2025-01-27</a:t>
             </a:fld>
             <a:endParaRPr lang="fr-FR"/>
           </a:p>
@@ -2816,7 +2925,7 @@
           <a:p>
             <a:fld id="{E98629D1-0E23-3B4D-9988-0C58B9F13186}" type="datetime1">
               <a:rPr lang="fr-CA" smtClean="0"/>
-              <a:t>2025-01-21</a:t>
+              <a:t>2025-01-27</a:t>
             </a:fld>
             <a:endParaRPr lang="fr-FR"/>
           </a:p>
@@ -3029,7 +3138,7 @@
           <a:p>
             <a:fld id="{9688775C-48C4-ED40-B7AA-BC260775E5D7}" type="datetime1">
               <a:rPr lang="fr-CA" smtClean="0"/>
-              <a:t>2025-01-21</a:t>
+              <a:t>2025-01-27</a:t>
             </a:fld>
             <a:endParaRPr lang="fr-FR"/>
           </a:p>
@@ -3345,7 +3454,7 @@
           <a:p>
             <a:fld id="{3A7A29EC-2DA2-A844-AD0D-D4C84DDC7539}" type="datetime1">
               <a:rPr lang="fr-CA" smtClean="0"/>
-              <a:t>2025-01-21</a:t>
+              <a:t>2025-01-27</a:t>
             </a:fld>
             <a:endParaRPr lang="fr-FR"/>
           </a:p>
@@ -3667,7 +3776,7 @@
           <a:p>
             <a:fld id="{CD6DFA2F-7ED3-5746-8AD2-9DE40256FB99}" type="datetime1">
               <a:rPr lang="fr-CA" smtClean="0"/>
-              <a:t>2025-01-21</a:t>
+              <a:t>2025-01-27</a:t>
             </a:fld>
             <a:endParaRPr lang="fr-FR"/>
           </a:p>
@@ -3943,7 +4052,7 @@
           <a:p>
             <a:fld id="{9EBCA33E-81E5-F24E-ABC1-4D72B8AE4BAD}" type="datetime1">
               <a:rPr lang="fr-CA" smtClean="0"/>
-              <a:t>2025-01-21</a:t>
+              <a:t>2025-01-27</a:t>
             </a:fld>
             <a:endParaRPr lang="fr-FR"/>
           </a:p>
@@ -4361,7 +4470,7 @@
           <a:p>
             <a:fld id="{3C16EBFF-706A-F34E-89DE-BEC8C7C43498}" type="datetime1">
               <a:rPr lang="fr-CA" smtClean="0"/>
-              <a:t>2025-01-21</a:t>
+              <a:t>2025-01-27</a:t>
             </a:fld>
             <a:endParaRPr lang="fr-FR"/>
           </a:p>
@@ -4511,7 +4620,7 @@
           <a:p>
             <a:fld id="{A40B396F-15D9-3044-B88E-CF5322E226E3}" type="datetime1">
               <a:rPr lang="fr-CA" smtClean="0"/>
-              <a:t>2025-01-21</a:t>
+              <a:t>2025-01-27</a:t>
             </a:fld>
             <a:endParaRPr lang="fr-FR"/>
           </a:p>
@@ -4624,7 +4733,7 @@
           <a:p>
             <a:fld id="{7AF54194-0EF8-B04B-904F-19DE5315CFBD}" type="datetime1">
               <a:rPr lang="fr-CA" smtClean="0"/>
-              <a:t>2025-01-21</a:t>
+              <a:t>2025-01-27</a:t>
             </a:fld>
             <a:endParaRPr lang="fr-FR"/>
           </a:p>
@@ -4940,7 +5049,7 @@
           <a:p>
             <a:fld id="{10F462FD-58B8-7C45-AA61-0F113E772A96}" type="datetime1">
               <a:rPr lang="fr-CA" smtClean="0"/>
-              <a:t>2025-01-21</a:t>
+              <a:t>2025-01-27</a:t>
             </a:fld>
             <a:endParaRPr lang="fr-FR"/>
           </a:p>
@@ -5232,7 +5341,7 @@
           <a:p>
             <a:fld id="{812FC241-56CA-AB41-A6A7-E3D0351CF20C}" type="datetime1">
               <a:rPr lang="fr-CA" smtClean="0"/>
-              <a:t>2025-01-21</a:t>
+              <a:t>2025-01-27</a:t>
             </a:fld>
             <a:endParaRPr lang="fr-FR"/>
           </a:p>
@@ -5438,7 +5547,7 @@
             <a:fld id="{6A537DD5-4F34-5F4B-BEB2-033AF8CDB394}" type="datetime1">
               <a:rPr lang="fr-CA" smtClean="0"/>
               <a:pPr/>
-              <a:t>2025-01-21</a:t>
+              <a:t>2025-01-27</a:t>
             </a:fld>
             <a:endParaRPr lang="fr-FR"/>
           </a:p>
@@ -6167,6 +6276,375 @@
   <p:cSld>
     <p:spTree>
       <p:nvGrpSpPr>
+        <p:cNvPr id="1" name="">
+          <a:extLst>
+            <a:ext uri="{FF2B5EF4-FFF2-40B4-BE49-F238E27FC236}">
+              <a16:creationId xmlns:a16="http://schemas.microsoft.com/office/drawing/2014/main" id="{8CEECF08-332E-D9F0-7D90-2FFE6B18042F}"/>
+            </a:ext>
+          </a:extLst>
+        </p:cNvPr>
+        <p:cNvGrpSpPr/>
+        <p:nvPr/>
+      </p:nvGrpSpPr>
+      <p:grpSpPr>
+        <a:xfrm>
+          <a:off x="0" y="0"/>
+          <a:ext cx="0" cy="0"/>
+          <a:chOff x="0" y="0"/>
+          <a:chExt cx="0" cy="0"/>
+        </a:xfrm>
+      </p:grpSpPr>
+      <p:sp>
+        <p:nvSpPr>
+          <p:cNvPr id="2" name="Title 1">
+            <a:extLst>
+              <a:ext uri="{FF2B5EF4-FFF2-40B4-BE49-F238E27FC236}">
+                <a16:creationId xmlns:a16="http://schemas.microsoft.com/office/drawing/2014/main" id="{9CB878AB-4C0B-5A27-D1A2-A7A2ABCE24F8}"/>
+              </a:ext>
+            </a:extLst>
+          </p:cNvPr>
+          <p:cNvSpPr>
+            <a:spLocks noGrp="1"/>
+          </p:cNvSpPr>
+          <p:nvPr>
+            <p:ph type="title"/>
+          </p:nvPr>
+        </p:nvSpPr>
+        <p:spPr/>
+        <p:txBody>
+          <a:bodyPr/>
+          <a:lstStyle/>
+          <a:p>
+            <a:r>
+              <a:rPr lang="fr-CA"/>
+              <a:t>Plan de la séance </a:t>
+            </a:r>
+          </a:p>
+        </p:txBody>
+      </p:sp>
+      <p:sp>
+        <p:nvSpPr>
+          <p:cNvPr id="4" name="Slide Number Placeholder 3">
+            <a:extLst>
+              <a:ext uri="{FF2B5EF4-FFF2-40B4-BE49-F238E27FC236}">
+                <a16:creationId xmlns:a16="http://schemas.microsoft.com/office/drawing/2014/main" id="{64FAA11A-6216-4D9E-4C37-51D94EF69761}"/>
+              </a:ext>
+            </a:extLst>
+          </p:cNvPr>
+          <p:cNvSpPr>
+            <a:spLocks noGrp="1"/>
+          </p:cNvSpPr>
+          <p:nvPr>
+            <p:ph type="sldNum" sz="quarter" idx="12"/>
+          </p:nvPr>
+        </p:nvSpPr>
+        <p:spPr/>
+        <p:txBody>
+          <a:bodyPr/>
+          <a:lstStyle/>
+          <a:p>
+            <a:fld id="{9B15ED26-301E-7946-9B9C-2C2CD640F984}" type="slidenum">
+              <a:rPr lang="fr-FR" smtClean="0"/>
+              <a:t>10</a:t>
+            </a:fld>
+            <a:endParaRPr lang="fr-FR"/>
+          </a:p>
+        </p:txBody>
+      </p:sp>
+      <p:sp>
+        <p:nvSpPr>
+          <p:cNvPr id="5" name="Espace réservé du contenu 2">
+            <a:extLst>
+              <a:ext uri="{FF2B5EF4-FFF2-40B4-BE49-F238E27FC236}">
+                <a16:creationId xmlns:a16="http://schemas.microsoft.com/office/drawing/2014/main" id="{B562D210-B408-22CB-0A2E-13DE7797D56D}"/>
+              </a:ext>
+            </a:extLst>
+          </p:cNvPr>
+          <p:cNvSpPr>
+            <a:spLocks noGrp="1"/>
+          </p:cNvSpPr>
+          <p:nvPr>
+            <p:ph idx="1"/>
+          </p:nvPr>
+        </p:nvSpPr>
+        <p:spPr>
+          <a:xfrm>
+            <a:off x="838200" y="1791522"/>
+            <a:ext cx="10515600" cy="5098227"/>
+          </a:xfrm>
+        </p:spPr>
+        <p:txBody>
+          <a:bodyPr vert="horz" lIns="91440" tIns="45720" rIns="91440" bIns="45720" rtlCol="0" anchor="t">
+            <a:noAutofit/>
+          </a:bodyPr>
+          <a:lstStyle/>
+          <a:p>
+            <a:pPr>
+              <a:lnSpc>
+                <a:spcPct val="100000"/>
+              </a:lnSpc>
+              <a:spcBef>
+                <a:spcPts val="0"/>
+              </a:spcBef>
+              <a:spcAft>
+                <a:spcPts val="1200"/>
+              </a:spcAft>
+            </a:pPr>
+            <a:r>
+              <a:rPr lang="fr-FR" sz="2000">
+                <a:solidFill>
+                  <a:schemeClr val="bg2">
+                    <a:lumMod val="75000"/>
+                  </a:schemeClr>
+                </a:solidFill>
+                <a:latin typeface="Calibri"/>
+                <a:cs typeface="Calibri"/>
+              </a:rPr>
+              <a:t>Résumé d’une étude avec </a:t>
+            </a:r>
+            <a:r>
+              <a:rPr lang="fr-FR" sz="2000" err="1">
+                <a:solidFill>
+                  <a:schemeClr val="bg2">
+                    <a:lumMod val="75000"/>
+                  </a:schemeClr>
+                </a:solidFill>
+                <a:latin typeface="Calibri"/>
+                <a:cs typeface="Calibri"/>
+              </a:rPr>
+              <a:t>ADNe</a:t>
+            </a:r>
+            <a:endParaRPr lang="fr-FR" sz="2000">
+              <a:solidFill>
+                <a:schemeClr val="bg2">
+                  <a:lumMod val="75000"/>
+                </a:schemeClr>
+              </a:solidFill>
+              <a:latin typeface="Calibri"/>
+              <a:cs typeface="Calibri"/>
+            </a:endParaRPr>
+          </a:p>
+          <a:p>
+            <a:pPr>
+              <a:lnSpc>
+                <a:spcPct val="100000"/>
+              </a:lnSpc>
+              <a:spcBef>
+                <a:spcPts val="0"/>
+              </a:spcBef>
+              <a:spcAft>
+                <a:spcPts val="1200"/>
+              </a:spcAft>
+            </a:pPr>
+            <a:r>
+              <a:rPr lang="fr-FR" sz="2000">
+                <a:latin typeface="Calibri"/>
+                <a:cs typeface="Calibri"/>
+              </a:rPr>
+              <a:t>Théorie et exercices à faire </a:t>
+            </a:r>
+            <a:endParaRPr lang="fr-FR" sz="2000"/>
+          </a:p>
+          <a:p>
+            <a:pPr lvl="1">
+              <a:lnSpc>
+                <a:spcPct val="100000"/>
+              </a:lnSpc>
+              <a:spcBef>
+                <a:spcPts val="0"/>
+              </a:spcBef>
+              <a:spcAft>
+                <a:spcPts val="1200"/>
+              </a:spcAft>
+            </a:pPr>
+            <a:r>
+              <a:rPr lang="fr-FR" sz="2000">
+                <a:solidFill>
+                  <a:schemeClr val="bg2">
+                    <a:lumMod val="75000"/>
+                  </a:schemeClr>
+                </a:solidFill>
+                <a:latin typeface="Calibri"/>
+                <a:cs typeface="Calibri"/>
+              </a:rPr>
+              <a:t># 1 – Échantillonnage de vos microbiomes</a:t>
+            </a:r>
+            <a:endParaRPr lang="fr-FR" sz="2000">
+              <a:solidFill>
+                <a:schemeClr val="bg2">
+                  <a:lumMod val="75000"/>
+                </a:schemeClr>
+              </a:solidFill>
+            </a:endParaRPr>
+          </a:p>
+          <a:p>
+            <a:pPr lvl="1">
+              <a:lnSpc>
+                <a:spcPct val="100000"/>
+              </a:lnSpc>
+              <a:spcBef>
+                <a:spcPts val="0"/>
+              </a:spcBef>
+              <a:spcAft>
+                <a:spcPts val="1200"/>
+              </a:spcAft>
+            </a:pPr>
+            <a:r>
+              <a:rPr lang="fr-FR" sz="2000">
+                <a:latin typeface="Calibri"/>
+                <a:cs typeface="Calibri"/>
+              </a:rPr>
+              <a:t># 2.1 – Extraction de l’ADN de bactéries </a:t>
+            </a:r>
+            <a:r>
+              <a:rPr lang="fr-FR" sz="2000" i="1">
+                <a:latin typeface="Calibri"/>
+                <a:cs typeface="Calibri"/>
+              </a:rPr>
+              <a:t>Escherichia coli </a:t>
+            </a:r>
+          </a:p>
+          <a:p>
+            <a:pPr lvl="1">
+              <a:lnSpc>
+                <a:spcPct val="100000"/>
+              </a:lnSpc>
+              <a:spcBef>
+                <a:spcPts val="0"/>
+              </a:spcBef>
+              <a:spcAft>
+                <a:spcPts val="1200"/>
+              </a:spcAft>
+            </a:pPr>
+            <a:r>
+              <a:rPr lang="fr-FR" sz="2000">
+                <a:solidFill>
+                  <a:schemeClr val="bg2">
+                    <a:lumMod val="75000"/>
+                  </a:schemeClr>
+                </a:solidFill>
+                <a:latin typeface="Calibri"/>
+                <a:cs typeface="Calibri"/>
+              </a:rPr>
+              <a:t># 2.2 – Électrophorèse sur gel d’agarose </a:t>
+            </a:r>
+          </a:p>
+          <a:p>
+            <a:pPr lvl="1">
+              <a:lnSpc>
+                <a:spcPct val="100000"/>
+              </a:lnSpc>
+              <a:spcBef>
+                <a:spcPts val="0"/>
+              </a:spcBef>
+              <a:spcAft>
+                <a:spcPts val="1200"/>
+              </a:spcAft>
+            </a:pPr>
+            <a:r>
+              <a:rPr lang="fr-FR" sz="2000">
+                <a:solidFill>
+                  <a:schemeClr val="bg2">
+                    <a:lumMod val="75000"/>
+                  </a:schemeClr>
+                </a:solidFill>
+                <a:latin typeface="Calibri"/>
+                <a:cs typeface="Calibri"/>
+              </a:rPr>
+              <a:t># 3 – Observation des colonies sur vos géloses avec le binoculaire</a:t>
+            </a:r>
+          </a:p>
+          <a:p>
+            <a:pPr>
+              <a:lnSpc>
+                <a:spcPct val="100000"/>
+              </a:lnSpc>
+              <a:spcBef>
+                <a:spcPts val="0"/>
+              </a:spcBef>
+              <a:spcAft>
+                <a:spcPts val="1200"/>
+              </a:spcAft>
+            </a:pPr>
+            <a:r>
+              <a:rPr lang="fr-FR" sz="2000">
+                <a:solidFill>
+                  <a:schemeClr val="bg2">
+                    <a:lumMod val="75000"/>
+                  </a:schemeClr>
+                </a:solidFill>
+                <a:latin typeface="Calibri"/>
+                <a:cs typeface="Calibri"/>
+              </a:rPr>
+              <a:t>Explication du rapport</a:t>
+            </a:r>
+          </a:p>
+        </p:txBody>
+      </p:sp>
+      <p:pic>
+        <p:nvPicPr>
+          <p:cNvPr id="10" name="Picture 9" descr="16,220 Human Cell Drawing Images, Stock Photos &amp; Vectors | Shutterstock">
+            <a:extLst>
+              <a:ext uri="{FF2B5EF4-FFF2-40B4-BE49-F238E27FC236}">
+                <a16:creationId xmlns:a16="http://schemas.microsoft.com/office/drawing/2014/main" id="{DD28CF34-F389-DB52-E41D-2DB8F00B7C9B}"/>
+              </a:ext>
+            </a:extLst>
+          </p:cNvPr>
+          <p:cNvPicPr>
+            <a:picLocks noChangeAspect="1" noChangeArrowheads="1"/>
+          </p:cNvPicPr>
+          <p:nvPr/>
+        </p:nvPicPr>
+        <p:blipFill rotWithShape="1">
+          <a:blip r:embed="rId3">
+            <a:alphaModFix amt="70000"/>
+            <a:extLst>
+              <a:ext uri="{28A0092B-C50C-407E-A947-70E740481C1C}">
+                <a14:useLocalDpi xmlns:a14="http://schemas.microsoft.com/office/drawing/2010/main" val="0"/>
+              </a:ext>
+            </a:extLst>
+          </a:blip>
+          <a:srcRect t="4984" b="9026"/>
+          <a:stretch/>
+        </p:blipFill>
+        <p:spPr bwMode="auto">
+          <a:xfrm rot="19144340">
+            <a:off x="9467420" y="4644352"/>
+            <a:ext cx="2687430" cy="1739406"/>
+          </a:xfrm>
+          <a:prstGeom prst="rect">
+            <a:avLst/>
+          </a:prstGeom>
+          <a:noFill/>
+          <a:extLst>
+            <a:ext uri="{909E8E84-426E-40DD-AFC4-6F175D3DCCD1}">
+              <a14:hiddenFill xmlns:a14="http://schemas.microsoft.com/office/drawing/2010/main">
+                <a:solidFill>
+                  <a:srgbClr val="FFFFFF"/>
+                </a:solidFill>
+              </a14:hiddenFill>
+            </a:ext>
+          </a:extLst>
+        </p:spPr>
+      </p:pic>
+    </p:spTree>
+    <p:extLst>
+      <p:ext uri="{BB962C8B-B14F-4D97-AF65-F5344CB8AC3E}">
+        <p14:creationId xmlns:p14="http://schemas.microsoft.com/office/powerpoint/2010/main" val="3442597356"/>
+      </p:ext>
+    </p:extLst>
+  </p:cSld>
+  <p:clrMapOvr>
+    <a:masterClrMapping/>
+  </p:clrMapOvr>
+</p:sld>
+</file>
+
+<file path=ppt/slides/slide11.xml><?xml version="1.0" encoding="utf-8"?>
+<p:sld xmlns:a="http://schemas.openxmlformats.org/drawingml/2006/main" xmlns:r="http://schemas.openxmlformats.org/officeDocument/2006/relationships" xmlns:p="http://schemas.openxmlformats.org/presentationml/2006/main">
+  <p:cSld>
+    <p:spTree>
+      <p:nvGrpSpPr>
         <p:cNvPr id="1" name=""/>
         <p:cNvGrpSpPr/>
         <p:nvPr/>
@@ -6287,7 +6765,7 @@
           <a:p>
             <a:fld id="{9B15ED26-301E-7946-9B9C-2C2CD640F984}" type="slidenum">
               <a:rPr lang="fr-FR" smtClean="0"/>
-              <a:t>10</a:t>
+              <a:t>11</a:t>
             </a:fld>
             <a:endParaRPr lang="fr-FR"/>
           </a:p>
@@ -7001,7 +7479,7 @@
 </p:sld>
 </file>
 
-<file path=ppt/slides/slide11.xml><?xml version="1.0" encoding="utf-8"?>
+<file path=ppt/slides/slide12.xml><?xml version="1.0" encoding="utf-8"?>
 <p:sld xmlns:a="http://schemas.openxmlformats.org/drawingml/2006/main" xmlns:r="http://schemas.openxmlformats.org/officeDocument/2006/relationships" xmlns:p="http://schemas.openxmlformats.org/presentationml/2006/main">
   <p:cSld>
     <p:spTree>
@@ -7222,7 +7700,7 @@
           <a:p>
             <a:fld id="{9B15ED26-301E-7946-9B9C-2C2CD640F984}" type="slidenum">
               <a:rPr lang="fr-FR" smtClean="0"/>
-              <a:t>11</a:t>
+              <a:t>12</a:t>
             </a:fld>
             <a:endParaRPr lang="fr-FR"/>
           </a:p>
@@ -9938,7 +10416,7 @@
 </p:sld>
 </file>
 
-<file path=ppt/slides/slide12.xml><?xml version="1.0" encoding="utf-8"?>
+<file path=ppt/slides/slide13.xml><?xml version="1.0" encoding="utf-8"?>
 <p:sld xmlns:a="http://schemas.openxmlformats.org/drawingml/2006/main" xmlns:r="http://schemas.openxmlformats.org/officeDocument/2006/relationships" xmlns:p="http://schemas.openxmlformats.org/presentationml/2006/main">
   <p:cSld>
     <p:spTree>
@@ -10045,7 +10523,7 @@
               <a:buNone/>
             </a:pPr>
             <a:r>
-              <a:rPr lang="fr-CA" sz="1800">
+              <a:rPr lang="fr-CA" sz="1800" dirty="0">
                 <a:latin typeface="Calibri"/>
                 <a:ea typeface="Calibri"/>
                 <a:cs typeface="Calibri"/>
@@ -10053,7 +10531,7 @@
               <a:t>La </a:t>
             </a:r>
             <a:r>
-              <a:rPr lang="fr-CA" sz="1800" b="1">
+              <a:rPr lang="fr-CA" sz="1800" b="1" dirty="0">
                 <a:solidFill>
                   <a:srgbClr val="0070C0"/>
                 </a:solidFill>
@@ -10064,14 +10542,14 @@
               <a:t>lyse chimique</a:t>
             </a:r>
             <a:r>
-              <a:rPr lang="fr-CA" sz="1800">
+              <a:rPr lang="fr-CA" sz="1800" dirty="0">
                 <a:latin typeface="Calibri"/>
                 <a:ea typeface="Calibri"/>
                 <a:cs typeface="Calibri"/>
               </a:rPr>
               <a:t> des cellules aura préalablement été effectuée.</a:t>
             </a:r>
-            <a:endParaRPr lang="fr-CA" sz="1800">
+            <a:endParaRPr lang="fr-CA" sz="1800" dirty="0">
               <a:ea typeface="Calibri" panose="020F0502020204030204" pitchFamily="34" charset="0"/>
               <a:cs typeface="Calibri"/>
             </a:endParaRPr>
@@ -10093,7 +10571,7 @@
               <a:buAutoNum type="arabicPeriod"/>
             </a:pPr>
             <a:r>
-              <a:rPr lang="fr-CA" sz="1800">
+              <a:rPr lang="fr-CA" sz="1800" dirty="0">
                 <a:effectLst/>
                 <a:latin typeface="Calibri"/>
                 <a:ea typeface="Calibri"/>
@@ -10102,7 +10580,7 @@
               <a:t>Ajouter </a:t>
             </a:r>
             <a:r>
-              <a:rPr lang="fr-CA" sz="1800" b="1">
+              <a:rPr lang="fr-CA" sz="1800" b="1" dirty="0">
                 <a:effectLst/>
                 <a:latin typeface="Calibri"/>
                 <a:ea typeface="Calibri"/>
@@ -10111,7 +10589,7 @@
               <a:t>200 </a:t>
             </a:r>
             <a:r>
-              <a:rPr lang="fr-CA" sz="1800" b="1" err="1">
+              <a:rPr lang="fr-CA" sz="1800" b="1" dirty="0" err="1">
                 <a:effectLst/>
                 <a:latin typeface="Calibri"/>
                 <a:ea typeface="Calibri"/>
@@ -10120,7 +10598,7 @@
               <a:t>μl</a:t>
             </a:r>
             <a:r>
-              <a:rPr lang="fr-CA" sz="1800">
+              <a:rPr lang="fr-CA" sz="1800" dirty="0">
                 <a:effectLst/>
                 <a:latin typeface="Calibri"/>
                 <a:ea typeface="Calibri"/>
@@ -10129,7 +10607,7 @@
               <a:t> (P200) de </a:t>
             </a:r>
             <a:r>
-              <a:rPr lang="fr-CA" sz="1800" b="1">
+              <a:rPr lang="fr-CA" sz="1800" b="1" dirty="0">
                 <a:effectLst/>
                 <a:latin typeface="Calibri"/>
                 <a:ea typeface="Calibri"/>
@@ -10138,24 +10616,42 @@
               <a:t>Buffer PB</a:t>
             </a:r>
             <a:r>
-              <a:rPr lang="fr-CA" sz="1800">
+              <a:rPr lang="fr-CA" sz="1800" dirty="0">
                 <a:effectLst/>
                 <a:latin typeface="Calibri"/>
                 <a:ea typeface="Calibri"/>
                 <a:cs typeface="Calibri"/>
               </a:rPr>
-              <a:t>, mélanger en inversant le tube, incuber à -20°C pendant 5 minutes.</a:t>
-            </a:r>
-            <a:r>
-              <a:rPr lang="fr-CA" sz="1800">
+              <a:t>, mélanger en inversant le tube (</a:t>
+            </a:r>
+            <a:r>
+              <a:rPr lang="fr-CA" sz="1800" b="1" dirty="0">
+                <a:effectLst/>
                 <a:latin typeface="Calibri"/>
                 <a:ea typeface="Calibri"/>
                 <a:cs typeface="Calibri"/>
               </a:rPr>
+              <a:t>identifié</a:t>
+            </a:r>
+            <a:r>
+              <a:rPr lang="fr-CA" sz="1800" dirty="0">
+                <a:effectLst/>
+                <a:latin typeface="Calibri"/>
+                <a:ea typeface="Calibri"/>
+                <a:cs typeface="Calibri"/>
+              </a:rPr>
+              <a:t>), incuber à -20°C pendant 5 minutes.</a:t>
+            </a:r>
+            <a:r>
+              <a:rPr lang="fr-CA" sz="1800" dirty="0">
+                <a:latin typeface="Calibri"/>
+                <a:ea typeface="Calibri"/>
+                <a:cs typeface="Calibri"/>
+              </a:rPr>
               <a:t> (</a:t>
             </a:r>
             <a:r>
-              <a:rPr lang="fr-CA" sz="1800" b="1">
+              <a:rPr lang="fr-CA" sz="1800" b="1" dirty="0">
                 <a:solidFill>
                   <a:srgbClr val="0070C0"/>
                 </a:solidFill>
@@ -10166,14 +10662,14 @@
               <a:t>Séparation de l'ADN</a:t>
             </a:r>
             <a:r>
-              <a:rPr lang="fr-CA" sz="1800">
+              <a:rPr lang="fr-CA" sz="1800" dirty="0">
                 <a:latin typeface="Calibri"/>
                 <a:ea typeface="Calibri"/>
                 <a:cs typeface="Calibri"/>
               </a:rPr>
               <a:t>)</a:t>
             </a:r>
-            <a:endParaRPr lang="en-CA" sz="1800">
+            <a:endParaRPr lang="en-CA" sz="1800" dirty="0">
               <a:effectLst/>
               <a:ea typeface="Calibri"/>
               <a:cs typeface="Calibri"/>
@@ -10197,24 +10693,42 @@
               <a:buAutoNum type="arabicPeriod"/>
             </a:pPr>
             <a:r>
-              <a:rPr lang="fr-CA" sz="1800">
+              <a:rPr lang="fr-CA" sz="1800" dirty="0">
                 <a:effectLst/>
                 <a:latin typeface="Calibri"/>
                 <a:ea typeface="Calibri"/>
                 <a:cs typeface="Calibri"/>
               </a:rPr>
-              <a:t>Centrifuger 5 minutes à 12, 000 x g. Transférer le surnageant (P200) dans un nouveau tube Eppendorf.</a:t>
-            </a:r>
-            <a:r>
-              <a:rPr lang="fr-CA" sz="1800">
+              <a:t>Centrifuger 5 minutes à 12, 000 x g. Transférer le surnageant (P200) dans un nouveau tube Eppendorf (</a:t>
+            </a:r>
+            <a:r>
+              <a:rPr lang="fr-CA" sz="1800" b="1" dirty="0">
+                <a:effectLst/>
                 <a:latin typeface="Calibri"/>
                 <a:ea typeface="Calibri"/>
                 <a:cs typeface="Calibri"/>
               </a:rPr>
+              <a:t>identifié</a:t>
+            </a:r>
+            <a:r>
+              <a:rPr lang="fr-CA" sz="1800" dirty="0">
+                <a:effectLst/>
+                <a:latin typeface="Calibri"/>
+                <a:ea typeface="Calibri"/>
+                <a:cs typeface="Calibri"/>
+              </a:rPr>
+              <a:t>).</a:t>
+            </a:r>
+            <a:r>
+              <a:rPr lang="fr-CA" sz="1800" dirty="0">
+                <a:latin typeface="Calibri"/>
+                <a:ea typeface="Calibri"/>
+                <a:cs typeface="Calibri"/>
+              </a:rPr>
               <a:t> (</a:t>
             </a:r>
             <a:r>
-              <a:rPr lang="fr-CA" sz="1800" b="1">
+              <a:rPr lang="fr-CA" sz="1800" b="1" dirty="0">
                 <a:solidFill>
                   <a:srgbClr val="FF0000"/>
                 </a:solidFill>
@@ -10225,14 +10739,14 @@
               <a:t>ne pas transférer le culot --&gt; débris cellulaires</a:t>
             </a:r>
             <a:r>
-              <a:rPr lang="fr-CA" sz="1800">
+              <a:rPr lang="fr-CA" sz="1800" dirty="0">
                 <a:latin typeface="Calibri"/>
                 <a:ea typeface="Calibri"/>
                 <a:cs typeface="Calibri"/>
               </a:rPr>
               <a:t>)</a:t>
             </a:r>
-            <a:endParaRPr lang="en-CA" sz="1800">
+            <a:endParaRPr lang="en-CA" sz="1800" dirty="0">
               <a:effectLst/>
               <a:ea typeface="Calibri"/>
               <a:cs typeface="Times New Roman" panose="02020603050405020304" pitchFamily="18" charset="0"/>
@@ -10256,7 +10770,7 @@
               <a:buAutoNum type="arabicPeriod"/>
             </a:pPr>
             <a:r>
-              <a:rPr lang="fr-CA" sz="1800">
+              <a:rPr lang="fr-CA" sz="1800" dirty="0">
                 <a:effectLst/>
                 <a:latin typeface="Calibri"/>
                 <a:ea typeface="Calibri"/>
@@ -10265,7 +10779,7 @@
               <a:t>Ajouter </a:t>
             </a:r>
             <a:r>
-              <a:rPr lang="fr-CA" sz="1800" b="1">
+              <a:rPr lang="fr-CA" sz="1800" b="1" dirty="0">
                 <a:effectLst/>
                 <a:latin typeface="Calibri"/>
                 <a:ea typeface="Calibri"/>
@@ -10274,7 +10788,7 @@
               <a:t>600 </a:t>
             </a:r>
             <a:r>
-              <a:rPr lang="fr-CA" sz="1800" b="1" err="1">
+              <a:rPr lang="fr-CA" sz="1800" b="1" dirty="0" err="1">
                 <a:effectLst/>
                 <a:latin typeface="Calibri"/>
                 <a:ea typeface="Calibri"/>
@@ -10283,7 +10797,7 @@
               <a:t>μl</a:t>
             </a:r>
             <a:r>
-              <a:rPr lang="fr-CA" sz="1800">
+              <a:rPr lang="fr-CA" sz="1800" dirty="0">
                 <a:effectLst/>
                 <a:latin typeface="Calibri"/>
                 <a:ea typeface="Calibri"/>
@@ -10292,7 +10806,7 @@
               <a:t> (P1000) d</a:t>
             </a:r>
             <a:r>
-              <a:rPr lang="fr-CA" sz="1800" b="1">
+              <a:rPr lang="fr-CA" sz="1800" b="1" dirty="0">
                 <a:effectLst/>
                 <a:latin typeface="Calibri"/>
                 <a:ea typeface="Calibri"/>
@@ -10301,7 +10815,7 @@
               <a:t>’isopropanol</a:t>
             </a:r>
             <a:r>
-              <a:rPr lang="fr-CA" sz="1800">
+              <a:rPr lang="fr-CA" sz="1800" dirty="0">
                 <a:effectLst/>
                 <a:latin typeface="Calibri"/>
                 <a:ea typeface="Calibri"/>
@@ -10310,15 +10824,15 @@
               <a:t>. Mélanger en inversant 5 fois le tube. Incuber à température ambiante de 2 à 5 minutes. Centrifuger 5 minutes à 12, 000 x g, jeter le surnageant (P200</a:t>
             </a:r>
             <a:r>
-              <a:rPr lang="fr-CA" sz="1800">
+              <a:rPr lang="fr-CA" sz="1800" dirty="0">
                 <a:latin typeface="Calibri"/>
                 <a:ea typeface="Calibri"/>
                 <a:cs typeface="Calibri"/>
               </a:rPr>
-              <a:t>). (</a:t>
-            </a:r>
-            <a:r>
-              <a:rPr lang="fr-CA" sz="1800" b="1">
+              <a:t>) dans un bécher. (</a:t>
+            </a:r>
+            <a:r>
+              <a:rPr lang="fr-CA" sz="1800" b="1" dirty="0">
                 <a:solidFill>
                   <a:srgbClr val="0070C0"/>
                 </a:solidFill>
@@ -10329,7 +10843,7 @@
               <a:t>Isolation de l'ADN par précipitation</a:t>
             </a:r>
             <a:r>
-              <a:rPr lang="fr-CA" sz="1800">
+              <a:rPr lang="fr-CA" sz="1800" dirty="0">
                 <a:latin typeface="Calibri"/>
                 <a:ea typeface="Calibri"/>
                 <a:cs typeface="Calibri"/>
@@ -10337,7 +10851,7 @@
               <a:t>) </a:t>
             </a:r>
             <a:r>
-              <a:rPr lang="fr-CA" sz="1800" b="1">
+              <a:rPr lang="fr-CA" sz="1800" b="1" dirty="0">
                 <a:effectLst/>
                 <a:latin typeface="Calibri"/>
                 <a:ea typeface="Calibri"/>
@@ -10346,7 +10860,7 @@
               <a:t>Le culot </a:t>
             </a:r>
             <a:r>
-              <a:rPr lang="fr-CA" sz="1800" b="1">
+              <a:rPr lang="fr-CA" sz="1800" b="1" dirty="0">
                 <a:latin typeface="Calibri"/>
                 <a:ea typeface="Calibri"/>
                 <a:cs typeface="Calibri"/>
@@ -10354,7 +10868,7 @@
               <a:t>(=ADN) sera</a:t>
             </a:r>
             <a:r>
-              <a:rPr lang="fr-CA" sz="1800" b="1">
+              <a:rPr lang="fr-CA" sz="1800" b="1" dirty="0">
                 <a:effectLst/>
                 <a:latin typeface="Calibri"/>
                 <a:ea typeface="Calibri"/>
@@ -10362,7 +10876,7 @@
               </a:rPr>
               <a:t> très petit, faites attention de ne pas le jeter.</a:t>
             </a:r>
-            <a:endParaRPr lang="en-CA" sz="1800">
+            <a:endParaRPr lang="en-CA" sz="1800" dirty="0">
               <a:effectLst/>
               <a:ea typeface="Calibri"/>
               <a:cs typeface="Calibri"/>
@@ -10386,7 +10900,7 @@
               <a:buAutoNum type="arabicPeriod"/>
             </a:pPr>
             <a:r>
-              <a:rPr lang="fr-CA" sz="1800">
+              <a:rPr lang="fr-CA" sz="1800" dirty="0">
                 <a:effectLst/>
                 <a:latin typeface="Calibri"/>
                 <a:ea typeface="Calibri"/>
@@ -10395,7 +10909,7 @@
               <a:t>Ajouter </a:t>
             </a:r>
             <a:r>
-              <a:rPr lang="fr-CA" sz="1800" b="1">
+              <a:rPr lang="fr-CA" sz="1800" b="1" dirty="0">
                 <a:effectLst/>
                 <a:latin typeface="Calibri"/>
                 <a:ea typeface="Calibri"/>
@@ -10404,7 +10918,7 @@
               <a:t>1 ml</a:t>
             </a:r>
             <a:r>
-              <a:rPr lang="fr-CA" sz="1800">
+              <a:rPr lang="fr-CA" sz="1800" dirty="0">
                 <a:effectLst/>
                 <a:latin typeface="Calibri"/>
                 <a:ea typeface="Calibri"/>
@@ -10413,7 +10927,7 @@
               <a:t> (P1000) d’</a:t>
             </a:r>
             <a:r>
-              <a:rPr lang="fr-CA" sz="1800" b="1">
+              <a:rPr lang="fr-CA" sz="1800" b="1" dirty="0">
                 <a:effectLst/>
                 <a:latin typeface="Calibri"/>
                 <a:ea typeface="Calibri"/>
@@ -10422,7 +10936,7 @@
               <a:t>éthanol</a:t>
             </a:r>
             <a:r>
-              <a:rPr lang="fr-CA" sz="1800">
+              <a:rPr lang="fr-CA" sz="1800" dirty="0">
                 <a:effectLst/>
                 <a:latin typeface="Calibri"/>
                 <a:ea typeface="Calibri"/>
@@ -10431,7 +10945,7 @@
               <a:t>. Mélanger en inversant 10 fois le tube. Centrifuger 1 minutes à 12, 000 x g, jeter le surnageant (P200).</a:t>
             </a:r>
             <a:r>
-              <a:rPr lang="fr-CA" sz="1800">
+              <a:rPr lang="fr-CA" sz="1800" dirty="0">
                 <a:latin typeface="Calibri"/>
                 <a:ea typeface="Calibri"/>
                 <a:cs typeface="Calibri"/>
@@ -10439,7 +10953,7 @@
               <a:t> (</a:t>
             </a:r>
             <a:r>
-              <a:rPr lang="fr-CA" sz="1800" b="1">
+              <a:rPr lang="fr-CA" sz="1800" b="1" dirty="0">
                 <a:solidFill>
                   <a:srgbClr val="0070C0"/>
                 </a:solidFill>
@@ -10450,14 +10964,14 @@
               <a:t>Purification</a:t>
             </a:r>
             <a:r>
-              <a:rPr lang="fr-CA" sz="1800">
+              <a:rPr lang="fr-CA" sz="1800" dirty="0">
                 <a:latin typeface="Calibri"/>
                 <a:ea typeface="Calibri"/>
                 <a:cs typeface="Calibri"/>
               </a:rPr>
               <a:t>)</a:t>
             </a:r>
-            <a:endParaRPr lang="en-CA" sz="1800">
+            <a:endParaRPr lang="en-CA" sz="1800" dirty="0">
               <a:effectLst/>
               <a:ea typeface="Calibri" panose="020F0502020204030204" pitchFamily="34" charset="0"/>
               <a:cs typeface="Calibri"/>
@@ -10481,7 +10995,7 @@
               <a:buAutoNum type="arabicPeriod"/>
             </a:pPr>
             <a:r>
-              <a:rPr lang="fr-CA" sz="1800">
+              <a:rPr lang="fr-CA" sz="1800" dirty="0">
                 <a:effectLst/>
                 <a:latin typeface="Calibri"/>
                 <a:ea typeface="Calibri"/>
@@ -10490,7 +11004,7 @@
               <a:t>Répéter l’étape </a:t>
             </a:r>
             <a:r>
-              <a:rPr lang="fr-CA" sz="1800">
+              <a:rPr lang="fr-CA" sz="1800" dirty="0">
                 <a:latin typeface="Calibri"/>
                 <a:ea typeface="Calibri"/>
                 <a:cs typeface="Calibri"/>
@@ -10498,7 +11012,7 @@
               <a:t>4</a:t>
             </a:r>
             <a:r>
-              <a:rPr lang="fr-CA" sz="1800">
+              <a:rPr lang="fr-CA" sz="1800" dirty="0">
                 <a:effectLst/>
                 <a:latin typeface="Calibri"/>
                 <a:ea typeface="Calibri"/>
@@ -10507,14 +11021,14 @@
               <a:t>.</a:t>
             </a:r>
             <a:r>
-              <a:rPr lang="fr-CA" sz="1800">
+              <a:rPr lang="fr-CA" sz="1800" dirty="0">
                 <a:latin typeface="Calibri"/>
                 <a:ea typeface="Calibri"/>
                 <a:cs typeface="Calibri"/>
               </a:rPr>
               <a:t> </a:t>
             </a:r>
-            <a:endParaRPr lang="en-CA" sz="1800">
+            <a:endParaRPr lang="en-CA" sz="1800" dirty="0">
               <a:effectLst/>
               <a:ea typeface="Calibri"/>
               <a:cs typeface="Times New Roman" panose="02020603050405020304" pitchFamily="18" charset="0"/>
@@ -10538,7 +11052,7 @@
               <a:buAutoNum type="arabicPeriod"/>
             </a:pPr>
             <a:r>
-              <a:rPr lang="fr-CA" sz="1800">
+              <a:rPr lang="fr-CA" sz="1800" dirty="0">
                 <a:effectLst/>
                 <a:latin typeface="Calibri"/>
                 <a:ea typeface="Calibri" panose="020F0502020204030204" pitchFamily="34" charset="0"/>
@@ -10547,7 +11061,7 @@
               <a:t>Laisser sécher le culot 5 minutes à température ambiante </a:t>
             </a:r>
             <a:br>
-              <a:rPr lang="fr-CA" sz="1800">
+              <a:rPr lang="fr-CA" sz="1800" dirty="0">
                 <a:effectLst/>
                 <a:latin typeface="Calibri" panose="020F0502020204030204" pitchFamily="34" charset="0"/>
                 <a:ea typeface="Calibri" panose="020F0502020204030204" pitchFamily="34" charset="0"/>
@@ -10555,7 +11069,7 @@
               </a:rPr>
             </a:br>
             <a:r>
-              <a:rPr lang="fr-CA" sz="1800">
+              <a:rPr lang="fr-CA" sz="1800" dirty="0">
                 <a:effectLst/>
                 <a:latin typeface="Calibri"/>
                 <a:ea typeface="Calibri" panose="020F0502020204030204" pitchFamily="34" charset="0"/>
@@ -10563,7 +11077,7 @@
               </a:rPr>
               <a:t>(couvercle ouvert).</a:t>
             </a:r>
-            <a:endParaRPr lang="en-CA" sz="1800">
+            <a:endParaRPr lang="en-CA" sz="1800" dirty="0">
               <a:effectLst/>
               <a:ea typeface="Calibri" panose="020F0502020204030204" pitchFamily="34" charset="0"/>
               <a:cs typeface="Calibri"/>
@@ -10586,7 +11100,7 @@
               <a:buAutoNum type="arabicPeriod"/>
             </a:pPr>
             <a:r>
-              <a:rPr lang="fr-CA" sz="1800">
+              <a:rPr lang="fr-CA" sz="1800" dirty="0">
                 <a:effectLst/>
                 <a:latin typeface="Calibri"/>
                 <a:ea typeface="Calibri"/>
@@ -10595,7 +11109,7 @@
               <a:t>Ajouter </a:t>
             </a:r>
             <a:r>
-              <a:rPr lang="fr-CA" sz="1800" b="1">
+              <a:rPr lang="fr-CA" sz="1800" b="1" dirty="0">
                 <a:latin typeface="Calibri"/>
                 <a:ea typeface="Calibri"/>
                 <a:cs typeface="Calibri"/>
@@ -10603,59 +11117,77 @@
               <a:t>10</a:t>
             </a:r>
             <a:r>
-              <a:rPr lang="fr-CA" sz="1800" b="1">
+              <a:rPr lang="fr-CA" sz="1800" b="1" dirty="0">
                 <a:effectLst/>
                 <a:latin typeface="Calibri"/>
                 <a:ea typeface="Calibri"/>
                 <a:cs typeface="Calibri"/>
               </a:rPr>
-              <a:t>0 μl </a:t>
-            </a:r>
-            <a:r>
-              <a:rPr lang="fr-CA" sz="1800">
+              <a:t>0 </a:t>
+            </a:r>
+            <a:r>
+              <a:rPr lang="fr-CA" sz="1800" b="1" dirty="0" err="1">
                 <a:effectLst/>
                 <a:latin typeface="Calibri"/>
                 <a:ea typeface="Calibri"/>
                 <a:cs typeface="Calibri"/>
               </a:rPr>
-              <a:t>(P200)</a:t>
-            </a:r>
-            <a:r>
-              <a:rPr lang="fr-CA" sz="1800" b="1">
+              <a:t>μl</a:t>
+            </a:r>
+            <a:r>
+              <a:rPr lang="fr-CA" sz="1800" b="1" dirty="0">
                 <a:effectLst/>
                 <a:latin typeface="Calibri"/>
                 <a:ea typeface="Calibri"/>
                 <a:cs typeface="Calibri"/>
               </a:rPr>
-              <a:t> de buffer TE</a:t>
-            </a:r>
-            <a:r>
-              <a:rPr lang="fr-CA" sz="1800">
+              <a:t> </a:t>
+            </a:r>
+            <a:r>
+              <a:rPr lang="fr-CA" sz="1800" dirty="0">
                 <a:effectLst/>
                 <a:latin typeface="Calibri"/>
                 <a:ea typeface="Calibri"/>
                 <a:cs typeface="Calibri"/>
               </a:rPr>
-              <a:t> au culot.</a:t>
-            </a:r>
-            <a:r>
-              <a:rPr lang="fr-CA" sz="2200">
+              <a:t>(P200)</a:t>
+            </a:r>
+            <a:r>
+              <a:rPr lang="fr-CA" sz="1800" b="1" dirty="0">
+                <a:effectLst/>
                 <a:latin typeface="Calibri"/>
                 <a:ea typeface="Calibri"/>
                 <a:cs typeface="Calibri"/>
               </a:rPr>
-              <a:t> </a:t>
-            </a:r>
-            <a:r>
-              <a:rPr lang="fr-CA" sz="1800">
+              <a:t> de buffer TE</a:t>
+            </a:r>
+            <a:r>
+              <a:rPr lang="fr-CA" sz="1800" dirty="0">
+                <a:effectLst/>
                 <a:latin typeface="Calibri"/>
                 <a:ea typeface="Calibri"/>
                 <a:cs typeface="Calibri"/>
               </a:rPr>
+              <a:t> au culot.</a:t>
+            </a:r>
+            <a:r>
+              <a:rPr lang="fr-CA" sz="2200" dirty="0">
+                <a:latin typeface="Calibri"/>
+                <a:ea typeface="Calibri"/>
+                <a:cs typeface="Calibri"/>
+              </a:rPr>
+              <a:t> </a:t>
+            </a:r>
+            <a:r>
+              <a:rPr lang="fr-CA" sz="1800" dirty="0">
+                <a:latin typeface="Calibri"/>
+                <a:ea typeface="Calibri"/>
+                <a:cs typeface="Calibri"/>
+              </a:rPr>
               <a:t>(</a:t>
             </a:r>
             <a:r>
-              <a:rPr lang="fr-CA" sz="1800" b="1">
+              <a:rPr lang="fr-CA" sz="1800" b="1" dirty="0">
                 <a:solidFill>
                   <a:srgbClr val="0070C0"/>
                 </a:solidFill>
@@ -10666,14 +11198,14 @@
               <a:t>Élution</a:t>
             </a:r>
             <a:r>
-              <a:rPr lang="fr-CA" sz="1800">
+              <a:rPr lang="fr-CA" sz="1800" dirty="0">
                 <a:latin typeface="Calibri"/>
                 <a:ea typeface="Calibri"/>
                 <a:cs typeface="Calibri"/>
               </a:rPr>
               <a:t>)</a:t>
             </a:r>
-            <a:endParaRPr lang="en-CA" sz="2200">
+            <a:endParaRPr lang="en-CA" sz="2200" dirty="0">
               <a:effectLst/>
               <a:ea typeface="Calibri" panose="020F0502020204030204" pitchFamily="34" charset="0"/>
               <a:cs typeface="Times New Roman" panose="02020603050405020304" pitchFamily="18" charset="0"/>
@@ -10704,7 +11236,7 @@
           <a:p>
             <a:fld id="{9B15ED26-301E-7946-9B9C-2C2CD640F984}" type="slidenum">
               <a:rPr lang="fr-FR" smtClean="0"/>
-              <a:t>12</a:t>
+              <a:t>13</a:t>
             </a:fld>
             <a:endParaRPr lang="fr-FR"/>
           </a:p>
@@ -11008,7 +11540,7 @@
 </p:sld>
 </file>
 
-<file path=ppt/slides/slide13.xml><?xml version="1.0" encoding="utf-8"?>
+<file path=ppt/slides/slide14.xml><?xml version="1.0" encoding="utf-8"?>
 <p:sld xmlns:a="http://schemas.openxmlformats.org/drawingml/2006/main" xmlns:r="http://schemas.openxmlformats.org/officeDocument/2006/relationships" xmlns:p="http://schemas.openxmlformats.org/presentationml/2006/main">
   <p:cSld>
     <p:spTree>
@@ -11082,7 +11614,7 @@
           <a:p>
             <a:fld id="{9B15ED26-301E-7946-9B9C-2C2CD640F984}" type="slidenum">
               <a:rPr lang="fr-FR" smtClean="0"/>
-              <a:t>13</a:t>
+              <a:t>14</a:t>
             </a:fld>
             <a:endParaRPr lang="fr-FR"/>
           </a:p>
@@ -11382,7 +11914,7 @@
 </p:sld>
 </file>
 
-<file path=ppt/slides/slide14.xml><?xml version="1.0" encoding="utf-8"?>
+<file path=ppt/slides/slide15.xml><?xml version="1.0" encoding="utf-8"?>
 <p:sld xmlns:a="http://schemas.openxmlformats.org/drawingml/2006/main" xmlns:r="http://schemas.openxmlformats.org/officeDocument/2006/relationships" xmlns:p="http://schemas.openxmlformats.org/presentationml/2006/main">
   <p:cSld>
     <p:spTree>
@@ -11507,7 +12039,7 @@
           <a:p>
             <a:fld id="{9B15ED26-301E-7946-9B9C-2C2CD640F984}" type="slidenum">
               <a:rPr lang="fr-FR" smtClean="0"/>
-              <a:t>14</a:t>
+              <a:t>15</a:t>
             </a:fld>
             <a:endParaRPr lang="fr-FR"/>
           </a:p>
@@ -12221,7 +12753,7 @@
 </p:sld>
 </file>
 
-<file path=ppt/slides/slide15.xml><?xml version="1.0" encoding="utf-8"?>
+<file path=ppt/slides/slide16.xml><?xml version="1.0" encoding="utf-8"?>
 <p:sld xmlns:a="http://schemas.openxmlformats.org/drawingml/2006/main" xmlns:r="http://schemas.openxmlformats.org/officeDocument/2006/relationships" xmlns:p="http://schemas.openxmlformats.org/presentationml/2006/main">
   <p:cSld>
     <p:spTree>
@@ -12293,7 +12825,7 @@
           <a:p>
             <a:fld id="{9B15ED26-301E-7946-9B9C-2C2CD640F984}" type="slidenum">
               <a:rPr lang="fr-FR" smtClean="0"/>
-              <a:t>15</a:t>
+              <a:t>16</a:t>
             </a:fld>
             <a:endParaRPr lang="fr-FR"/>
           </a:p>
@@ -12975,7 +13507,7 @@
 </p:sld>
 </file>
 
-<file path=ppt/slides/slide16.xml><?xml version="1.0" encoding="utf-8"?>
+<file path=ppt/slides/slide17.xml><?xml version="1.0" encoding="utf-8"?>
 <p:sld xmlns:a="http://schemas.openxmlformats.org/drawingml/2006/main" xmlns:r="http://schemas.openxmlformats.org/officeDocument/2006/relationships" xmlns:p="http://schemas.openxmlformats.org/presentationml/2006/main">
   <p:cSld>
     <p:spTree>
@@ -13047,7 +13579,7 @@
           <a:p>
             <a:fld id="{9B15ED26-301E-7946-9B9C-2C2CD640F984}" type="slidenum">
               <a:rPr lang="fr-FR" dirty="0" smtClean="0"/>
-              <a:t>16</a:t>
+              <a:t>17</a:t>
             </a:fld>
             <a:endParaRPr lang="fr-FR"/>
           </a:p>
@@ -13320,7 +13852,7 @@
 </p:sld>
 </file>
 
-<file path=ppt/slides/slide17.xml><?xml version="1.0" encoding="utf-8"?>
+<file path=ppt/slides/slide18.xml><?xml version="1.0" encoding="utf-8"?>
 <p:sld xmlns:a="http://schemas.openxmlformats.org/drawingml/2006/main" xmlns:r="http://schemas.openxmlformats.org/officeDocument/2006/relationships" xmlns:p="http://schemas.openxmlformats.org/presentationml/2006/main">
   <p:cSld>
     <p:spTree>
@@ -13394,7 +13926,7 @@
           <a:p>
             <a:fld id="{9B15ED26-301E-7946-9B9C-2C2CD640F984}" type="slidenum">
               <a:rPr lang="fr-FR" smtClean="0"/>
-              <a:t>17</a:t>
+              <a:t>18</a:t>
             </a:fld>
             <a:endParaRPr lang="fr-FR"/>
           </a:p>
@@ -13694,7 +14226,7 @@
 </p:sld>
 </file>
 
-<file path=ppt/slides/slide18.xml><?xml version="1.0" encoding="utf-8"?>
+<file path=ppt/slides/slide19.xml><?xml version="1.0" encoding="utf-8"?>
 <p:sld xmlns:a="http://schemas.openxmlformats.org/drawingml/2006/main" xmlns:r="http://schemas.openxmlformats.org/officeDocument/2006/relationships" xmlns:p="http://schemas.openxmlformats.org/presentationml/2006/main">
   <p:cSld>
     <p:spTree>
@@ -13859,441 +14391,6 @@
     <p:extLst>
       <p:ext uri="{BB962C8B-B14F-4D97-AF65-F5344CB8AC3E}">
         <p14:creationId xmlns:p14="http://schemas.microsoft.com/office/powerpoint/2010/main" val="3281284207"/>
-      </p:ext>
-    </p:extLst>
-  </p:cSld>
-  <p:clrMapOvr>
-    <a:masterClrMapping/>
-  </p:clrMapOvr>
-</p:sld>
-</file>
-
-<file path=ppt/slides/slide19.xml><?xml version="1.0" encoding="utf-8"?>
-<p:sld xmlns:a="http://schemas.openxmlformats.org/drawingml/2006/main" xmlns:r="http://schemas.openxmlformats.org/officeDocument/2006/relationships" xmlns:p="http://schemas.openxmlformats.org/presentationml/2006/main">
-  <p:cSld>
-    <p:spTree>
-      <p:nvGrpSpPr>
-        <p:cNvPr id="1" name=""/>
-        <p:cNvGrpSpPr/>
-        <p:nvPr/>
-      </p:nvGrpSpPr>
-      <p:grpSpPr>
-        <a:xfrm>
-          <a:off x="0" y="0"/>
-          <a:ext cx="0" cy="0"/>
-          <a:chOff x="0" y="0"/>
-          <a:chExt cx="0" cy="0"/>
-        </a:xfrm>
-      </p:grpSpPr>
-      <p:sp>
-        <p:nvSpPr>
-          <p:cNvPr id="2" name="Title 1">
-            <a:extLst>
-              <a:ext uri="{FF2B5EF4-FFF2-40B4-BE49-F238E27FC236}">
-                <a16:creationId xmlns:a16="http://schemas.microsoft.com/office/drawing/2014/main" id="{E06ADEC6-5AC7-A045-A2B1-766EEFA28B91}"/>
-              </a:ext>
-            </a:extLst>
-          </p:cNvPr>
-          <p:cNvSpPr>
-            <a:spLocks noGrp="1"/>
-          </p:cNvSpPr>
-          <p:nvPr>
-            <p:ph type="title"/>
-          </p:nvPr>
-        </p:nvSpPr>
-        <p:spPr/>
-        <p:txBody>
-          <a:bodyPr/>
-          <a:lstStyle/>
-          <a:p>
-            <a:r>
-              <a:rPr lang="fr-CA"/>
-              <a:t>Plan de la séance </a:t>
-            </a:r>
-          </a:p>
-        </p:txBody>
-      </p:sp>
-      <p:sp>
-        <p:nvSpPr>
-          <p:cNvPr id="4" name="Slide Number Placeholder 3">
-            <a:extLst>
-              <a:ext uri="{FF2B5EF4-FFF2-40B4-BE49-F238E27FC236}">
-                <a16:creationId xmlns:a16="http://schemas.microsoft.com/office/drawing/2014/main" id="{5603EB9B-9762-A547-86D2-14F25D919A40}"/>
-              </a:ext>
-            </a:extLst>
-          </p:cNvPr>
-          <p:cNvSpPr>
-            <a:spLocks noGrp="1"/>
-          </p:cNvSpPr>
-          <p:nvPr>
-            <p:ph type="sldNum" sz="quarter" idx="12"/>
-          </p:nvPr>
-        </p:nvSpPr>
-        <p:spPr/>
-        <p:txBody>
-          <a:bodyPr/>
-          <a:lstStyle/>
-          <a:p>
-            <a:fld id="{9B15ED26-301E-7946-9B9C-2C2CD640F984}" type="slidenum">
-              <a:rPr lang="fr-FR" smtClean="0"/>
-              <a:t>19</a:t>
-            </a:fld>
-            <a:endParaRPr lang="fr-FR"/>
-          </a:p>
-        </p:txBody>
-      </p:sp>
-      <p:sp>
-        <p:nvSpPr>
-          <p:cNvPr id="5" name="Espace réservé du contenu 2">
-            <a:extLst>
-              <a:ext uri="{FF2B5EF4-FFF2-40B4-BE49-F238E27FC236}">
-                <a16:creationId xmlns:a16="http://schemas.microsoft.com/office/drawing/2014/main" id="{E16BD7FE-F2FB-C34F-8F01-ADB9538C4E19}"/>
-              </a:ext>
-            </a:extLst>
-          </p:cNvPr>
-          <p:cNvSpPr>
-            <a:spLocks noGrp="1"/>
-          </p:cNvSpPr>
-          <p:nvPr>
-            <p:ph idx="1"/>
-          </p:nvPr>
-        </p:nvSpPr>
-        <p:spPr>
-          <a:xfrm>
-            <a:off x="838200" y="1791522"/>
-            <a:ext cx="10515600" cy="5098227"/>
-          </a:xfrm>
-        </p:spPr>
-        <p:txBody>
-          <a:bodyPr vert="horz" lIns="91440" tIns="45720" rIns="91440" bIns="45720" rtlCol="0" anchor="t">
-            <a:noAutofit/>
-          </a:bodyPr>
-          <a:lstStyle/>
-          <a:p>
-            <a:pPr>
-              <a:lnSpc>
-                <a:spcPct val="100000"/>
-              </a:lnSpc>
-              <a:spcBef>
-                <a:spcPts val="0"/>
-              </a:spcBef>
-              <a:spcAft>
-                <a:spcPts val="1200"/>
-              </a:spcAft>
-            </a:pPr>
-            <a:r>
-              <a:rPr lang="fr-FR" sz="2000">
-                <a:solidFill>
-                  <a:schemeClr val="bg2">
-                    <a:lumMod val="90000"/>
-                  </a:schemeClr>
-                </a:solidFill>
-                <a:latin typeface="Calibri"/>
-                <a:cs typeface="Arial"/>
-              </a:rPr>
-              <a:t>Présentation des notions théoriques </a:t>
-            </a:r>
-            <a:endParaRPr lang="en-US" sz="2000">
-              <a:solidFill>
-                <a:schemeClr val="bg2">
-                  <a:lumMod val="90000"/>
-                </a:schemeClr>
-              </a:solidFill>
-              <a:latin typeface="Calibri"/>
-              <a:cs typeface="Arial"/>
-            </a:endParaRPr>
-          </a:p>
-          <a:p>
-            <a:pPr lvl="1">
-              <a:lnSpc>
-                <a:spcPct val="100000"/>
-              </a:lnSpc>
-              <a:spcBef>
-                <a:spcPts val="0"/>
-              </a:spcBef>
-              <a:spcAft>
-                <a:spcPts val="1200"/>
-              </a:spcAft>
-            </a:pPr>
-            <a:r>
-              <a:rPr lang="fr-FR" sz="2000">
-                <a:solidFill>
-                  <a:schemeClr val="bg2">
-                    <a:lumMod val="90000"/>
-                  </a:schemeClr>
-                </a:solidFill>
-                <a:latin typeface="Calibri"/>
-                <a:cs typeface="Arial"/>
-              </a:rPr>
-              <a:t>Extraction de l’ADN </a:t>
-            </a:r>
-            <a:endParaRPr lang="en-US" sz="2000">
-              <a:solidFill>
-                <a:schemeClr val="bg2">
-                  <a:lumMod val="90000"/>
-                </a:schemeClr>
-              </a:solidFill>
-              <a:latin typeface="Calibri"/>
-              <a:cs typeface="Arial"/>
-            </a:endParaRPr>
-          </a:p>
-          <a:p>
-            <a:pPr lvl="1">
-              <a:lnSpc>
-                <a:spcPct val="100000"/>
-              </a:lnSpc>
-              <a:spcBef>
-                <a:spcPts val="0"/>
-              </a:spcBef>
-              <a:spcAft>
-                <a:spcPts val="1200"/>
-              </a:spcAft>
-            </a:pPr>
-            <a:r>
-              <a:rPr lang="fr-FR" sz="2000">
-                <a:solidFill>
-                  <a:schemeClr val="bg2">
-                    <a:lumMod val="90000"/>
-                  </a:schemeClr>
-                </a:solidFill>
-                <a:latin typeface="Calibri"/>
-                <a:cs typeface="Arial"/>
-              </a:rPr>
-              <a:t>Électrophorèse sur gel d’agarose</a:t>
-            </a:r>
-            <a:endParaRPr lang="en-US" sz="2000">
-              <a:solidFill>
-                <a:schemeClr val="bg2">
-                  <a:lumMod val="90000"/>
-                </a:schemeClr>
-              </a:solidFill>
-              <a:latin typeface="Calibri"/>
-              <a:cs typeface="Arial"/>
-            </a:endParaRPr>
-          </a:p>
-          <a:p>
-            <a:pPr>
-              <a:lnSpc>
-                <a:spcPct val="100000"/>
-              </a:lnSpc>
-              <a:spcBef>
-                <a:spcPts val="0"/>
-              </a:spcBef>
-              <a:spcAft>
-                <a:spcPts val="1200"/>
-              </a:spcAft>
-            </a:pPr>
-            <a:r>
-              <a:rPr lang="fr-FR" sz="2000">
-                <a:solidFill>
-                  <a:schemeClr val="bg2">
-                    <a:lumMod val="90000"/>
-                  </a:schemeClr>
-                </a:solidFill>
-                <a:latin typeface="Calibri"/>
-                <a:cs typeface="Calibri"/>
-              </a:rPr>
-              <a:t>Protocoles des exercices à faire </a:t>
-            </a:r>
-            <a:endParaRPr lang="fr-FR" sz="2000">
-              <a:solidFill>
-                <a:schemeClr val="bg2">
-                  <a:lumMod val="90000"/>
-                </a:schemeClr>
-              </a:solidFill>
-            </a:endParaRPr>
-          </a:p>
-          <a:p>
-            <a:pPr lvl="1">
-              <a:lnSpc>
-                <a:spcPct val="100000"/>
-              </a:lnSpc>
-              <a:spcBef>
-                <a:spcPts val="0"/>
-              </a:spcBef>
-              <a:spcAft>
-                <a:spcPts val="1200"/>
-              </a:spcAft>
-            </a:pPr>
-            <a:r>
-              <a:rPr lang="fr-FR" sz="2000">
-                <a:solidFill>
-                  <a:schemeClr val="bg2">
-                    <a:lumMod val="90000"/>
-                  </a:schemeClr>
-                </a:solidFill>
-                <a:latin typeface="Calibri"/>
-                <a:cs typeface="Calibri"/>
-              </a:rPr>
-              <a:t># 1 – Échantillonnage de vos microbiomes</a:t>
-            </a:r>
-            <a:endParaRPr lang="fr-FR" sz="2000">
-              <a:solidFill>
-                <a:schemeClr val="bg2">
-                  <a:lumMod val="90000"/>
-                </a:schemeClr>
-              </a:solidFill>
-            </a:endParaRPr>
-          </a:p>
-          <a:p>
-            <a:pPr lvl="1">
-              <a:lnSpc>
-                <a:spcPct val="100000"/>
-              </a:lnSpc>
-              <a:spcBef>
-                <a:spcPts val="0"/>
-              </a:spcBef>
-              <a:spcAft>
-                <a:spcPts val="1200"/>
-              </a:spcAft>
-            </a:pPr>
-            <a:r>
-              <a:rPr lang="fr-FR" sz="2000">
-                <a:solidFill>
-                  <a:schemeClr val="bg2">
-                    <a:lumMod val="90000"/>
-                  </a:schemeClr>
-                </a:solidFill>
-                <a:latin typeface="Calibri"/>
-                <a:cs typeface="Calibri"/>
-              </a:rPr>
-              <a:t># 2.1 – Extraction de l’ADN de bactéries </a:t>
-            </a:r>
-            <a:r>
-              <a:rPr lang="fr-FR" sz="2000" i="1">
-                <a:solidFill>
-                  <a:schemeClr val="bg2">
-                    <a:lumMod val="90000"/>
-                  </a:schemeClr>
-                </a:solidFill>
-                <a:latin typeface="Calibri"/>
-                <a:cs typeface="Calibri"/>
-              </a:rPr>
-              <a:t>Escherichia coli </a:t>
-            </a:r>
-          </a:p>
-          <a:p>
-            <a:pPr lvl="1">
-              <a:lnSpc>
-                <a:spcPct val="100000"/>
-              </a:lnSpc>
-              <a:spcBef>
-                <a:spcPts val="0"/>
-              </a:spcBef>
-              <a:spcAft>
-                <a:spcPts val="1200"/>
-              </a:spcAft>
-            </a:pPr>
-            <a:r>
-              <a:rPr lang="fr-FR" sz="2000">
-                <a:solidFill>
-                  <a:schemeClr val="bg2">
-                    <a:lumMod val="90000"/>
-                  </a:schemeClr>
-                </a:solidFill>
-                <a:latin typeface="Calibri"/>
-                <a:cs typeface="Calibri"/>
-              </a:rPr>
-              <a:t># 2.2 – Électrophorèse sur gel d’agarose </a:t>
-            </a:r>
-          </a:p>
-          <a:p>
-            <a:pPr lvl="1">
-              <a:lnSpc>
-                <a:spcPct val="100000"/>
-              </a:lnSpc>
-              <a:spcBef>
-                <a:spcPts val="0"/>
-              </a:spcBef>
-              <a:spcAft>
-                <a:spcPts val="1200"/>
-              </a:spcAft>
-            </a:pPr>
-            <a:r>
-              <a:rPr lang="fr-FR" sz="2000">
-                <a:solidFill>
-                  <a:schemeClr val="bg2">
-                    <a:lumMod val="90000"/>
-                  </a:schemeClr>
-                </a:solidFill>
-                <a:latin typeface="Calibri"/>
-                <a:cs typeface="Calibri"/>
-              </a:rPr>
-              <a:t># 3 – Observation des colonies sur vos géloses avec le binoculaire</a:t>
-            </a:r>
-          </a:p>
-          <a:p>
-            <a:pPr>
-              <a:lnSpc>
-                <a:spcPct val="100000"/>
-              </a:lnSpc>
-              <a:spcBef>
-                <a:spcPts val="0"/>
-              </a:spcBef>
-              <a:spcAft>
-                <a:spcPts val="1200"/>
-              </a:spcAft>
-            </a:pPr>
-            <a:r>
-              <a:rPr lang="fr-FR" sz="2000">
-                <a:latin typeface="Calibri"/>
-                <a:cs typeface="Calibri"/>
-              </a:rPr>
-              <a:t>Explication du rapport</a:t>
-            </a:r>
-          </a:p>
-        </p:txBody>
-      </p:sp>
-      <p:pic>
-        <p:nvPicPr>
-          <p:cNvPr id="10" name="Picture 9" descr="16,220 Human Cell Drawing Images, Stock Photos &amp; Vectors | Shutterstock">
-            <a:extLst>
-              <a:ext uri="{FF2B5EF4-FFF2-40B4-BE49-F238E27FC236}">
-                <a16:creationId xmlns:a16="http://schemas.microsoft.com/office/drawing/2014/main" id="{76C21DEA-91D9-BDD6-354A-A573B1E5047F}"/>
-              </a:ext>
-            </a:extLst>
-          </p:cNvPr>
-          <p:cNvPicPr>
-            <a:picLocks noChangeAspect="1" noChangeArrowheads="1"/>
-          </p:cNvPicPr>
-          <p:nvPr/>
-        </p:nvPicPr>
-        <p:blipFill rotWithShape="1">
-          <a:blip r:embed="rId3">
-            <a:alphaModFix amt="70000"/>
-            <a:extLst>
-              <a:ext uri="{28A0092B-C50C-407E-A947-70E740481C1C}">
-                <a14:useLocalDpi xmlns:a14="http://schemas.microsoft.com/office/drawing/2010/main" val="0"/>
-              </a:ext>
-            </a:extLst>
-          </a:blip>
-          <a:srcRect t="4984" b="9026"/>
-          <a:stretch/>
-        </p:blipFill>
-        <p:spPr bwMode="auto">
-          <a:xfrm rot="19144340">
-            <a:off x="9467420" y="4644352"/>
-            <a:ext cx="2687430" cy="1739406"/>
-          </a:xfrm>
-          <a:prstGeom prst="rect">
-            <a:avLst/>
-          </a:prstGeom>
-          <a:noFill/>
-          <a:extLst>
-            <a:ext uri="{909E8E84-426E-40DD-AFC4-6F175D3DCCD1}">
-              <a14:hiddenFill xmlns:a14="http://schemas.microsoft.com/office/drawing/2010/main">
-                <a:solidFill>
-                  <a:srgbClr val="FFFFFF"/>
-                </a:solidFill>
-              </a14:hiddenFill>
-            </a:ext>
-          </a:extLst>
-        </p:spPr>
-      </p:pic>
-    </p:spTree>
-    <p:extLst>
-      <p:ext uri="{BB962C8B-B14F-4D97-AF65-F5344CB8AC3E}">
-        <p14:creationId xmlns:p14="http://schemas.microsoft.com/office/powerpoint/2010/main" val="496965614"/>
       </p:ext>
     </p:extLst>
   </p:cSld>
@@ -14665,7 +14762,7 @@
           <a:p>
             <a:r>
               <a:rPr lang="fr-CA"/>
-              <a:t>Rapport </a:t>
+              <a:t>Plan de la séance </a:t>
             </a:r>
           </a:p>
         </p:txBody>
@@ -14699,6 +14796,441 @@
           </a:p>
         </p:txBody>
       </p:sp>
+      <p:sp>
+        <p:nvSpPr>
+          <p:cNvPr id="5" name="Espace réservé du contenu 2">
+            <a:extLst>
+              <a:ext uri="{FF2B5EF4-FFF2-40B4-BE49-F238E27FC236}">
+                <a16:creationId xmlns:a16="http://schemas.microsoft.com/office/drawing/2014/main" id="{E16BD7FE-F2FB-C34F-8F01-ADB9538C4E19}"/>
+              </a:ext>
+            </a:extLst>
+          </p:cNvPr>
+          <p:cNvSpPr>
+            <a:spLocks noGrp="1"/>
+          </p:cNvSpPr>
+          <p:nvPr>
+            <p:ph idx="1"/>
+          </p:nvPr>
+        </p:nvSpPr>
+        <p:spPr>
+          <a:xfrm>
+            <a:off x="838200" y="1791522"/>
+            <a:ext cx="10515600" cy="5098227"/>
+          </a:xfrm>
+        </p:spPr>
+        <p:txBody>
+          <a:bodyPr vert="horz" lIns="91440" tIns="45720" rIns="91440" bIns="45720" rtlCol="0" anchor="t">
+            <a:noAutofit/>
+          </a:bodyPr>
+          <a:lstStyle/>
+          <a:p>
+            <a:pPr>
+              <a:lnSpc>
+                <a:spcPct val="100000"/>
+              </a:lnSpc>
+              <a:spcBef>
+                <a:spcPts val="0"/>
+              </a:spcBef>
+              <a:spcAft>
+                <a:spcPts val="1200"/>
+              </a:spcAft>
+            </a:pPr>
+            <a:r>
+              <a:rPr lang="fr-FR" sz="2000">
+                <a:solidFill>
+                  <a:schemeClr val="bg2">
+                    <a:lumMod val="90000"/>
+                  </a:schemeClr>
+                </a:solidFill>
+                <a:latin typeface="Calibri"/>
+                <a:cs typeface="Arial"/>
+              </a:rPr>
+              <a:t>Présentation des notions théoriques </a:t>
+            </a:r>
+            <a:endParaRPr lang="en-US" sz="2000">
+              <a:solidFill>
+                <a:schemeClr val="bg2">
+                  <a:lumMod val="90000"/>
+                </a:schemeClr>
+              </a:solidFill>
+              <a:latin typeface="Calibri"/>
+              <a:cs typeface="Arial"/>
+            </a:endParaRPr>
+          </a:p>
+          <a:p>
+            <a:pPr lvl="1">
+              <a:lnSpc>
+                <a:spcPct val="100000"/>
+              </a:lnSpc>
+              <a:spcBef>
+                <a:spcPts val="0"/>
+              </a:spcBef>
+              <a:spcAft>
+                <a:spcPts val="1200"/>
+              </a:spcAft>
+            </a:pPr>
+            <a:r>
+              <a:rPr lang="fr-FR" sz="2000">
+                <a:solidFill>
+                  <a:schemeClr val="bg2">
+                    <a:lumMod val="90000"/>
+                  </a:schemeClr>
+                </a:solidFill>
+                <a:latin typeface="Calibri"/>
+                <a:cs typeface="Arial"/>
+              </a:rPr>
+              <a:t>Extraction de l’ADN </a:t>
+            </a:r>
+            <a:endParaRPr lang="en-US" sz="2000">
+              <a:solidFill>
+                <a:schemeClr val="bg2">
+                  <a:lumMod val="90000"/>
+                </a:schemeClr>
+              </a:solidFill>
+              <a:latin typeface="Calibri"/>
+              <a:cs typeface="Arial"/>
+            </a:endParaRPr>
+          </a:p>
+          <a:p>
+            <a:pPr lvl="1">
+              <a:lnSpc>
+                <a:spcPct val="100000"/>
+              </a:lnSpc>
+              <a:spcBef>
+                <a:spcPts val="0"/>
+              </a:spcBef>
+              <a:spcAft>
+                <a:spcPts val="1200"/>
+              </a:spcAft>
+            </a:pPr>
+            <a:r>
+              <a:rPr lang="fr-FR" sz="2000">
+                <a:solidFill>
+                  <a:schemeClr val="bg2">
+                    <a:lumMod val="90000"/>
+                  </a:schemeClr>
+                </a:solidFill>
+                <a:latin typeface="Calibri"/>
+                <a:cs typeface="Arial"/>
+              </a:rPr>
+              <a:t>Électrophorèse sur gel d’agarose</a:t>
+            </a:r>
+            <a:endParaRPr lang="en-US" sz="2000">
+              <a:solidFill>
+                <a:schemeClr val="bg2">
+                  <a:lumMod val="90000"/>
+                </a:schemeClr>
+              </a:solidFill>
+              <a:latin typeface="Calibri"/>
+              <a:cs typeface="Arial"/>
+            </a:endParaRPr>
+          </a:p>
+          <a:p>
+            <a:pPr>
+              <a:lnSpc>
+                <a:spcPct val="100000"/>
+              </a:lnSpc>
+              <a:spcBef>
+                <a:spcPts val="0"/>
+              </a:spcBef>
+              <a:spcAft>
+                <a:spcPts val="1200"/>
+              </a:spcAft>
+            </a:pPr>
+            <a:r>
+              <a:rPr lang="fr-FR" sz="2000">
+                <a:solidFill>
+                  <a:schemeClr val="bg2">
+                    <a:lumMod val="90000"/>
+                  </a:schemeClr>
+                </a:solidFill>
+                <a:latin typeface="Calibri"/>
+                <a:cs typeface="Calibri"/>
+              </a:rPr>
+              <a:t>Protocoles des exercices à faire </a:t>
+            </a:r>
+            <a:endParaRPr lang="fr-FR" sz="2000">
+              <a:solidFill>
+                <a:schemeClr val="bg2">
+                  <a:lumMod val="90000"/>
+                </a:schemeClr>
+              </a:solidFill>
+            </a:endParaRPr>
+          </a:p>
+          <a:p>
+            <a:pPr lvl="1">
+              <a:lnSpc>
+                <a:spcPct val="100000"/>
+              </a:lnSpc>
+              <a:spcBef>
+                <a:spcPts val="0"/>
+              </a:spcBef>
+              <a:spcAft>
+                <a:spcPts val="1200"/>
+              </a:spcAft>
+            </a:pPr>
+            <a:r>
+              <a:rPr lang="fr-FR" sz="2000">
+                <a:solidFill>
+                  <a:schemeClr val="bg2">
+                    <a:lumMod val="90000"/>
+                  </a:schemeClr>
+                </a:solidFill>
+                <a:latin typeface="Calibri"/>
+                <a:cs typeface="Calibri"/>
+              </a:rPr>
+              <a:t># 1 – Échantillonnage de vos microbiomes</a:t>
+            </a:r>
+            <a:endParaRPr lang="fr-FR" sz="2000">
+              <a:solidFill>
+                <a:schemeClr val="bg2">
+                  <a:lumMod val="90000"/>
+                </a:schemeClr>
+              </a:solidFill>
+            </a:endParaRPr>
+          </a:p>
+          <a:p>
+            <a:pPr lvl="1">
+              <a:lnSpc>
+                <a:spcPct val="100000"/>
+              </a:lnSpc>
+              <a:spcBef>
+                <a:spcPts val="0"/>
+              </a:spcBef>
+              <a:spcAft>
+                <a:spcPts val="1200"/>
+              </a:spcAft>
+            </a:pPr>
+            <a:r>
+              <a:rPr lang="fr-FR" sz="2000">
+                <a:solidFill>
+                  <a:schemeClr val="bg2">
+                    <a:lumMod val="90000"/>
+                  </a:schemeClr>
+                </a:solidFill>
+                <a:latin typeface="Calibri"/>
+                <a:cs typeface="Calibri"/>
+              </a:rPr>
+              <a:t># 2.1 – Extraction de l’ADN de bactéries </a:t>
+            </a:r>
+            <a:r>
+              <a:rPr lang="fr-FR" sz="2000" i="1">
+                <a:solidFill>
+                  <a:schemeClr val="bg2">
+                    <a:lumMod val="90000"/>
+                  </a:schemeClr>
+                </a:solidFill>
+                <a:latin typeface="Calibri"/>
+                <a:cs typeface="Calibri"/>
+              </a:rPr>
+              <a:t>Escherichia coli </a:t>
+            </a:r>
+          </a:p>
+          <a:p>
+            <a:pPr lvl="1">
+              <a:lnSpc>
+                <a:spcPct val="100000"/>
+              </a:lnSpc>
+              <a:spcBef>
+                <a:spcPts val="0"/>
+              </a:spcBef>
+              <a:spcAft>
+                <a:spcPts val="1200"/>
+              </a:spcAft>
+            </a:pPr>
+            <a:r>
+              <a:rPr lang="fr-FR" sz="2000">
+                <a:solidFill>
+                  <a:schemeClr val="bg2">
+                    <a:lumMod val="90000"/>
+                  </a:schemeClr>
+                </a:solidFill>
+                <a:latin typeface="Calibri"/>
+                <a:cs typeface="Calibri"/>
+              </a:rPr>
+              <a:t># 2.2 – Électrophorèse sur gel d’agarose </a:t>
+            </a:r>
+          </a:p>
+          <a:p>
+            <a:pPr lvl="1">
+              <a:lnSpc>
+                <a:spcPct val="100000"/>
+              </a:lnSpc>
+              <a:spcBef>
+                <a:spcPts val="0"/>
+              </a:spcBef>
+              <a:spcAft>
+                <a:spcPts val="1200"/>
+              </a:spcAft>
+            </a:pPr>
+            <a:r>
+              <a:rPr lang="fr-FR" sz="2000">
+                <a:solidFill>
+                  <a:schemeClr val="bg2">
+                    <a:lumMod val="90000"/>
+                  </a:schemeClr>
+                </a:solidFill>
+                <a:latin typeface="Calibri"/>
+                <a:cs typeface="Calibri"/>
+              </a:rPr>
+              <a:t># 3 – Observation des colonies sur vos géloses avec le binoculaire</a:t>
+            </a:r>
+          </a:p>
+          <a:p>
+            <a:pPr>
+              <a:lnSpc>
+                <a:spcPct val="100000"/>
+              </a:lnSpc>
+              <a:spcBef>
+                <a:spcPts val="0"/>
+              </a:spcBef>
+              <a:spcAft>
+                <a:spcPts val="1200"/>
+              </a:spcAft>
+            </a:pPr>
+            <a:r>
+              <a:rPr lang="fr-FR" sz="2000">
+                <a:latin typeface="Calibri"/>
+                <a:cs typeface="Calibri"/>
+              </a:rPr>
+              <a:t>Explication du rapport</a:t>
+            </a:r>
+          </a:p>
+        </p:txBody>
+      </p:sp>
+      <p:pic>
+        <p:nvPicPr>
+          <p:cNvPr id="10" name="Picture 9" descr="16,220 Human Cell Drawing Images, Stock Photos &amp; Vectors | Shutterstock">
+            <a:extLst>
+              <a:ext uri="{FF2B5EF4-FFF2-40B4-BE49-F238E27FC236}">
+                <a16:creationId xmlns:a16="http://schemas.microsoft.com/office/drawing/2014/main" id="{76C21DEA-91D9-BDD6-354A-A573B1E5047F}"/>
+              </a:ext>
+            </a:extLst>
+          </p:cNvPr>
+          <p:cNvPicPr>
+            <a:picLocks noChangeAspect="1" noChangeArrowheads="1"/>
+          </p:cNvPicPr>
+          <p:nvPr/>
+        </p:nvPicPr>
+        <p:blipFill rotWithShape="1">
+          <a:blip r:embed="rId3">
+            <a:alphaModFix amt="70000"/>
+            <a:extLst>
+              <a:ext uri="{28A0092B-C50C-407E-A947-70E740481C1C}">
+                <a14:useLocalDpi xmlns:a14="http://schemas.microsoft.com/office/drawing/2010/main" val="0"/>
+              </a:ext>
+            </a:extLst>
+          </a:blip>
+          <a:srcRect t="4984" b="9026"/>
+          <a:stretch/>
+        </p:blipFill>
+        <p:spPr bwMode="auto">
+          <a:xfrm rot="19144340">
+            <a:off x="9467420" y="4644352"/>
+            <a:ext cx="2687430" cy="1739406"/>
+          </a:xfrm>
+          <a:prstGeom prst="rect">
+            <a:avLst/>
+          </a:prstGeom>
+          <a:noFill/>
+          <a:extLst>
+            <a:ext uri="{909E8E84-426E-40DD-AFC4-6F175D3DCCD1}">
+              <a14:hiddenFill xmlns:a14="http://schemas.microsoft.com/office/drawing/2010/main">
+                <a:solidFill>
+                  <a:srgbClr val="FFFFFF"/>
+                </a:solidFill>
+              </a14:hiddenFill>
+            </a:ext>
+          </a:extLst>
+        </p:spPr>
+      </p:pic>
+    </p:spTree>
+    <p:extLst>
+      <p:ext uri="{BB962C8B-B14F-4D97-AF65-F5344CB8AC3E}">
+        <p14:creationId xmlns:p14="http://schemas.microsoft.com/office/powerpoint/2010/main" val="496965614"/>
+      </p:ext>
+    </p:extLst>
+  </p:cSld>
+  <p:clrMapOvr>
+    <a:masterClrMapping/>
+  </p:clrMapOvr>
+</p:sld>
+</file>
+
+<file path=ppt/slides/slide21.xml><?xml version="1.0" encoding="utf-8"?>
+<p:sld xmlns:a="http://schemas.openxmlformats.org/drawingml/2006/main" xmlns:r="http://schemas.openxmlformats.org/officeDocument/2006/relationships" xmlns:p="http://schemas.openxmlformats.org/presentationml/2006/main">
+  <p:cSld>
+    <p:spTree>
+      <p:nvGrpSpPr>
+        <p:cNvPr id="1" name=""/>
+        <p:cNvGrpSpPr/>
+        <p:nvPr/>
+      </p:nvGrpSpPr>
+      <p:grpSpPr>
+        <a:xfrm>
+          <a:off x="0" y="0"/>
+          <a:ext cx="0" cy="0"/>
+          <a:chOff x="0" y="0"/>
+          <a:chExt cx="0" cy="0"/>
+        </a:xfrm>
+      </p:grpSpPr>
+      <p:sp>
+        <p:nvSpPr>
+          <p:cNvPr id="2" name="Title 1">
+            <a:extLst>
+              <a:ext uri="{FF2B5EF4-FFF2-40B4-BE49-F238E27FC236}">
+                <a16:creationId xmlns:a16="http://schemas.microsoft.com/office/drawing/2014/main" id="{E06ADEC6-5AC7-A045-A2B1-766EEFA28B91}"/>
+              </a:ext>
+            </a:extLst>
+          </p:cNvPr>
+          <p:cNvSpPr>
+            <a:spLocks noGrp="1"/>
+          </p:cNvSpPr>
+          <p:nvPr>
+            <p:ph type="title"/>
+          </p:nvPr>
+        </p:nvSpPr>
+        <p:spPr/>
+        <p:txBody>
+          <a:bodyPr/>
+          <a:lstStyle/>
+          <a:p>
+            <a:r>
+              <a:rPr lang="fr-CA"/>
+              <a:t>Rapport </a:t>
+            </a:r>
+          </a:p>
+        </p:txBody>
+      </p:sp>
+      <p:sp>
+        <p:nvSpPr>
+          <p:cNvPr id="4" name="Slide Number Placeholder 3">
+            <a:extLst>
+              <a:ext uri="{FF2B5EF4-FFF2-40B4-BE49-F238E27FC236}">
+                <a16:creationId xmlns:a16="http://schemas.microsoft.com/office/drawing/2014/main" id="{5603EB9B-9762-A547-86D2-14F25D919A40}"/>
+              </a:ext>
+            </a:extLst>
+          </p:cNvPr>
+          <p:cNvSpPr>
+            <a:spLocks noGrp="1"/>
+          </p:cNvSpPr>
+          <p:nvPr>
+            <p:ph type="sldNum" sz="quarter" idx="12"/>
+          </p:nvPr>
+        </p:nvSpPr>
+        <p:spPr/>
+        <p:txBody>
+          <a:bodyPr/>
+          <a:lstStyle/>
+          <a:p>
+            <a:fld id="{9B15ED26-301E-7946-9B9C-2C2CD640F984}" type="slidenum">
+              <a:rPr lang="fr-FR" smtClean="0"/>
+              <a:t>21</a:t>
+            </a:fld>
+            <a:endParaRPr lang="fr-FR"/>
+          </a:p>
+        </p:txBody>
+      </p:sp>
       <p:graphicFrame>
         <p:nvGraphicFramePr>
           <p:cNvPr id="7" name="Table 6">
@@ -14714,7 +15246,7 @@
           <p:nvPr>
             <p:extLst>
               <p:ext uri="{D42A27DB-BD31-4B8C-83A1-F6EECF244321}">
-                <p14:modId xmlns:p14="http://schemas.microsoft.com/office/powerpoint/2010/main" val="3311308449"/>
+                <p14:modId xmlns:p14="http://schemas.microsoft.com/office/powerpoint/2010/main" val="3791006277"/>
               </p:ext>
             </p:extLst>
           </p:nvPr>
@@ -14998,7 +15530,7 @@
                         </a:spcAft>
                       </a:pPr>
                       <a:r>
-                        <a:rPr lang="en-CA" sz="1800" b="1" i="0" u="none" strike="noStrike">
+                        <a:rPr lang="en-CA" sz="1800" b="1" i="0" u="none" strike="noStrike" dirty="0">
                           <a:solidFill>
                             <a:srgbClr val="000000"/>
                           </a:solidFill>
@@ -15006,7 +15538,7 @@
                           <a:latin typeface="Calibri"/>
                           <a:cs typeface="Calibri"/>
                         </a:rPr>
-                        <a:t>RÉFÉRENCES</a:t>
+                        <a:t>RÉFÉRENCES / BIBLIOGRAPHIE</a:t>
                       </a:r>
                     </a:p>
                   </a:txBody>
@@ -15238,14 +15770,14 @@
                         </a:spcAft>
                       </a:pPr>
                       <a:r>
-                        <a:rPr lang="en-CA" sz="1800" b="1" u="none" strike="noStrike">
+                        <a:rPr lang="en-CA" sz="1800" b="1" u="none" strike="noStrike" dirty="0">
                           <a:effectLst/>
                           <a:latin typeface="Calibri"/>
                           <a:cs typeface="Calibri"/>
                         </a:rPr>
-                        <a:t>RÉSUMÉ  (5 points)</a:t>
+                        <a:t>RÉSUMÉ  - 200 mots max (5 points)</a:t>
                       </a:r>
-                      <a:endParaRPr lang="en-CA" sz="1800" b="1" i="0" u="none" strike="noStrike">
+                      <a:endParaRPr lang="en-CA" sz="1800" b="1" i="0" u="none" strike="noStrike" dirty="0">
                         <a:solidFill>
                           <a:srgbClr val="000000"/>
                         </a:solidFill>
@@ -15705,14 +16237,14 @@
                         </a:spcAft>
                       </a:pPr>
                       <a:r>
-                        <a:rPr lang="en-CA" sz="1800" u="none" strike="noStrike">
+                        <a:rPr lang="en-CA" sz="1800" u="none" strike="noStrike" dirty="0">
                           <a:effectLst/>
                           <a:latin typeface="Calibri"/>
                           <a:cs typeface="Calibri"/>
                         </a:rPr>
                         <a:t>Conclusions</a:t>
                       </a:r>
-                      <a:endParaRPr lang="en-CA" sz="1800" b="0" i="0" u="none" strike="noStrike">
+                      <a:endParaRPr lang="en-CA" sz="1800" b="0" i="0" u="none" strike="noStrike" dirty="0">
                         <a:solidFill>
                           <a:srgbClr val="000000"/>
                         </a:solidFill>
@@ -15782,14 +16314,14 @@
                         </a:spcAft>
                       </a:pPr>
                       <a:r>
-                        <a:rPr lang="en-CA" sz="1800" b="1" u="none" strike="noStrike">
+                        <a:rPr lang="en-CA" sz="1800" b="1" u="none" strike="noStrike" dirty="0">
                           <a:effectLst/>
                           <a:latin typeface="Calibri"/>
                           <a:cs typeface="Calibri"/>
                         </a:rPr>
                         <a:t>INTRODUCTION  (15 points)</a:t>
                       </a:r>
-                      <a:endParaRPr lang="en-CA" sz="1800" b="1" i="0" u="none" strike="noStrike">
+                      <a:endParaRPr lang="en-CA" sz="1800" b="1" i="0" u="none" strike="noStrike" dirty="0">
                         <a:solidFill>
                           <a:srgbClr val="000000"/>
                         </a:solidFill>
@@ -16180,14 +16712,14 @@
                         </a:spcAft>
                       </a:pPr>
                       <a:r>
-                        <a:rPr lang="en-CA" sz="1800" u="none" strike="noStrike">
+                        <a:rPr lang="en-CA" sz="1800" u="none" strike="noStrike" dirty="0">
                           <a:effectLst/>
                           <a:latin typeface="Calibri"/>
                           <a:cs typeface="Calibri"/>
                         </a:rPr>
                         <a:t>5 </a:t>
                       </a:r>
-                      <a:endParaRPr lang="en-CA" sz="1800" b="0" i="0" u="none" strike="noStrike">
+                      <a:endParaRPr lang="en-CA" sz="1800" b="0" i="0" u="none" strike="noStrike" dirty="0">
                         <a:solidFill>
                           <a:srgbClr val="000000"/>
                         </a:solidFill>
@@ -16280,7 +16812,7 @@
 </p:sld>
 </file>
 
-<file path=ppt/slides/slide21.xml><?xml version="1.0" encoding="utf-8"?>
+<file path=ppt/slides/slide22.xml><?xml version="1.0" encoding="utf-8"?>
 <p:sld xmlns:a="http://schemas.openxmlformats.org/drawingml/2006/main" xmlns:r="http://schemas.openxmlformats.org/officeDocument/2006/relationships" xmlns:p="http://schemas.openxmlformats.org/presentationml/2006/main">
   <p:cSld>
     <p:spTree>
@@ -16348,7 +16880,7 @@
           <a:p>
             <a:fld id="{9B15ED26-301E-7946-9B9C-2C2CD640F984}" type="slidenum">
               <a:rPr lang="fr-FR" smtClean="0"/>
-              <a:t>21</a:t>
+              <a:t>22</a:t>
             </a:fld>
             <a:endParaRPr lang="fr-FR"/>
           </a:p>
@@ -16369,7 +16901,7 @@
           <p:nvPr>
             <p:extLst>
               <p:ext uri="{D42A27DB-BD31-4B8C-83A1-F6EECF244321}">
-                <p14:modId xmlns:p14="http://schemas.microsoft.com/office/powerpoint/2010/main" val="3356367993"/>
+                <p14:modId xmlns:p14="http://schemas.microsoft.com/office/powerpoint/2010/main" val="1630772879"/>
               </p:ext>
             </p:extLst>
           </p:nvPr>
@@ -16415,14 +16947,30 @@
                         </a:spcAft>
                       </a:pPr>
                       <a:r>
-                        <a:rPr lang="en-CA" sz="1800" b="1" u="none" strike="noStrike">
+                        <a:rPr lang="en-CA" sz="1800" b="1" u="none" strike="noStrike" dirty="0">
                           <a:effectLst/>
                           <a:latin typeface="Calibri"/>
                           <a:cs typeface="Calibri"/>
                         </a:rPr>
-                        <a:t>MÉTHODOLOGIE ( 25 points)</a:t>
+                        <a:t>MÉTHODOLOGIE [</a:t>
                       </a:r>
-                      <a:endParaRPr lang="en-CA" sz="1800" b="1" i="0" u="none" strike="noStrike">
+                      <a:r>
+                        <a:rPr lang="fr-FR" sz="1800" b="1" u="none" strike="noStrike" dirty="0">
+                          <a:effectLst/>
+                          <a:latin typeface="Calibri"/>
+                          <a:cs typeface="Calibri"/>
+                        </a:rPr>
+                        <a:t>Il ne faut pas énumérer chaque étape d’une technique] </a:t>
+                      </a:r>
+                      <a:r>
+                        <a:rPr lang="en-CA" sz="1800" b="1" u="none" strike="noStrike" dirty="0">
+                          <a:effectLst/>
+                          <a:latin typeface="Calibri"/>
+                          <a:cs typeface="Calibri"/>
+                        </a:rPr>
+                        <a:t>( 25 points)</a:t>
+                      </a:r>
+                      <a:endParaRPr lang="en-CA" sz="1800" b="1" i="0" u="none" strike="noStrike" dirty="0">
                         <a:solidFill>
                           <a:srgbClr val="000000"/>
                         </a:solidFill>
@@ -17551,14 +18099,14 @@
                         </a:spcAft>
                       </a:pPr>
                       <a:r>
-                        <a:rPr lang="en-CA" sz="1800" u="none" strike="noStrike">
+                        <a:rPr lang="en-CA" sz="1800" u="none" strike="noStrike" dirty="0">
                           <a:effectLst/>
                           <a:latin typeface="Calibri"/>
                           <a:cs typeface="Calibri"/>
                         </a:rPr>
                         <a:t>1 </a:t>
                       </a:r>
-                      <a:endParaRPr lang="en-CA" sz="1800" b="0" i="0" u="none" strike="noStrike">
+                      <a:endParaRPr lang="en-CA" sz="1800" b="0" i="0" u="none" strike="noStrike" dirty="0">
                         <a:solidFill>
                           <a:srgbClr val="000000"/>
                         </a:solidFill>
@@ -17595,7 +18143,7 @@
 </p:sld>
 </file>
 
-<file path=ppt/slides/slide22.xml><?xml version="1.0" encoding="utf-8"?>
+<file path=ppt/slides/slide23.xml><?xml version="1.0" encoding="utf-8"?>
 <p:sld xmlns:a="http://schemas.openxmlformats.org/drawingml/2006/main" xmlns:r="http://schemas.openxmlformats.org/officeDocument/2006/relationships" xmlns:p="http://schemas.openxmlformats.org/presentationml/2006/main">
   <p:cSld>
     <p:spTree>
@@ -17663,7 +18211,7 @@
           <a:p>
             <a:fld id="{9B15ED26-301E-7946-9B9C-2C2CD640F984}" type="slidenum">
               <a:rPr lang="fr-FR" smtClean="0"/>
-              <a:t>22</a:t>
+              <a:t>23</a:t>
             </a:fld>
             <a:endParaRPr lang="fr-FR"/>
           </a:p>
@@ -17684,7 +18232,7 @@
           <p:nvPr>
             <p:extLst>
               <p:ext uri="{D42A27DB-BD31-4B8C-83A1-F6EECF244321}">
-                <p14:modId xmlns:p14="http://schemas.microsoft.com/office/powerpoint/2010/main" val="530517800"/>
+                <p14:modId xmlns:p14="http://schemas.microsoft.com/office/powerpoint/2010/main" val="331602351"/>
               </p:ext>
             </p:extLst>
           </p:nvPr>
@@ -18489,22 +19037,54 @@
                         </a:spcAft>
                       </a:pPr>
                       <a:r>
-                        <a:rPr lang="en-CA" sz="1800" u="none" strike="noStrike">
+                        <a:rPr lang="en-CA" sz="1800" u="none" strike="noStrike" dirty="0">
                           <a:effectLst/>
                           <a:latin typeface="Calibri"/>
                           <a:cs typeface="Calibri"/>
                         </a:rPr>
-                        <a:t>ASV </a:t>
+                        <a:t>ASV (Variant de </a:t>
                       </a:r>
                       <a:r>
-                        <a:rPr lang="en-CA" sz="1800" u="none" strike="noStrike" err="1">
+                        <a:rPr lang="en-CA" sz="1800" u="none" strike="noStrike" dirty="0" err="1">
+                          <a:effectLst/>
+                          <a:latin typeface="Calibri"/>
+                          <a:cs typeface="Calibri"/>
+                        </a:rPr>
+                        <a:t>séquence</a:t>
+                      </a:r>
+                      <a:r>
+                        <a:rPr lang="en-CA" sz="1800" u="none" strike="noStrike" dirty="0">
+                          <a:effectLst/>
+                          <a:latin typeface="Calibri"/>
+                          <a:cs typeface="Calibri"/>
+                        </a:rPr>
+                        <a:t> </a:t>
+                      </a:r>
+                      <a:r>
+                        <a:rPr lang="en-CA" sz="1800" u="none" strike="noStrike" dirty="0" err="1">
+                          <a:effectLst/>
+                          <a:latin typeface="Calibri"/>
+                          <a:cs typeface="Calibri"/>
+                        </a:rPr>
+                        <a:t>d'amplicon</a:t>
+                      </a:r>
+                      <a:r>
+                        <a:rPr lang="en-CA" sz="1800" u="none" strike="noStrike" dirty="0">
+                          <a:effectLst/>
+                          <a:latin typeface="Calibri"/>
+                          <a:cs typeface="Calibri"/>
+                        </a:rPr>
+                        <a:t> | amplicon sequence variant) </a:t>
+                      </a:r>
+                      <a:r>
+                        <a:rPr lang="en-CA" sz="1800" u="none" strike="noStrike" dirty="0" err="1">
                           <a:effectLst/>
                           <a:latin typeface="Calibri"/>
                           <a:cs typeface="Calibri"/>
                         </a:rPr>
                         <a:t>sélectionné</a:t>
                       </a:r>
-                      <a:endParaRPr lang="en-CA" sz="1800" b="0" i="0" u="none" strike="noStrike">
+                      <a:endParaRPr lang="en-CA" sz="1800" b="0" i="0" u="none" strike="noStrike" dirty="0">
                         <a:solidFill>
                           <a:srgbClr val="000000"/>
                         </a:solidFill>
@@ -18617,14 +19197,14 @@
                         </a:spcAft>
                       </a:pPr>
                       <a:r>
-                        <a:rPr lang="en-CA" sz="1800" u="none" strike="noStrike">
+                        <a:rPr lang="en-CA" sz="1800" u="none" strike="noStrike" dirty="0">
                           <a:effectLst/>
                           <a:latin typeface="Calibri"/>
                           <a:cs typeface="Calibri"/>
                         </a:rPr>
                         <a:t>1 </a:t>
                       </a:r>
-                      <a:endParaRPr lang="en-CA" sz="1800" b="0" i="0" u="none" strike="noStrike">
+                      <a:endParaRPr lang="en-CA" sz="1800" b="0" i="0" u="none" strike="noStrike" dirty="0">
                         <a:solidFill>
                           <a:srgbClr val="000000"/>
                         </a:solidFill>
@@ -18661,7 +19241,7 @@
 </p:sld>
 </file>
 
-<file path=ppt/slides/slide23.xml><?xml version="1.0" encoding="utf-8"?>
+<file path=ppt/slides/slide24.xml><?xml version="1.0" encoding="utf-8"?>
 <p:sld xmlns:a="http://schemas.openxmlformats.org/drawingml/2006/main" xmlns:r="http://schemas.openxmlformats.org/officeDocument/2006/relationships" xmlns:p="http://schemas.openxmlformats.org/presentationml/2006/main">
   <p:cSld>
     <p:spTree>
@@ -18729,7 +19309,7 @@
           <a:p>
             <a:fld id="{9B15ED26-301E-7946-9B9C-2C2CD640F984}" type="slidenum">
               <a:rPr lang="fr-FR" smtClean="0"/>
-              <a:t>23</a:t>
+              <a:t>24</a:t>
             </a:fld>
             <a:endParaRPr lang="fr-FR"/>
           </a:p>
@@ -18750,14 +19330,14 @@
           <p:nvPr>
             <p:extLst>
               <p:ext uri="{D42A27DB-BD31-4B8C-83A1-F6EECF244321}">
-                <p14:modId xmlns:p14="http://schemas.microsoft.com/office/powerpoint/2010/main" val="1911912761"/>
+                <p14:modId xmlns:p14="http://schemas.microsoft.com/office/powerpoint/2010/main" val="2561459060"/>
               </p:ext>
             </p:extLst>
           </p:nvPr>
         </p:nvGraphicFramePr>
         <p:xfrm>
           <a:off x="1052512" y="1570242"/>
-          <a:ext cx="10192352" cy="4904752"/>
+          <a:ext cx="10192352" cy="5064869"/>
         </p:xfrm>
         <a:graphic>
           <a:graphicData uri="http://schemas.openxmlformats.org/drawingml/2006/table">
@@ -18789,14 +19369,25 @@
                     <a:p>
                       <a:pPr algn="l" fontAlgn="b"/>
                       <a:r>
-                        <a:rPr lang="fr-CA" sz="1800" b="1" u="none" strike="noStrike">
+                        <a:rPr lang="fr-CA" sz="1800" b="1" u="none" strike="noStrike" dirty="0">
                           <a:effectLst/>
                           <a:latin typeface="Calibri" panose="020F0502020204030204" pitchFamily="34" charset="0"/>
                           <a:cs typeface="Calibri" panose="020F0502020204030204" pitchFamily="34" charset="0"/>
                         </a:rPr>
                         <a:t>RÉSULTATS (15 points)</a:t>
                       </a:r>
-                      <a:endParaRPr lang="fr-CA" sz="1800" b="1" i="0" u="none" strike="noStrike">
+                    </a:p>
+                    <a:p>
+                      <a:pPr algn="l" fontAlgn="b"/>
+                      <a:r>
+                        <a:rPr lang="fr-FR" sz="1800" b="1" u="none" strike="noStrike" dirty="0">
+                          <a:effectLst/>
+                          <a:latin typeface="Calibri" panose="020F0502020204030204" pitchFamily="34" charset="0"/>
+                          <a:cs typeface="Calibri" panose="020F0502020204030204" pitchFamily="34" charset="0"/>
+                        </a:rPr>
+                        <a:t>Aucune interprétation ne doit être faite à cette étape, ni présentation des méthodes</a:t>
+                      </a:r>
+                      <a:endParaRPr lang="fr-CA" sz="1800" b="1" i="0" u="none" strike="noStrike" dirty="0">
                         <a:solidFill>
                           <a:srgbClr val="000000"/>
                         </a:solidFill>
@@ -19905,14 +20496,14 @@
                     <a:p>
                       <a:pPr algn="l" fontAlgn="b"/>
                       <a:r>
-                        <a:rPr lang="fr-CA" sz="1800" u="none" strike="noStrike">
+                        <a:rPr lang="fr-CA" sz="1800" u="none" strike="noStrike" dirty="0">
                           <a:effectLst/>
                           <a:latin typeface="Calibri" panose="020F0502020204030204" pitchFamily="34" charset="0"/>
                           <a:cs typeface="Calibri" panose="020F0502020204030204" pitchFamily="34" charset="0"/>
                         </a:rPr>
                         <a:t>2 </a:t>
                       </a:r>
-                      <a:endParaRPr lang="fr-CA" sz="1800" b="0" i="0" u="none" strike="noStrike">
+                      <a:endParaRPr lang="fr-CA" sz="1800" b="0" i="0" u="none" strike="noStrike" dirty="0">
                         <a:solidFill>
                           <a:srgbClr val="000000"/>
                         </a:solidFill>
@@ -19949,7 +20540,7 @@
 </p:sld>
 </file>
 
-<file path=ppt/slides/slide24.xml><?xml version="1.0" encoding="utf-8"?>
+<file path=ppt/slides/slide25.xml><?xml version="1.0" encoding="utf-8"?>
 <p:sld xmlns:a="http://schemas.openxmlformats.org/drawingml/2006/main" xmlns:r="http://schemas.openxmlformats.org/officeDocument/2006/relationships" xmlns:p="http://schemas.openxmlformats.org/presentationml/2006/main">
   <p:cSld>
     <p:spTree>
@@ -19989,7 +20580,7 @@
           <a:p>
             <a:fld id="{9B15ED26-301E-7946-9B9C-2C2CD640F984}" type="slidenum">
               <a:rPr lang="fr-FR" smtClean="0"/>
-              <a:t>24</a:t>
+              <a:t>25</a:t>
             </a:fld>
             <a:endParaRPr lang="fr-FR"/>
           </a:p>
@@ -20895,6 +21486,63 @@
       </p:grpSpPr>
       <p:sp>
         <p:nvSpPr>
+          <p:cNvPr id="8" name="Rectangle 7">
+            <a:extLst>
+              <a:ext uri="{FF2B5EF4-FFF2-40B4-BE49-F238E27FC236}">
+                <a16:creationId xmlns:a16="http://schemas.microsoft.com/office/drawing/2014/main" id="{B684C589-C881-3E38-08DF-96230C5107C0}"/>
+              </a:ext>
+            </a:extLst>
+          </p:cNvPr>
+          <p:cNvSpPr/>
+          <p:nvPr/>
+        </p:nvSpPr>
+        <p:spPr>
+          <a:xfrm>
+            <a:off x="4544030" y="1440095"/>
+            <a:ext cx="6501260" cy="703463"/>
+          </a:xfrm>
+          <a:prstGeom prst="rect">
+            <a:avLst/>
+          </a:prstGeom>
+          <a:solidFill>
+            <a:schemeClr val="accent4">
+              <a:lumMod val="20000"/>
+              <a:lumOff val="80000"/>
+            </a:schemeClr>
+          </a:solidFill>
+          <a:ln w="28575">
+            <a:solidFill>
+              <a:schemeClr val="tx1"/>
+            </a:solidFill>
+          </a:ln>
+        </p:spPr>
+        <p:style>
+          <a:lnRef idx="2">
+            <a:schemeClr val="accent1">
+              <a:shade val="15000"/>
+            </a:schemeClr>
+          </a:lnRef>
+          <a:fillRef idx="1">
+            <a:schemeClr val="accent1"/>
+          </a:fillRef>
+          <a:effectRef idx="0">
+            <a:schemeClr val="accent1"/>
+          </a:effectRef>
+          <a:fontRef idx="minor">
+            <a:schemeClr val="lt1"/>
+          </a:fontRef>
+        </p:style>
+        <p:txBody>
+          <a:bodyPr rtlCol="0" anchor="ctr"/>
+          <a:lstStyle/>
+          <a:p>
+            <a:pPr algn="ctr"/>
+            <a:endParaRPr lang="fr-FR"/>
+          </a:p>
+        </p:txBody>
+      </p:sp>
+      <p:sp>
+        <p:nvSpPr>
           <p:cNvPr id="2" name="Title 1">
             <a:extLst>
               <a:ext uri="{FF2B5EF4-FFF2-40B4-BE49-F238E27FC236}">
@@ -21645,6 +22293,44 @@
           </a:fontRef>
         </p:style>
       </p:cxnSp>
+      <p:sp>
+        <p:nvSpPr>
+          <p:cNvPr id="15" name="TextBox 6">
+            <a:extLst>
+              <a:ext uri="{FF2B5EF4-FFF2-40B4-BE49-F238E27FC236}">
+                <a16:creationId xmlns:a16="http://schemas.microsoft.com/office/drawing/2014/main" id="{637FCC30-4538-7255-3AD5-9677C0F6015C}"/>
+              </a:ext>
+            </a:extLst>
+          </p:cNvPr>
+          <p:cNvSpPr txBox="1"/>
+          <p:nvPr/>
+        </p:nvSpPr>
+        <p:spPr>
+          <a:xfrm>
+            <a:off x="3008944" y="1456998"/>
+            <a:ext cx="1491114" cy="369332"/>
+          </a:xfrm>
+          <a:prstGeom prst="rect">
+            <a:avLst/>
+          </a:prstGeom>
+          <a:noFill/>
+        </p:spPr>
+        <p:txBody>
+          <a:bodyPr wrap="none" lIns="91440" tIns="45720" rIns="91440" bIns="45720" rtlCol="0" anchor="t">
+            <a:spAutoFit/>
+          </a:bodyPr>
+          <a:lstStyle/>
+          <a:p>
+            <a:r>
+              <a:rPr lang="fr-CA" b="1" dirty="0">
+                <a:latin typeface="Calibri"/>
+                <a:cs typeface="Calibri"/>
+              </a:rPr>
+              <a:t>Dernier labo :</a:t>
+            </a:r>
+          </a:p>
+        </p:txBody>
+      </p:sp>
     </p:spTree>
     <p:extLst>
       <p:ext uri="{BB962C8B-B14F-4D97-AF65-F5344CB8AC3E}">
@@ -21689,8 +22375,8 @@
         </p:nvSpPr>
         <p:spPr>
           <a:xfrm>
-            <a:off x="7157640" y="3428824"/>
-            <a:ext cx="3885258" cy="3104443"/>
+            <a:off x="711200" y="1481191"/>
+            <a:ext cx="6501260" cy="2505181"/>
           </a:xfrm>
           <a:prstGeom prst="rect">
             <a:avLst/>
@@ -21966,7 +22652,7 @@
           <a:lstStyle/>
           <a:p>
             <a:r>
-              <a:rPr lang="fr-CA">
+              <a:rPr lang="fr-CA" dirty="0">
                 <a:latin typeface="Calibri" panose="020F0502020204030204" pitchFamily="34" charset="0"/>
               </a:rPr>
               <a:t>Migration de l’ADN par électrophorèse </a:t>
@@ -22498,8 +23184,8 @@
         </p:nvSpPr>
         <p:spPr>
           <a:xfrm>
-            <a:off x="5368083" y="4759187"/>
-            <a:ext cx="1792863" cy="369332"/>
+            <a:off x="711200" y="4102904"/>
+            <a:ext cx="1382494" cy="369332"/>
           </a:xfrm>
           <a:prstGeom prst="rect">
             <a:avLst/>
@@ -22513,11 +23199,11 @@
           <a:lstStyle/>
           <a:p>
             <a:r>
-              <a:rPr lang="fr-CA" b="1">
+              <a:rPr lang="fr-CA" b="1" dirty="0">
                 <a:latin typeface="Calibri"/>
                 <a:cs typeface="Calibri"/>
               </a:rPr>
-              <a:t>Prochains labos :</a:t>
+              <a:t>Aujourd’hui:</a:t>
             </a:r>
           </a:p>
         </p:txBody>
@@ -22536,6 +23222,889 @@
 </file>
 
 <file path=ppt/slides/slide7.xml><?xml version="1.0" encoding="utf-8"?>
+<p:sld xmlns:a="http://schemas.openxmlformats.org/drawingml/2006/main" xmlns:r="http://schemas.openxmlformats.org/officeDocument/2006/relationships" xmlns:p="http://schemas.openxmlformats.org/presentationml/2006/main">
+  <p:cSld>
+    <p:spTree>
+      <p:nvGrpSpPr>
+        <p:cNvPr id="1" name="">
+          <a:extLst>
+            <a:ext uri="{FF2B5EF4-FFF2-40B4-BE49-F238E27FC236}">
+              <a16:creationId xmlns:a16="http://schemas.microsoft.com/office/drawing/2014/main" id="{35094895-20B2-CDA9-4CB1-36DF54E3722B}"/>
+            </a:ext>
+          </a:extLst>
+        </p:cNvPr>
+        <p:cNvGrpSpPr/>
+        <p:nvPr/>
+      </p:nvGrpSpPr>
+      <p:grpSpPr>
+        <a:xfrm>
+          <a:off x="0" y="0"/>
+          <a:ext cx="0" cy="0"/>
+          <a:chOff x="0" y="0"/>
+          <a:chExt cx="0" cy="0"/>
+        </a:xfrm>
+      </p:grpSpPr>
+      <p:sp>
+        <p:nvSpPr>
+          <p:cNvPr id="8" name="Rectangle 7">
+            <a:extLst>
+              <a:ext uri="{FF2B5EF4-FFF2-40B4-BE49-F238E27FC236}">
+                <a16:creationId xmlns:a16="http://schemas.microsoft.com/office/drawing/2014/main" id="{86B0BA03-E2D9-9D20-71B6-781DC90BA74B}"/>
+              </a:ext>
+            </a:extLst>
+          </p:cNvPr>
+          <p:cNvSpPr/>
+          <p:nvPr/>
+        </p:nvSpPr>
+        <p:spPr>
+          <a:xfrm>
+            <a:off x="7157640" y="3428824"/>
+            <a:ext cx="3885258" cy="3104443"/>
+          </a:xfrm>
+          <a:prstGeom prst="rect">
+            <a:avLst/>
+          </a:prstGeom>
+          <a:solidFill>
+            <a:schemeClr val="accent4">
+              <a:lumMod val="20000"/>
+              <a:lumOff val="80000"/>
+            </a:schemeClr>
+          </a:solidFill>
+          <a:ln w="28575">
+            <a:solidFill>
+              <a:schemeClr val="tx1"/>
+            </a:solidFill>
+          </a:ln>
+        </p:spPr>
+        <p:style>
+          <a:lnRef idx="2">
+            <a:schemeClr val="accent1">
+              <a:shade val="15000"/>
+            </a:schemeClr>
+          </a:lnRef>
+          <a:fillRef idx="1">
+            <a:schemeClr val="accent1"/>
+          </a:fillRef>
+          <a:effectRef idx="0">
+            <a:schemeClr val="accent1"/>
+          </a:effectRef>
+          <a:fontRef idx="minor">
+            <a:schemeClr val="lt1"/>
+          </a:fontRef>
+        </p:style>
+        <p:txBody>
+          <a:bodyPr rtlCol="0" anchor="ctr"/>
+          <a:lstStyle/>
+          <a:p>
+            <a:pPr algn="ctr"/>
+            <a:endParaRPr lang="fr-FR"/>
+          </a:p>
+        </p:txBody>
+      </p:sp>
+      <p:sp>
+        <p:nvSpPr>
+          <p:cNvPr id="2" name="Title 1">
+            <a:extLst>
+              <a:ext uri="{FF2B5EF4-FFF2-40B4-BE49-F238E27FC236}">
+                <a16:creationId xmlns:a16="http://schemas.microsoft.com/office/drawing/2014/main" id="{5B98904B-3C40-967A-7369-7C9C31CB92C0}"/>
+              </a:ext>
+            </a:extLst>
+          </p:cNvPr>
+          <p:cNvSpPr>
+            <a:spLocks noGrp="1"/>
+          </p:cNvSpPr>
+          <p:nvPr>
+            <p:ph type="title"/>
+          </p:nvPr>
+        </p:nvSpPr>
+        <p:spPr/>
+        <p:txBody>
+          <a:bodyPr/>
+          <a:lstStyle/>
+          <a:p>
+            <a:r>
+              <a:rPr lang="fr-CA"/>
+              <a:t>Résumé </a:t>
+            </a:r>
+          </a:p>
+        </p:txBody>
+      </p:sp>
+      <p:sp>
+        <p:nvSpPr>
+          <p:cNvPr id="4" name="Slide Number Placeholder 3">
+            <a:extLst>
+              <a:ext uri="{FF2B5EF4-FFF2-40B4-BE49-F238E27FC236}">
+                <a16:creationId xmlns:a16="http://schemas.microsoft.com/office/drawing/2014/main" id="{4C409307-6E99-3471-D2A0-C2416C4A0394}"/>
+              </a:ext>
+            </a:extLst>
+          </p:cNvPr>
+          <p:cNvSpPr>
+            <a:spLocks noGrp="1"/>
+          </p:cNvSpPr>
+          <p:nvPr>
+            <p:ph type="sldNum" sz="quarter" idx="12"/>
+          </p:nvPr>
+        </p:nvSpPr>
+        <p:spPr/>
+        <p:txBody>
+          <a:bodyPr/>
+          <a:lstStyle/>
+          <a:p>
+            <a:fld id="{9B15ED26-301E-7946-9B9C-2C2CD640F984}" type="slidenum">
+              <a:rPr lang="fr-FR" smtClean="0"/>
+              <a:t>7</a:t>
+            </a:fld>
+            <a:endParaRPr lang="fr-FR"/>
+          </a:p>
+        </p:txBody>
+      </p:sp>
+      <p:sp>
+        <p:nvSpPr>
+          <p:cNvPr id="6" name="TextBox 5">
+            <a:extLst>
+              <a:ext uri="{FF2B5EF4-FFF2-40B4-BE49-F238E27FC236}">
+                <a16:creationId xmlns:a16="http://schemas.microsoft.com/office/drawing/2014/main" id="{980B4AE5-AECD-5C78-FD4C-D91691A8CAE2}"/>
+              </a:ext>
+            </a:extLst>
+          </p:cNvPr>
+          <p:cNvSpPr txBox="1"/>
+          <p:nvPr/>
+        </p:nvSpPr>
+        <p:spPr>
+          <a:xfrm>
+            <a:off x="5003800" y="1553900"/>
+            <a:ext cx="1742785" cy="369332"/>
+          </a:xfrm>
+          <a:prstGeom prst="rect">
+            <a:avLst/>
+          </a:prstGeom>
+          <a:noFill/>
+        </p:spPr>
+        <p:txBody>
+          <a:bodyPr wrap="none" rtlCol="0">
+            <a:spAutoFit/>
+          </a:bodyPr>
+          <a:lstStyle/>
+          <a:p>
+            <a:r>
+              <a:rPr lang="fr-CA">
+                <a:latin typeface="Calibri" panose="020F0502020204030204" pitchFamily="34" charset="0"/>
+              </a:rPr>
+              <a:t>Échantillonnage </a:t>
+            </a:r>
+          </a:p>
+        </p:txBody>
+      </p:sp>
+      <p:sp>
+        <p:nvSpPr>
+          <p:cNvPr id="7" name="TextBox 6">
+            <a:extLst>
+              <a:ext uri="{FF2B5EF4-FFF2-40B4-BE49-F238E27FC236}">
+                <a16:creationId xmlns:a16="http://schemas.microsoft.com/office/drawing/2014/main" id="{E8521018-4A0C-381F-A1C2-371C7DB910F0}"/>
+              </a:ext>
+            </a:extLst>
+          </p:cNvPr>
+          <p:cNvSpPr txBox="1"/>
+          <p:nvPr/>
+        </p:nvSpPr>
+        <p:spPr>
+          <a:xfrm>
+            <a:off x="5029416" y="2482594"/>
+            <a:ext cx="1608902" cy="369332"/>
+          </a:xfrm>
+          <a:prstGeom prst="rect">
+            <a:avLst/>
+          </a:prstGeom>
+          <a:noFill/>
+        </p:spPr>
+        <p:txBody>
+          <a:bodyPr wrap="none" rtlCol="0">
+            <a:spAutoFit/>
+          </a:bodyPr>
+          <a:lstStyle/>
+          <a:p>
+            <a:r>
+              <a:rPr lang="fr-CA">
+                <a:latin typeface="Calibri" panose="020F0502020204030204" pitchFamily="34" charset="0"/>
+              </a:rPr>
+              <a:t>Extraction ADN</a:t>
+            </a:r>
+          </a:p>
+        </p:txBody>
+      </p:sp>
+      <p:sp>
+        <p:nvSpPr>
+          <p:cNvPr id="9" name="TextBox 8">
+            <a:extLst>
+              <a:ext uri="{FF2B5EF4-FFF2-40B4-BE49-F238E27FC236}">
+                <a16:creationId xmlns:a16="http://schemas.microsoft.com/office/drawing/2014/main" id="{7321984D-2562-C6B6-6202-0C6DAB7D6C9C}"/>
+              </a:ext>
+            </a:extLst>
+          </p:cNvPr>
+          <p:cNvSpPr txBox="1"/>
+          <p:nvPr/>
+        </p:nvSpPr>
+        <p:spPr>
+          <a:xfrm>
+            <a:off x="7154481" y="3477415"/>
+            <a:ext cx="3890809" cy="369332"/>
+          </a:xfrm>
+          <a:prstGeom prst="rect">
+            <a:avLst/>
+          </a:prstGeom>
+          <a:noFill/>
+        </p:spPr>
+        <p:txBody>
+          <a:bodyPr wrap="none" rtlCol="0">
+            <a:spAutoFit/>
+          </a:bodyPr>
+          <a:lstStyle/>
+          <a:p>
+            <a:r>
+              <a:rPr lang="fr-CA" dirty="0">
+                <a:latin typeface="Calibri" panose="020F0502020204030204" pitchFamily="34" charset="0"/>
+              </a:rPr>
+              <a:t>Amplification en chaîne par polymérase</a:t>
+            </a:r>
+          </a:p>
+        </p:txBody>
+      </p:sp>
+      <p:sp>
+        <p:nvSpPr>
+          <p:cNvPr id="10" name="TextBox 9">
+            <a:extLst>
+              <a:ext uri="{FF2B5EF4-FFF2-40B4-BE49-F238E27FC236}">
+                <a16:creationId xmlns:a16="http://schemas.microsoft.com/office/drawing/2014/main" id="{AA7F0309-FE4E-F825-4BB9-1DFBDF7E51F5}"/>
+              </a:ext>
+            </a:extLst>
+          </p:cNvPr>
+          <p:cNvSpPr txBox="1"/>
+          <p:nvPr/>
+        </p:nvSpPr>
+        <p:spPr>
+          <a:xfrm>
+            <a:off x="711200" y="3477415"/>
+            <a:ext cx="3897221" cy="369332"/>
+          </a:xfrm>
+          <a:prstGeom prst="rect">
+            <a:avLst/>
+          </a:prstGeom>
+          <a:noFill/>
+        </p:spPr>
+        <p:txBody>
+          <a:bodyPr wrap="none" rtlCol="0">
+            <a:spAutoFit/>
+          </a:bodyPr>
+          <a:lstStyle/>
+          <a:p>
+            <a:r>
+              <a:rPr lang="fr-CA">
+                <a:latin typeface="Calibri" panose="020F0502020204030204" pitchFamily="34" charset="0"/>
+              </a:rPr>
+              <a:t>Migration de l’ADN par électrophorèse </a:t>
+            </a:r>
+          </a:p>
+        </p:txBody>
+      </p:sp>
+      <p:sp>
+        <p:nvSpPr>
+          <p:cNvPr id="11" name="TextBox 10">
+            <a:extLst>
+              <a:ext uri="{FF2B5EF4-FFF2-40B4-BE49-F238E27FC236}">
+                <a16:creationId xmlns:a16="http://schemas.microsoft.com/office/drawing/2014/main" id="{E96E44F0-72D2-AC56-CED5-5A93209EE0C0}"/>
+              </a:ext>
+            </a:extLst>
+          </p:cNvPr>
+          <p:cNvSpPr txBox="1"/>
+          <p:nvPr/>
+        </p:nvSpPr>
+        <p:spPr>
+          <a:xfrm>
+            <a:off x="7154481" y="4305097"/>
+            <a:ext cx="3897221" cy="369332"/>
+          </a:xfrm>
+          <a:prstGeom prst="rect">
+            <a:avLst/>
+          </a:prstGeom>
+          <a:noFill/>
+        </p:spPr>
+        <p:txBody>
+          <a:bodyPr wrap="none" rtlCol="0">
+            <a:spAutoFit/>
+          </a:bodyPr>
+          <a:lstStyle/>
+          <a:p>
+            <a:r>
+              <a:rPr lang="fr-CA">
+                <a:latin typeface="Calibri" panose="020F0502020204030204" pitchFamily="34" charset="0"/>
+              </a:rPr>
+              <a:t>Migration de l’ADN par électrophorèse </a:t>
+            </a:r>
+          </a:p>
+        </p:txBody>
+      </p:sp>
+      <p:sp>
+        <p:nvSpPr>
+          <p:cNvPr id="12" name="TextBox 11">
+            <a:extLst>
+              <a:ext uri="{FF2B5EF4-FFF2-40B4-BE49-F238E27FC236}">
+                <a16:creationId xmlns:a16="http://schemas.microsoft.com/office/drawing/2014/main" id="{6CE295A3-BD59-CFB5-7BCF-047BAC6026A5}"/>
+              </a:ext>
+            </a:extLst>
+          </p:cNvPr>
+          <p:cNvSpPr txBox="1"/>
+          <p:nvPr/>
+        </p:nvSpPr>
+        <p:spPr>
+          <a:xfrm>
+            <a:off x="7946481" y="5204217"/>
+            <a:ext cx="2343270" cy="369332"/>
+          </a:xfrm>
+          <a:prstGeom prst="rect">
+            <a:avLst/>
+          </a:prstGeom>
+          <a:noFill/>
+        </p:spPr>
+        <p:txBody>
+          <a:bodyPr wrap="none" rtlCol="0">
+            <a:spAutoFit/>
+          </a:bodyPr>
+          <a:lstStyle/>
+          <a:p>
+            <a:r>
+              <a:rPr lang="fr-CA" dirty="0">
+                <a:latin typeface="Calibri" panose="020F0502020204030204" pitchFamily="34" charset="0"/>
+              </a:rPr>
+              <a:t>Séquençage amplicon  </a:t>
+            </a:r>
+          </a:p>
+        </p:txBody>
+      </p:sp>
+      <p:cxnSp>
+        <p:nvCxnSpPr>
+          <p:cNvPr id="17" name="Straight Arrow Connector 16">
+            <a:extLst>
+              <a:ext uri="{FF2B5EF4-FFF2-40B4-BE49-F238E27FC236}">
+                <a16:creationId xmlns:a16="http://schemas.microsoft.com/office/drawing/2014/main" id="{334F09B2-3143-A2FE-A368-D26FC4970CDB}"/>
+              </a:ext>
+            </a:extLst>
+          </p:cNvPr>
+          <p:cNvCxnSpPr>
+            <a:cxnSpLocks/>
+            <a:stCxn id="7" idx="2"/>
+            <a:endCxn id="9" idx="1"/>
+          </p:cNvCxnSpPr>
+          <p:nvPr/>
+        </p:nvCxnSpPr>
+        <p:spPr>
+          <a:xfrm>
+            <a:off x="5810055" y="2851926"/>
+            <a:ext cx="1344426" cy="810155"/>
+          </a:xfrm>
+          <a:prstGeom prst="straightConnector1">
+            <a:avLst/>
+          </a:prstGeom>
+          <a:ln w="57150">
+            <a:solidFill>
+              <a:srgbClr val="0070C0"/>
+            </a:solidFill>
+            <a:tailEnd type="triangle"/>
+          </a:ln>
+        </p:spPr>
+        <p:style>
+          <a:lnRef idx="1">
+            <a:schemeClr val="accent1"/>
+          </a:lnRef>
+          <a:fillRef idx="0">
+            <a:schemeClr val="accent1"/>
+          </a:fillRef>
+          <a:effectRef idx="0">
+            <a:schemeClr val="accent1"/>
+          </a:effectRef>
+          <a:fontRef idx="minor">
+            <a:schemeClr val="tx1"/>
+          </a:fontRef>
+        </p:style>
+      </p:cxnSp>
+      <p:cxnSp>
+        <p:nvCxnSpPr>
+          <p:cNvPr id="19" name="Straight Arrow Connector 18">
+            <a:extLst>
+              <a:ext uri="{FF2B5EF4-FFF2-40B4-BE49-F238E27FC236}">
+                <a16:creationId xmlns:a16="http://schemas.microsoft.com/office/drawing/2014/main" id="{CDA9A68A-DCE1-D3B3-CB22-1CA7CE7399D2}"/>
+              </a:ext>
+            </a:extLst>
+          </p:cNvPr>
+          <p:cNvCxnSpPr>
+            <a:cxnSpLocks/>
+            <a:stCxn id="7" idx="2"/>
+            <a:endCxn id="10" idx="3"/>
+          </p:cNvCxnSpPr>
+          <p:nvPr/>
+        </p:nvCxnSpPr>
+        <p:spPr>
+          <a:xfrm flipH="1">
+            <a:off x="4608421" y="2851926"/>
+            <a:ext cx="1225446" cy="810155"/>
+          </a:xfrm>
+          <a:prstGeom prst="straightConnector1">
+            <a:avLst/>
+          </a:prstGeom>
+          <a:ln w="57150">
+            <a:solidFill>
+              <a:srgbClr val="0070C0"/>
+            </a:solidFill>
+            <a:tailEnd type="triangle"/>
+          </a:ln>
+        </p:spPr>
+        <p:style>
+          <a:lnRef idx="1">
+            <a:schemeClr val="accent1"/>
+          </a:lnRef>
+          <a:fillRef idx="0">
+            <a:schemeClr val="accent1"/>
+          </a:fillRef>
+          <a:effectRef idx="0">
+            <a:schemeClr val="accent1"/>
+          </a:effectRef>
+          <a:fontRef idx="minor">
+            <a:schemeClr val="tx1"/>
+          </a:fontRef>
+        </p:style>
+      </p:cxnSp>
+      <p:cxnSp>
+        <p:nvCxnSpPr>
+          <p:cNvPr id="23" name="Straight Arrow Connector 22">
+            <a:extLst>
+              <a:ext uri="{FF2B5EF4-FFF2-40B4-BE49-F238E27FC236}">
+                <a16:creationId xmlns:a16="http://schemas.microsoft.com/office/drawing/2014/main" id="{3A80F46F-D2F0-FEF9-2036-DEE5F7F4443A}"/>
+              </a:ext>
+            </a:extLst>
+          </p:cNvPr>
+          <p:cNvCxnSpPr>
+            <a:cxnSpLocks/>
+          </p:cNvCxnSpPr>
+          <p:nvPr/>
+        </p:nvCxnSpPr>
+        <p:spPr>
+          <a:xfrm>
+            <a:off x="9099885" y="3793361"/>
+            <a:ext cx="0" cy="452206"/>
+          </a:xfrm>
+          <a:prstGeom prst="straightConnector1">
+            <a:avLst/>
+          </a:prstGeom>
+          <a:ln w="57150">
+            <a:solidFill>
+              <a:srgbClr val="0070C0"/>
+            </a:solidFill>
+            <a:tailEnd type="triangle"/>
+          </a:ln>
+        </p:spPr>
+        <p:style>
+          <a:lnRef idx="1">
+            <a:schemeClr val="accent1"/>
+          </a:lnRef>
+          <a:fillRef idx="0">
+            <a:schemeClr val="accent1"/>
+          </a:fillRef>
+          <a:effectRef idx="0">
+            <a:schemeClr val="accent1"/>
+          </a:effectRef>
+          <a:fontRef idx="minor">
+            <a:schemeClr val="tx1"/>
+          </a:fontRef>
+        </p:style>
+      </p:cxnSp>
+      <p:cxnSp>
+        <p:nvCxnSpPr>
+          <p:cNvPr id="24" name="Straight Arrow Connector 23">
+            <a:extLst>
+              <a:ext uri="{FF2B5EF4-FFF2-40B4-BE49-F238E27FC236}">
+                <a16:creationId xmlns:a16="http://schemas.microsoft.com/office/drawing/2014/main" id="{26909D69-8399-9710-2C20-C5EAF5E2A642}"/>
+              </a:ext>
+            </a:extLst>
+          </p:cNvPr>
+          <p:cNvCxnSpPr>
+            <a:cxnSpLocks/>
+          </p:cNvCxnSpPr>
+          <p:nvPr/>
+        </p:nvCxnSpPr>
+        <p:spPr>
+          <a:xfrm>
+            <a:off x="9099885" y="4728199"/>
+            <a:ext cx="0" cy="440300"/>
+          </a:xfrm>
+          <a:prstGeom prst="straightConnector1">
+            <a:avLst/>
+          </a:prstGeom>
+          <a:ln w="57150">
+            <a:solidFill>
+              <a:srgbClr val="0070C0"/>
+            </a:solidFill>
+            <a:tailEnd type="triangle"/>
+          </a:ln>
+        </p:spPr>
+        <p:style>
+          <a:lnRef idx="1">
+            <a:schemeClr val="accent1"/>
+          </a:lnRef>
+          <a:fillRef idx="0">
+            <a:schemeClr val="accent1"/>
+          </a:fillRef>
+          <a:effectRef idx="0">
+            <a:schemeClr val="accent1"/>
+          </a:effectRef>
+          <a:fontRef idx="minor">
+            <a:schemeClr val="tx1"/>
+          </a:fontRef>
+        </p:style>
+      </p:cxnSp>
+      <p:cxnSp>
+        <p:nvCxnSpPr>
+          <p:cNvPr id="3" name="Straight Arrow Connector 16">
+            <a:extLst>
+              <a:ext uri="{FF2B5EF4-FFF2-40B4-BE49-F238E27FC236}">
+                <a16:creationId xmlns:a16="http://schemas.microsoft.com/office/drawing/2014/main" id="{CCB7C953-3771-CDBD-64BA-93458BBAAD6C}"/>
+              </a:ext>
+            </a:extLst>
+          </p:cNvPr>
+          <p:cNvCxnSpPr>
+            <a:cxnSpLocks/>
+          </p:cNvCxnSpPr>
+          <p:nvPr/>
+        </p:nvCxnSpPr>
+        <p:spPr>
+          <a:xfrm flipH="1">
+            <a:off x="5809075" y="1875614"/>
+            <a:ext cx="979" cy="607748"/>
+          </a:xfrm>
+          <a:prstGeom prst="straightConnector1">
+            <a:avLst/>
+          </a:prstGeom>
+          <a:ln w="57150">
+            <a:solidFill>
+              <a:srgbClr val="0070C0"/>
+            </a:solidFill>
+            <a:tailEnd type="triangle"/>
+          </a:ln>
+        </p:spPr>
+        <p:style>
+          <a:lnRef idx="1">
+            <a:schemeClr val="accent1"/>
+          </a:lnRef>
+          <a:fillRef idx="0">
+            <a:schemeClr val="accent1"/>
+          </a:fillRef>
+          <a:effectRef idx="0">
+            <a:schemeClr val="accent1"/>
+          </a:effectRef>
+          <a:fontRef idx="minor">
+            <a:schemeClr val="tx1"/>
+          </a:fontRef>
+        </p:style>
+      </p:cxnSp>
+      <p:cxnSp>
+        <p:nvCxnSpPr>
+          <p:cNvPr id="5" name="Straight Arrow Connector 16">
+            <a:extLst>
+              <a:ext uri="{FF2B5EF4-FFF2-40B4-BE49-F238E27FC236}">
+                <a16:creationId xmlns:a16="http://schemas.microsoft.com/office/drawing/2014/main" id="{796DDE3A-E407-046F-ECA4-4379CA013342}"/>
+              </a:ext>
+            </a:extLst>
+          </p:cNvPr>
+          <p:cNvCxnSpPr>
+            <a:cxnSpLocks/>
+          </p:cNvCxnSpPr>
+          <p:nvPr/>
+        </p:nvCxnSpPr>
+        <p:spPr>
+          <a:xfrm>
+            <a:off x="6714928" y="1744643"/>
+            <a:ext cx="1475395" cy="531"/>
+          </a:xfrm>
+          <a:prstGeom prst="straightConnector1">
+            <a:avLst/>
+          </a:prstGeom>
+          <a:ln w="57150">
+            <a:solidFill>
+              <a:srgbClr val="FF0000"/>
+            </a:solidFill>
+            <a:tailEnd type="triangle"/>
+          </a:ln>
+        </p:spPr>
+        <p:style>
+          <a:lnRef idx="1">
+            <a:schemeClr val="accent1"/>
+          </a:lnRef>
+          <a:fillRef idx="0">
+            <a:schemeClr val="accent1"/>
+          </a:fillRef>
+          <a:effectRef idx="0">
+            <a:schemeClr val="accent1"/>
+          </a:effectRef>
+          <a:fontRef idx="minor">
+            <a:schemeClr val="tx1"/>
+          </a:fontRef>
+        </p:style>
+      </p:cxnSp>
+      <p:sp>
+        <p:nvSpPr>
+          <p:cNvPr id="13" name="TextBox 5">
+            <a:extLst>
+              <a:ext uri="{FF2B5EF4-FFF2-40B4-BE49-F238E27FC236}">
+                <a16:creationId xmlns:a16="http://schemas.microsoft.com/office/drawing/2014/main" id="{1C4DE94F-4298-E16D-BD81-4A6B628C87C8}"/>
+              </a:ext>
+            </a:extLst>
+          </p:cNvPr>
+          <p:cNvSpPr txBox="1"/>
+          <p:nvPr/>
+        </p:nvSpPr>
+        <p:spPr>
+          <a:xfrm>
+            <a:off x="8325644" y="1565806"/>
+            <a:ext cx="2236894" cy="369332"/>
+          </a:xfrm>
+          <a:prstGeom prst="rect">
+            <a:avLst/>
+          </a:prstGeom>
+          <a:noFill/>
+        </p:spPr>
+        <p:txBody>
+          <a:bodyPr wrap="none" lIns="91440" tIns="45720" rIns="91440" bIns="45720" rtlCol="0" anchor="t">
+            <a:spAutoFit/>
+          </a:bodyPr>
+          <a:lstStyle/>
+          <a:p>
+            <a:r>
+              <a:rPr lang="fr-CA">
+                <a:latin typeface="Calibri"/>
+                <a:cs typeface="Calibri"/>
+              </a:rPr>
+              <a:t>Isolation &amp; cultivation</a:t>
+            </a:r>
+            <a:endParaRPr lang="fr-FR"/>
+          </a:p>
+        </p:txBody>
+      </p:sp>
+      <p:cxnSp>
+        <p:nvCxnSpPr>
+          <p:cNvPr id="14" name="Straight Arrow Connector 16">
+            <a:extLst>
+              <a:ext uri="{FF2B5EF4-FFF2-40B4-BE49-F238E27FC236}">
+                <a16:creationId xmlns:a16="http://schemas.microsoft.com/office/drawing/2014/main" id="{23770414-EB88-AB1B-2083-661A737FB557}"/>
+              </a:ext>
+            </a:extLst>
+          </p:cNvPr>
+          <p:cNvCxnSpPr>
+            <a:cxnSpLocks/>
+          </p:cNvCxnSpPr>
+          <p:nvPr/>
+        </p:nvCxnSpPr>
+        <p:spPr>
+          <a:xfrm flipH="1">
+            <a:off x="9333324" y="1911332"/>
+            <a:ext cx="979" cy="393437"/>
+          </a:xfrm>
+          <a:prstGeom prst="straightConnector1">
+            <a:avLst/>
+          </a:prstGeom>
+          <a:ln w="57150">
+            <a:solidFill>
+              <a:srgbClr val="FF0000"/>
+            </a:solidFill>
+            <a:tailEnd type="triangle"/>
+          </a:ln>
+        </p:spPr>
+        <p:style>
+          <a:lnRef idx="1">
+            <a:schemeClr val="accent1"/>
+          </a:lnRef>
+          <a:fillRef idx="0">
+            <a:schemeClr val="accent1"/>
+          </a:fillRef>
+          <a:effectRef idx="0">
+            <a:schemeClr val="accent1"/>
+          </a:effectRef>
+          <a:fontRef idx="minor">
+            <a:schemeClr val="tx1"/>
+          </a:fontRef>
+        </p:style>
+      </p:cxnSp>
+      <p:sp>
+        <p:nvSpPr>
+          <p:cNvPr id="20" name="TextBox 5">
+            <a:extLst>
+              <a:ext uri="{FF2B5EF4-FFF2-40B4-BE49-F238E27FC236}">
+                <a16:creationId xmlns:a16="http://schemas.microsoft.com/office/drawing/2014/main" id="{835DF3E4-DB7C-79AF-9E9F-B35DB6FBCDF8}"/>
+              </a:ext>
+            </a:extLst>
+          </p:cNvPr>
+          <p:cNvSpPr txBox="1"/>
+          <p:nvPr/>
+        </p:nvSpPr>
+        <p:spPr>
+          <a:xfrm>
+            <a:off x="8325644" y="2303994"/>
+            <a:ext cx="2308132" cy="369332"/>
+          </a:xfrm>
+          <a:prstGeom prst="rect">
+            <a:avLst/>
+          </a:prstGeom>
+          <a:noFill/>
+        </p:spPr>
+        <p:txBody>
+          <a:bodyPr wrap="none" lIns="91440" tIns="45720" rIns="91440" bIns="45720" rtlCol="0" anchor="t">
+            <a:spAutoFit/>
+          </a:bodyPr>
+          <a:lstStyle/>
+          <a:p>
+            <a:r>
+              <a:rPr lang="fr-CA">
+                <a:latin typeface="Calibri"/>
+                <a:cs typeface="Calibri"/>
+              </a:rPr>
+              <a:t>Analyses biochimiques</a:t>
+            </a:r>
+            <a:endParaRPr lang="fr-FR"/>
+          </a:p>
+        </p:txBody>
+      </p:sp>
+      <p:sp>
+        <p:nvSpPr>
+          <p:cNvPr id="21" name="TextBox 11">
+            <a:extLst>
+              <a:ext uri="{FF2B5EF4-FFF2-40B4-BE49-F238E27FC236}">
+                <a16:creationId xmlns:a16="http://schemas.microsoft.com/office/drawing/2014/main" id="{C1A6107B-CBD2-6DAF-347B-0271D2A1D33E}"/>
+              </a:ext>
+            </a:extLst>
+          </p:cNvPr>
+          <p:cNvSpPr txBox="1"/>
+          <p:nvPr/>
+        </p:nvSpPr>
+        <p:spPr>
+          <a:xfrm>
+            <a:off x="7721035" y="6120998"/>
+            <a:ext cx="2792496" cy="369332"/>
+          </a:xfrm>
+          <a:prstGeom prst="rect">
+            <a:avLst/>
+          </a:prstGeom>
+          <a:noFill/>
+        </p:spPr>
+        <p:txBody>
+          <a:bodyPr wrap="none" lIns="91440" tIns="45720" rIns="91440" bIns="45720" rtlCol="0" anchor="t">
+            <a:spAutoFit/>
+          </a:bodyPr>
+          <a:lstStyle/>
+          <a:p>
+            <a:r>
+              <a:rPr lang="fr-CA" b="1" dirty="0">
+                <a:latin typeface="Calibri"/>
+                <a:cs typeface="Calibri"/>
+              </a:rPr>
+              <a:t>Analyses bio-informatiques</a:t>
+            </a:r>
+            <a:endParaRPr lang="fr-FR" b="1" dirty="0"/>
+          </a:p>
+        </p:txBody>
+      </p:sp>
+      <p:cxnSp>
+        <p:nvCxnSpPr>
+          <p:cNvPr id="22" name="Straight Arrow Connector 23">
+            <a:extLst>
+              <a:ext uri="{FF2B5EF4-FFF2-40B4-BE49-F238E27FC236}">
+                <a16:creationId xmlns:a16="http://schemas.microsoft.com/office/drawing/2014/main" id="{6A254B09-9174-F928-F956-17ADCBE5C2D9}"/>
+              </a:ext>
+            </a:extLst>
+          </p:cNvPr>
+          <p:cNvCxnSpPr>
+            <a:cxnSpLocks/>
+          </p:cNvCxnSpPr>
+          <p:nvPr/>
+        </p:nvCxnSpPr>
+        <p:spPr>
+          <a:xfrm>
+            <a:off x="9099884" y="5656887"/>
+            <a:ext cx="0" cy="440300"/>
+          </a:xfrm>
+          <a:prstGeom prst="straightConnector1">
+            <a:avLst/>
+          </a:prstGeom>
+          <a:ln w="57150">
+            <a:solidFill>
+              <a:srgbClr val="0070C0"/>
+            </a:solidFill>
+            <a:tailEnd type="triangle"/>
+          </a:ln>
+        </p:spPr>
+        <p:style>
+          <a:lnRef idx="1">
+            <a:schemeClr val="accent1"/>
+          </a:lnRef>
+          <a:fillRef idx="0">
+            <a:schemeClr val="accent1"/>
+          </a:fillRef>
+          <a:effectRef idx="0">
+            <a:schemeClr val="accent1"/>
+          </a:effectRef>
+          <a:fontRef idx="minor">
+            <a:schemeClr val="tx1"/>
+          </a:fontRef>
+        </p:style>
+      </p:cxnSp>
+      <p:sp>
+        <p:nvSpPr>
+          <p:cNvPr id="15" name="TextBox 6">
+            <a:extLst>
+              <a:ext uri="{FF2B5EF4-FFF2-40B4-BE49-F238E27FC236}">
+                <a16:creationId xmlns:a16="http://schemas.microsoft.com/office/drawing/2014/main" id="{075F3C98-76C1-F453-012C-062F848A37ED}"/>
+              </a:ext>
+            </a:extLst>
+          </p:cNvPr>
+          <p:cNvSpPr txBox="1"/>
+          <p:nvPr/>
+        </p:nvSpPr>
+        <p:spPr>
+          <a:xfrm>
+            <a:off x="5368083" y="4759187"/>
+            <a:ext cx="1792863" cy="369332"/>
+          </a:xfrm>
+          <a:prstGeom prst="rect">
+            <a:avLst/>
+          </a:prstGeom>
+          <a:noFill/>
+        </p:spPr>
+        <p:txBody>
+          <a:bodyPr wrap="none" lIns="91440" tIns="45720" rIns="91440" bIns="45720" rtlCol="0" anchor="t">
+            <a:spAutoFit/>
+          </a:bodyPr>
+          <a:lstStyle/>
+          <a:p>
+            <a:r>
+              <a:rPr lang="fr-CA" b="1" dirty="0">
+                <a:latin typeface="Calibri"/>
+                <a:cs typeface="Calibri"/>
+              </a:rPr>
+              <a:t>Prochains labos :</a:t>
+            </a:r>
+          </a:p>
+        </p:txBody>
+      </p:sp>
+    </p:spTree>
+    <p:extLst>
+      <p:ext uri="{BB962C8B-B14F-4D97-AF65-F5344CB8AC3E}">
+        <p14:creationId xmlns:p14="http://schemas.microsoft.com/office/powerpoint/2010/main" val="3056426359"/>
+      </p:ext>
+    </p:extLst>
+  </p:cSld>
+  <p:clrMapOvr>
+    <a:masterClrMapping/>
+  </p:clrMapOvr>
+</p:sld>
+</file>
+
+<file path=ppt/slides/slide8.xml><?xml version="1.0" encoding="utf-8"?>
 <p:sld xmlns:a="http://schemas.openxmlformats.org/drawingml/2006/main" xmlns:r="http://schemas.openxmlformats.org/officeDocument/2006/relationships" xmlns:p="http://schemas.openxmlformats.org/presentationml/2006/main">
   <p:cSld>
     <p:spTree>
@@ -22609,7 +24178,7 @@
           <a:p>
             <a:fld id="{9B15ED26-301E-7946-9B9C-2C2CD640F984}" type="slidenum">
               <a:rPr lang="fr-FR" smtClean="0"/>
-              <a:t>7</a:t>
+              <a:t>8</a:t>
             </a:fld>
             <a:endParaRPr lang="fr-FR"/>
           </a:p>
@@ -22903,7 +24472,7 @@
 </p:sld>
 </file>
 
-<file path=ppt/slides/slide8.xml><?xml version="1.0" encoding="utf-8"?>
+<file path=ppt/slides/slide9.xml><?xml version="1.0" encoding="utf-8"?>
 <p:sld xmlns:a="http://schemas.openxmlformats.org/drawingml/2006/main" xmlns:r="http://schemas.openxmlformats.org/officeDocument/2006/relationships" xmlns:p="http://schemas.openxmlformats.org/presentationml/2006/main">
   <p:cSld>
     <p:spTree>
@@ -22993,14 +24562,14 @@
               <a:buNone/>
             </a:pPr>
             <a:r>
-              <a:rPr lang="fr-CA" sz="1800" b="1">
+              <a:rPr lang="fr-CA" sz="1800" b="1" dirty="0">
                 <a:latin typeface="Calibri"/>
                 <a:ea typeface="Calibri" panose="020F0502020204030204" pitchFamily="34" charset="0"/>
                 <a:cs typeface="Calibri"/>
               </a:rPr>
-              <a:t>Observer s'il y a des colonies sur vos géloses de la semaine passée</a:t>
-            </a:r>
-            <a:endParaRPr lang="fr-FR"/>
+              <a:t>[Observer s'il y a des colonies sur vos géloses de la semaine passée]</a:t>
+            </a:r>
+            <a:endParaRPr lang="fr-FR" dirty="0"/>
           </a:p>
           <a:p>
             <a:pPr marL="0" indent="0" algn="just">
@@ -23016,7 +24585,7 @@
               <a:buNone/>
             </a:pPr>
             <a:r>
-              <a:rPr lang="fr-CA" sz="1800" b="1">
+              <a:rPr lang="fr-CA" sz="1800" b="1" dirty="0">
                 <a:effectLst/>
                 <a:latin typeface="Calibri"/>
                 <a:ea typeface="Calibri" panose="020F0502020204030204" pitchFamily="34" charset="0"/>
@@ -23025,14 +24594,14 @@
               <a:t>2 échantillons par personne</a:t>
             </a:r>
             <a:r>
-              <a:rPr lang="fr-CA" sz="1800" b="1">
+              <a:rPr lang="fr-CA" sz="1800" b="1" dirty="0">
                 <a:latin typeface="Calibri"/>
                 <a:ea typeface="Calibri" panose="020F0502020204030204" pitchFamily="34" charset="0"/>
                 <a:cs typeface="Calibri"/>
               </a:rPr>
               <a:t> </a:t>
             </a:r>
-            <a:endParaRPr lang="en-CA" sz="1800" b="1">
+            <a:endParaRPr lang="en-CA" sz="1800" b="1" dirty="0">
               <a:effectLst/>
               <a:ea typeface="Calibri" panose="020F0502020204030204" pitchFamily="34" charset="0"/>
               <a:cs typeface="Times New Roman" panose="02020603050405020304" pitchFamily="18" charset="0"/>
@@ -23052,7 +24621,7 @@
               <a:buNone/>
             </a:pPr>
             <a:r>
-              <a:rPr lang="fr-CA" sz="1800" u="sng" strike="noStrike">
+              <a:rPr lang="fr-CA" sz="1800" u="sng" strike="noStrike" dirty="0">
                 <a:effectLst/>
                 <a:latin typeface="Calibri"/>
                 <a:ea typeface="Calibri" panose="020F0502020204030204" pitchFamily="34" charset="0"/>
@@ -23061,7 +24630,7 @@
               <a:t>Pour la bouche (</a:t>
             </a:r>
             <a:r>
-              <a:rPr lang="fr-CA" sz="1800" u="sng">
+              <a:rPr lang="fr-CA" sz="1800" u="sng" dirty="0">
                 <a:latin typeface="Calibri"/>
                 <a:ea typeface="Calibri" panose="020F0502020204030204" pitchFamily="34" charset="0"/>
                 <a:cs typeface="Calibri"/>
@@ -23069,7 +24638,7 @@
               <a:t>sous la langue</a:t>
             </a:r>
             <a:r>
-              <a:rPr lang="fr-CA" sz="1800" u="sng" strike="noStrike">
+              <a:rPr lang="fr-CA" sz="1800" u="sng" strike="noStrike" dirty="0">
                 <a:effectLst/>
                 <a:latin typeface="Calibri"/>
                 <a:ea typeface="Calibri" panose="020F0502020204030204" pitchFamily="34" charset="0"/>
@@ -23078,14 +24647,14 @@
               <a:t>)</a:t>
             </a:r>
             <a:r>
-              <a:rPr lang="fr-CA" sz="1800" u="sng">
+              <a:rPr lang="fr-CA" sz="1800" u="sng" dirty="0">
                 <a:latin typeface="Calibri"/>
                 <a:ea typeface="Calibri" panose="020F0502020204030204" pitchFamily="34" charset="0"/>
                 <a:cs typeface="Calibri"/>
               </a:rPr>
               <a:t> </a:t>
             </a:r>
-            <a:endParaRPr lang="en-CA" sz="1800">
+            <a:endParaRPr lang="en-CA" sz="1800" dirty="0">
               <a:effectLst/>
               <a:ea typeface="Calibri" panose="020F0502020204030204" pitchFamily="34" charset="0"/>
               <a:cs typeface="Times New Roman" panose="02020603050405020304" pitchFamily="18" charset="0"/>
@@ -23106,7 +24675,7 @@
               <a:buChar char="-"/>
             </a:pPr>
             <a:r>
-              <a:rPr lang="fr-CA" sz="1800">
+              <a:rPr lang="fr-CA" sz="1800" dirty="0">
                 <a:effectLst/>
                 <a:latin typeface="Calibri"/>
                 <a:ea typeface="Calibri" panose="020F0502020204030204" pitchFamily="34" charset="0"/>
@@ -23115,7 +24684,7 @@
               <a:t>Frotter pendant </a:t>
             </a:r>
             <a:r>
-              <a:rPr lang="fr-CA" sz="1800" b="1">
+              <a:rPr lang="fr-CA" sz="1800" b="1" dirty="0">
                 <a:effectLst/>
                 <a:latin typeface="Calibri"/>
                 <a:ea typeface="Calibri" panose="020F0502020204030204" pitchFamily="34" charset="0"/>
@@ -23124,7 +24693,7 @@
               <a:t>5 secondes</a:t>
             </a:r>
             <a:r>
-              <a:rPr lang="fr-CA" sz="1800">
+              <a:rPr lang="fr-CA" sz="1800" dirty="0">
                 <a:effectLst/>
                 <a:latin typeface="Calibri"/>
                 <a:ea typeface="Calibri" panose="020F0502020204030204" pitchFamily="34" charset="0"/>
@@ -23133,7 +24702,7 @@
               <a:t> un écouvillon </a:t>
             </a:r>
             <a:r>
-              <a:rPr lang="fr-CA" sz="1800">
+              <a:rPr lang="fr-CA" sz="1800" dirty="0">
                 <a:latin typeface="Calibri"/>
                 <a:ea typeface="Calibri" panose="020F0502020204030204" pitchFamily="34" charset="0"/>
                 <a:cs typeface="Calibri"/>
@@ -23141,7 +24710,7 @@
               <a:t>sous </a:t>
             </a:r>
             <a:r>
-              <a:rPr lang="fr-CA" sz="1800">
+              <a:rPr lang="fr-CA" sz="1800" dirty="0">
                 <a:effectLst/>
                 <a:latin typeface="Calibri"/>
                 <a:ea typeface="Calibri" panose="020F0502020204030204" pitchFamily="34" charset="0"/>
@@ -23150,14 +24719,14 @@
               <a:t>la langue</a:t>
             </a:r>
             <a:r>
-              <a:rPr lang="fr-CA" sz="1800">
+              <a:rPr lang="fr-CA" sz="1800" dirty="0">
                 <a:latin typeface="Calibri"/>
                 <a:ea typeface="Calibri" panose="020F0502020204030204" pitchFamily="34" charset="0"/>
                 <a:cs typeface="Calibri"/>
               </a:rPr>
               <a:t> </a:t>
             </a:r>
-            <a:endParaRPr lang="en-CA" sz="1800">
+            <a:endParaRPr lang="en-CA" sz="1800" dirty="0">
               <a:effectLst/>
               <a:ea typeface="Calibri" panose="020F0502020204030204" pitchFamily="34" charset="0"/>
               <a:cs typeface="Times New Roman" panose="02020603050405020304" pitchFamily="18" charset="0"/>
@@ -23178,7 +24747,7 @@
               <a:buChar char="-"/>
             </a:pPr>
             <a:r>
-              <a:rPr lang="fr-CA" sz="1800">
+              <a:rPr lang="fr-CA" sz="1800" dirty="0">
                 <a:effectLst/>
                 <a:latin typeface="Calibri" panose="020F0502020204030204" pitchFamily="34" charset="0"/>
                 <a:ea typeface="Calibri" panose="020F0502020204030204" pitchFamily="34" charset="0"/>
@@ -23187,13 +24756,13 @@
               <a:t>Déposer l’écouvillon dans l’Eppendorf contenant la solution </a:t>
             </a:r>
             <a:r>
-              <a:rPr lang="fr-CA" sz="1800">
+              <a:rPr lang="fr-CA" sz="1800" dirty="0">
                 <a:ea typeface="Calibri" panose="020F0502020204030204" pitchFamily="34" charset="0"/>
               </a:rPr>
               <a:t>de lyse</a:t>
             </a:r>
             <a:r>
-              <a:rPr lang="fr-CA" sz="1800">
+              <a:rPr lang="fr-CA" sz="1800" dirty="0">
                 <a:effectLst/>
                 <a:latin typeface="Calibri" panose="020F0502020204030204" pitchFamily="34" charset="0"/>
                 <a:ea typeface="Calibri" panose="020F0502020204030204" pitchFamily="34" charset="0"/>
@@ -23201,7 +24770,7 @@
               </a:rPr>
               <a:t> et bien mélanger pour extraire le plus d’échantillons (frotter contre les parois du tube en écrasant). </a:t>
             </a:r>
-            <a:endParaRPr lang="en-CA" sz="1800">
+            <a:endParaRPr lang="en-CA" sz="1800" dirty="0">
               <a:ea typeface="Calibri" panose="020F0502020204030204" pitchFamily="34" charset="0"/>
               <a:cs typeface="Times New Roman" panose="02020603050405020304" pitchFamily="18" charset="0"/>
             </a:endParaRPr>
@@ -23220,7 +24789,7 @@
               <a:buNone/>
             </a:pPr>
             <a:r>
-              <a:rPr lang="fr-CA" sz="1800" u="sng" strike="noStrike">
+              <a:rPr lang="fr-CA" sz="1800" u="sng" strike="noStrike" dirty="0">
                 <a:effectLst/>
                 <a:latin typeface="Calibri" panose="020F0502020204030204" pitchFamily="34" charset="0"/>
                 <a:ea typeface="Calibri" panose="020F0502020204030204" pitchFamily="34" charset="0"/>
@@ -23228,7 +24797,7 @@
               </a:rPr>
               <a:t>Pour la main dominante (paume, entre les doigts et pointe des doigts)</a:t>
             </a:r>
-            <a:endParaRPr lang="en-CA" sz="1800">
+            <a:endParaRPr lang="en-CA" sz="1800" dirty="0">
               <a:effectLst/>
               <a:ea typeface="Calibri" panose="020F0502020204030204" pitchFamily="34" charset="0"/>
               <a:cs typeface="Times New Roman" panose="02020603050405020304" pitchFamily="18" charset="0"/>
@@ -23249,7 +24818,7 @@
               <a:buChar char="-"/>
             </a:pPr>
             <a:r>
-              <a:rPr lang="fr-CA" sz="1800">
+              <a:rPr lang="fr-CA" sz="1800" dirty="0">
                 <a:effectLst/>
                 <a:latin typeface="Calibri" panose="020F0502020204030204" pitchFamily="34" charset="0"/>
                 <a:ea typeface="Calibri" panose="020F0502020204030204" pitchFamily="34" charset="0"/>
@@ -23257,7 +24826,7 @@
               </a:rPr>
               <a:t>Trempez un écouvillon stérile dans la solution d’eau physiologique. </a:t>
             </a:r>
-            <a:endParaRPr lang="en-CA" sz="1800">
+            <a:endParaRPr lang="en-CA" sz="1800" dirty="0">
               <a:effectLst/>
               <a:ea typeface="Calibri" panose="020F0502020204030204" pitchFamily="34" charset="0"/>
               <a:cs typeface="Times New Roman" panose="02020603050405020304" pitchFamily="18" charset="0"/>
@@ -23278,7 +24847,7 @@
               <a:buChar char="-"/>
             </a:pPr>
             <a:r>
-              <a:rPr lang="fr-CA" sz="1800">
+              <a:rPr lang="fr-CA" sz="1800" dirty="0">
                 <a:effectLst/>
                 <a:latin typeface="Calibri" panose="020F0502020204030204" pitchFamily="34" charset="0"/>
                 <a:ea typeface="Calibri" panose="020F0502020204030204" pitchFamily="34" charset="0"/>
@@ -23287,7 +24856,7 @@
               <a:t>Frotter en tournillant l’écouvillon pendant </a:t>
             </a:r>
             <a:r>
-              <a:rPr lang="fr-CA" sz="1800" b="1">
+              <a:rPr lang="fr-CA" sz="1800" b="1" dirty="0">
                 <a:effectLst/>
                 <a:latin typeface="Calibri" panose="020F0502020204030204" pitchFamily="34" charset="0"/>
                 <a:ea typeface="Calibri" panose="020F0502020204030204" pitchFamily="34" charset="0"/>
@@ -23296,7 +24865,7 @@
               <a:t>5 secondes</a:t>
             </a:r>
             <a:r>
-              <a:rPr lang="fr-CA" sz="1800">
+              <a:rPr lang="fr-CA" sz="1800" dirty="0">
                 <a:effectLst/>
                 <a:latin typeface="Calibri" panose="020F0502020204030204" pitchFamily="34" charset="0"/>
                 <a:ea typeface="Calibri" panose="020F0502020204030204" pitchFamily="34" charset="0"/>
@@ -23304,7 +24873,7 @@
               </a:rPr>
               <a:t> sur la paume, entre les doigts et au bout des doigts de la main dominante.</a:t>
             </a:r>
-            <a:endParaRPr lang="en-CA" sz="1800">
+            <a:endParaRPr lang="en-CA" sz="1800" dirty="0">
               <a:effectLst/>
               <a:ea typeface="Calibri" panose="020F0502020204030204" pitchFamily="34" charset="0"/>
               <a:cs typeface="Times New Roman" panose="02020603050405020304" pitchFamily="18" charset="0"/>
@@ -23325,7 +24894,7 @@
               <a:buChar char="-"/>
             </a:pPr>
             <a:r>
-              <a:rPr lang="fr-CA" sz="1800">
+              <a:rPr lang="fr-CA" sz="1800" dirty="0">
                 <a:effectLst/>
                 <a:latin typeface="Calibri"/>
                 <a:ea typeface="Calibri" panose="020F0502020204030204" pitchFamily="34" charset="0"/>
@@ -23334,7 +24903,7 @@
               <a:t>Déposer l’écouvillon dans l’Eppendorf contenant la solution </a:t>
             </a:r>
             <a:r>
-              <a:rPr lang="fr-CA" sz="1800">
+              <a:rPr lang="fr-CA" sz="1800" dirty="0">
                 <a:latin typeface="Calibri"/>
                 <a:ea typeface="Calibri" panose="020F0502020204030204" pitchFamily="34" charset="0"/>
                 <a:cs typeface="Calibri"/>
@@ -23342,7 +24911,7 @@
               <a:t>de</a:t>
             </a:r>
             <a:r>
-              <a:rPr lang="fr-CA" sz="1800">
+              <a:rPr lang="fr-CA" sz="1800" dirty="0">
                 <a:effectLst/>
                 <a:latin typeface="Calibri"/>
                 <a:ea typeface="Calibri" panose="020F0502020204030204" pitchFamily="34" charset="0"/>
@@ -23351,7 +24920,7 @@
               <a:t> </a:t>
             </a:r>
             <a:r>
-              <a:rPr lang="fr-CA" sz="1800">
+              <a:rPr lang="fr-CA" sz="1800" dirty="0">
                 <a:latin typeface="Calibri"/>
                 <a:ea typeface="Calibri" panose="020F0502020204030204" pitchFamily="34" charset="0"/>
                 <a:cs typeface="Calibri"/>
@@ -23359,7 +24928,7 @@
               <a:t>lyse </a:t>
             </a:r>
             <a:r>
-              <a:rPr lang="fr-CA" sz="1800">
+              <a:rPr lang="fr-CA" sz="1800" dirty="0">
                 <a:effectLst/>
                 <a:latin typeface="Calibri"/>
                 <a:ea typeface="Calibri" panose="020F0502020204030204" pitchFamily="34" charset="0"/>
@@ -23382,7 +24951,7 @@
               <a:buNone/>
             </a:pPr>
             <a:r>
-              <a:rPr lang="fr-CA" sz="1800" b="1" u="sng">
+              <a:rPr lang="fr-CA" sz="1800" b="1" u="sng" dirty="0">
                 <a:effectLst/>
                 <a:latin typeface="Calibri" panose="020F0502020204030204" pitchFamily="34" charset="0"/>
                 <a:ea typeface="Calibri" panose="020F0502020204030204" pitchFamily="34" charset="0"/>
@@ -23390,7 +24959,7 @@
               </a:rPr>
               <a:t>Identifiez votre échantillon avec votre numéro assigné et L pour langue ou M pour main</a:t>
             </a:r>
-            <a:endParaRPr lang="en-CA" sz="1800">
+            <a:endParaRPr lang="en-CA" sz="1800" dirty="0">
               <a:effectLst/>
               <a:ea typeface="Calibri" panose="020F0502020204030204" pitchFamily="34" charset="0"/>
               <a:cs typeface="Times New Roman" panose="02020603050405020304" pitchFamily="18" charset="0"/>
@@ -23421,7 +24990,7 @@
           <a:p>
             <a:fld id="{9B15ED26-301E-7946-9B9C-2C2CD640F984}" type="slidenum">
               <a:rPr lang="fr-FR" smtClean="0"/>
-              <a:t>8</a:t>
+              <a:t>9</a:t>
             </a:fld>
             <a:endParaRPr lang="fr-FR"/>
           </a:p>
@@ -23856,375 +25425,6 @@
     <p:extLst>
       <p:ext uri="{BB962C8B-B14F-4D97-AF65-F5344CB8AC3E}">
         <p14:creationId xmlns:p14="http://schemas.microsoft.com/office/powerpoint/2010/main" val="1419007957"/>
-      </p:ext>
-    </p:extLst>
-  </p:cSld>
-  <p:clrMapOvr>
-    <a:masterClrMapping/>
-  </p:clrMapOvr>
-</p:sld>
-</file>
-
-<file path=ppt/slides/slide9.xml><?xml version="1.0" encoding="utf-8"?>
-<p:sld xmlns:a="http://schemas.openxmlformats.org/drawingml/2006/main" xmlns:r="http://schemas.openxmlformats.org/officeDocument/2006/relationships" xmlns:p="http://schemas.openxmlformats.org/presentationml/2006/main">
-  <p:cSld>
-    <p:spTree>
-      <p:nvGrpSpPr>
-        <p:cNvPr id="1" name="">
-          <a:extLst>
-            <a:ext uri="{FF2B5EF4-FFF2-40B4-BE49-F238E27FC236}">
-              <a16:creationId xmlns:a16="http://schemas.microsoft.com/office/drawing/2014/main" id="{8CEECF08-332E-D9F0-7D90-2FFE6B18042F}"/>
-            </a:ext>
-          </a:extLst>
-        </p:cNvPr>
-        <p:cNvGrpSpPr/>
-        <p:nvPr/>
-      </p:nvGrpSpPr>
-      <p:grpSpPr>
-        <a:xfrm>
-          <a:off x="0" y="0"/>
-          <a:ext cx="0" cy="0"/>
-          <a:chOff x="0" y="0"/>
-          <a:chExt cx="0" cy="0"/>
-        </a:xfrm>
-      </p:grpSpPr>
-      <p:sp>
-        <p:nvSpPr>
-          <p:cNvPr id="2" name="Title 1">
-            <a:extLst>
-              <a:ext uri="{FF2B5EF4-FFF2-40B4-BE49-F238E27FC236}">
-                <a16:creationId xmlns:a16="http://schemas.microsoft.com/office/drawing/2014/main" id="{9CB878AB-4C0B-5A27-D1A2-A7A2ABCE24F8}"/>
-              </a:ext>
-            </a:extLst>
-          </p:cNvPr>
-          <p:cNvSpPr>
-            <a:spLocks noGrp="1"/>
-          </p:cNvSpPr>
-          <p:nvPr>
-            <p:ph type="title"/>
-          </p:nvPr>
-        </p:nvSpPr>
-        <p:spPr/>
-        <p:txBody>
-          <a:bodyPr/>
-          <a:lstStyle/>
-          <a:p>
-            <a:r>
-              <a:rPr lang="fr-CA"/>
-              <a:t>Plan de la séance </a:t>
-            </a:r>
-          </a:p>
-        </p:txBody>
-      </p:sp>
-      <p:sp>
-        <p:nvSpPr>
-          <p:cNvPr id="4" name="Slide Number Placeholder 3">
-            <a:extLst>
-              <a:ext uri="{FF2B5EF4-FFF2-40B4-BE49-F238E27FC236}">
-                <a16:creationId xmlns:a16="http://schemas.microsoft.com/office/drawing/2014/main" id="{64FAA11A-6216-4D9E-4C37-51D94EF69761}"/>
-              </a:ext>
-            </a:extLst>
-          </p:cNvPr>
-          <p:cNvSpPr>
-            <a:spLocks noGrp="1"/>
-          </p:cNvSpPr>
-          <p:nvPr>
-            <p:ph type="sldNum" sz="quarter" idx="12"/>
-          </p:nvPr>
-        </p:nvSpPr>
-        <p:spPr/>
-        <p:txBody>
-          <a:bodyPr/>
-          <a:lstStyle/>
-          <a:p>
-            <a:fld id="{9B15ED26-301E-7946-9B9C-2C2CD640F984}" type="slidenum">
-              <a:rPr lang="fr-FR" smtClean="0"/>
-              <a:t>9</a:t>
-            </a:fld>
-            <a:endParaRPr lang="fr-FR"/>
-          </a:p>
-        </p:txBody>
-      </p:sp>
-      <p:sp>
-        <p:nvSpPr>
-          <p:cNvPr id="5" name="Espace réservé du contenu 2">
-            <a:extLst>
-              <a:ext uri="{FF2B5EF4-FFF2-40B4-BE49-F238E27FC236}">
-                <a16:creationId xmlns:a16="http://schemas.microsoft.com/office/drawing/2014/main" id="{B562D210-B408-22CB-0A2E-13DE7797D56D}"/>
-              </a:ext>
-            </a:extLst>
-          </p:cNvPr>
-          <p:cNvSpPr>
-            <a:spLocks noGrp="1"/>
-          </p:cNvSpPr>
-          <p:nvPr>
-            <p:ph idx="1"/>
-          </p:nvPr>
-        </p:nvSpPr>
-        <p:spPr>
-          <a:xfrm>
-            <a:off x="838200" y="1791522"/>
-            <a:ext cx="10515600" cy="5098227"/>
-          </a:xfrm>
-        </p:spPr>
-        <p:txBody>
-          <a:bodyPr vert="horz" lIns="91440" tIns="45720" rIns="91440" bIns="45720" rtlCol="0" anchor="t">
-            <a:noAutofit/>
-          </a:bodyPr>
-          <a:lstStyle/>
-          <a:p>
-            <a:pPr>
-              <a:lnSpc>
-                <a:spcPct val="100000"/>
-              </a:lnSpc>
-              <a:spcBef>
-                <a:spcPts val="0"/>
-              </a:spcBef>
-              <a:spcAft>
-                <a:spcPts val="1200"/>
-              </a:spcAft>
-            </a:pPr>
-            <a:r>
-              <a:rPr lang="fr-FR" sz="2000">
-                <a:solidFill>
-                  <a:schemeClr val="bg2">
-                    <a:lumMod val="75000"/>
-                  </a:schemeClr>
-                </a:solidFill>
-                <a:latin typeface="Calibri"/>
-                <a:cs typeface="Calibri"/>
-              </a:rPr>
-              <a:t>Résumé d’une étude avec </a:t>
-            </a:r>
-            <a:r>
-              <a:rPr lang="fr-FR" sz="2000" err="1">
-                <a:solidFill>
-                  <a:schemeClr val="bg2">
-                    <a:lumMod val="75000"/>
-                  </a:schemeClr>
-                </a:solidFill>
-                <a:latin typeface="Calibri"/>
-                <a:cs typeface="Calibri"/>
-              </a:rPr>
-              <a:t>ADNe</a:t>
-            </a:r>
-            <a:endParaRPr lang="fr-FR" sz="2000">
-              <a:solidFill>
-                <a:schemeClr val="bg2">
-                  <a:lumMod val="75000"/>
-                </a:schemeClr>
-              </a:solidFill>
-              <a:latin typeface="Calibri"/>
-              <a:cs typeface="Calibri"/>
-            </a:endParaRPr>
-          </a:p>
-          <a:p>
-            <a:pPr>
-              <a:lnSpc>
-                <a:spcPct val="100000"/>
-              </a:lnSpc>
-              <a:spcBef>
-                <a:spcPts val="0"/>
-              </a:spcBef>
-              <a:spcAft>
-                <a:spcPts val="1200"/>
-              </a:spcAft>
-            </a:pPr>
-            <a:r>
-              <a:rPr lang="fr-FR" sz="2000">
-                <a:latin typeface="Calibri"/>
-                <a:cs typeface="Calibri"/>
-              </a:rPr>
-              <a:t>Théorie et exercices à faire </a:t>
-            </a:r>
-            <a:endParaRPr lang="fr-FR" sz="2000"/>
-          </a:p>
-          <a:p>
-            <a:pPr lvl="1">
-              <a:lnSpc>
-                <a:spcPct val="100000"/>
-              </a:lnSpc>
-              <a:spcBef>
-                <a:spcPts val="0"/>
-              </a:spcBef>
-              <a:spcAft>
-                <a:spcPts val="1200"/>
-              </a:spcAft>
-            </a:pPr>
-            <a:r>
-              <a:rPr lang="fr-FR" sz="2000">
-                <a:solidFill>
-                  <a:schemeClr val="bg2">
-                    <a:lumMod val="75000"/>
-                  </a:schemeClr>
-                </a:solidFill>
-                <a:latin typeface="Calibri"/>
-                <a:cs typeface="Calibri"/>
-              </a:rPr>
-              <a:t># 1 – Échantillonnage de vos microbiomes</a:t>
-            </a:r>
-            <a:endParaRPr lang="fr-FR" sz="2000">
-              <a:solidFill>
-                <a:schemeClr val="bg2">
-                  <a:lumMod val="75000"/>
-                </a:schemeClr>
-              </a:solidFill>
-            </a:endParaRPr>
-          </a:p>
-          <a:p>
-            <a:pPr lvl="1">
-              <a:lnSpc>
-                <a:spcPct val="100000"/>
-              </a:lnSpc>
-              <a:spcBef>
-                <a:spcPts val="0"/>
-              </a:spcBef>
-              <a:spcAft>
-                <a:spcPts val="1200"/>
-              </a:spcAft>
-            </a:pPr>
-            <a:r>
-              <a:rPr lang="fr-FR" sz="2000">
-                <a:latin typeface="Calibri"/>
-                <a:cs typeface="Calibri"/>
-              </a:rPr>
-              <a:t># 2.1 – Extraction de l’ADN de bactéries </a:t>
-            </a:r>
-            <a:r>
-              <a:rPr lang="fr-FR" sz="2000" i="1">
-                <a:latin typeface="Calibri"/>
-                <a:cs typeface="Calibri"/>
-              </a:rPr>
-              <a:t>Escherichia coli </a:t>
-            </a:r>
-          </a:p>
-          <a:p>
-            <a:pPr lvl="1">
-              <a:lnSpc>
-                <a:spcPct val="100000"/>
-              </a:lnSpc>
-              <a:spcBef>
-                <a:spcPts val="0"/>
-              </a:spcBef>
-              <a:spcAft>
-                <a:spcPts val="1200"/>
-              </a:spcAft>
-            </a:pPr>
-            <a:r>
-              <a:rPr lang="fr-FR" sz="2000">
-                <a:solidFill>
-                  <a:schemeClr val="bg2">
-                    <a:lumMod val="75000"/>
-                  </a:schemeClr>
-                </a:solidFill>
-                <a:latin typeface="Calibri"/>
-                <a:cs typeface="Calibri"/>
-              </a:rPr>
-              <a:t># 2.2 – Électrophorèse sur gel d’agarose </a:t>
-            </a:r>
-          </a:p>
-          <a:p>
-            <a:pPr lvl="1">
-              <a:lnSpc>
-                <a:spcPct val="100000"/>
-              </a:lnSpc>
-              <a:spcBef>
-                <a:spcPts val="0"/>
-              </a:spcBef>
-              <a:spcAft>
-                <a:spcPts val="1200"/>
-              </a:spcAft>
-            </a:pPr>
-            <a:r>
-              <a:rPr lang="fr-FR" sz="2000">
-                <a:solidFill>
-                  <a:schemeClr val="bg2">
-                    <a:lumMod val="75000"/>
-                  </a:schemeClr>
-                </a:solidFill>
-                <a:latin typeface="Calibri"/>
-                <a:cs typeface="Calibri"/>
-              </a:rPr>
-              <a:t># 3 – Observation des colonies sur vos géloses avec le binoculaire</a:t>
-            </a:r>
-          </a:p>
-          <a:p>
-            <a:pPr>
-              <a:lnSpc>
-                <a:spcPct val="100000"/>
-              </a:lnSpc>
-              <a:spcBef>
-                <a:spcPts val="0"/>
-              </a:spcBef>
-              <a:spcAft>
-                <a:spcPts val="1200"/>
-              </a:spcAft>
-            </a:pPr>
-            <a:r>
-              <a:rPr lang="fr-FR" sz="2000">
-                <a:solidFill>
-                  <a:schemeClr val="bg2">
-                    <a:lumMod val="75000"/>
-                  </a:schemeClr>
-                </a:solidFill>
-                <a:latin typeface="Calibri"/>
-                <a:cs typeface="Calibri"/>
-              </a:rPr>
-              <a:t>Explication du rapport</a:t>
-            </a:r>
-          </a:p>
-        </p:txBody>
-      </p:sp>
-      <p:pic>
-        <p:nvPicPr>
-          <p:cNvPr id="10" name="Picture 9" descr="16,220 Human Cell Drawing Images, Stock Photos &amp; Vectors | Shutterstock">
-            <a:extLst>
-              <a:ext uri="{FF2B5EF4-FFF2-40B4-BE49-F238E27FC236}">
-                <a16:creationId xmlns:a16="http://schemas.microsoft.com/office/drawing/2014/main" id="{DD28CF34-F389-DB52-E41D-2DB8F00B7C9B}"/>
-              </a:ext>
-            </a:extLst>
-          </p:cNvPr>
-          <p:cNvPicPr>
-            <a:picLocks noChangeAspect="1" noChangeArrowheads="1"/>
-          </p:cNvPicPr>
-          <p:nvPr/>
-        </p:nvPicPr>
-        <p:blipFill rotWithShape="1">
-          <a:blip r:embed="rId3">
-            <a:alphaModFix amt="70000"/>
-            <a:extLst>
-              <a:ext uri="{28A0092B-C50C-407E-A947-70E740481C1C}">
-                <a14:useLocalDpi xmlns:a14="http://schemas.microsoft.com/office/drawing/2010/main" val="0"/>
-              </a:ext>
-            </a:extLst>
-          </a:blip>
-          <a:srcRect t="4984" b="9026"/>
-          <a:stretch/>
-        </p:blipFill>
-        <p:spPr bwMode="auto">
-          <a:xfrm rot="19144340">
-            <a:off x="9467420" y="4644352"/>
-            <a:ext cx="2687430" cy="1739406"/>
-          </a:xfrm>
-          <a:prstGeom prst="rect">
-            <a:avLst/>
-          </a:prstGeom>
-          <a:noFill/>
-          <a:extLst>
-            <a:ext uri="{909E8E84-426E-40DD-AFC4-6F175D3DCCD1}">
-              <a14:hiddenFill xmlns:a14="http://schemas.microsoft.com/office/drawing/2010/main">
-                <a:solidFill>
-                  <a:srgbClr val="FFFFFF"/>
-                </a:solidFill>
-              </a14:hiddenFill>
-            </a:ext>
-          </a:extLst>
-        </p:spPr>
-      </p:pic>
-    </p:spTree>
-    <p:extLst>
-      <p:ext uri="{BB962C8B-B14F-4D97-AF65-F5344CB8AC3E}">
-        <p14:creationId xmlns:p14="http://schemas.microsoft.com/office/powerpoint/2010/main" val="3442597356"/>
       </p:ext>
     </p:extLst>
   </p:cSld>

--- a/BIO1410_labo-2.pptx
+++ b/BIO1410_labo-2.pptx
@@ -5,7 +5,7 @@
     <p:sldMasterId id="2147483648" r:id="rId1"/>
   </p:sldMasterIdLst>
   <p:notesMasterIdLst>
-    <p:notesMasterId r:id="rId27"/>
+    <p:notesMasterId r:id="rId28"/>
   </p:notesMasterIdLst>
   <p:sldIdLst>
     <p:sldId id="256" r:id="rId2"/>
@@ -29,10 +29,11 @@
     <p:sldId id="1170" r:id="rId20"/>
     <p:sldId id="1185" r:id="rId21"/>
     <p:sldId id="1149" r:id="rId22"/>
-    <p:sldId id="1150" r:id="rId23"/>
-    <p:sldId id="1178" r:id="rId24"/>
-    <p:sldId id="1151" r:id="rId25"/>
-    <p:sldId id="1167" r:id="rId26"/>
+    <p:sldId id="1192" r:id="rId23"/>
+    <p:sldId id="1150" r:id="rId24"/>
+    <p:sldId id="1178" r:id="rId25"/>
+    <p:sldId id="1151" r:id="rId26"/>
+    <p:sldId id="1167" r:id="rId27"/>
   </p:sldIdLst>
   <p:sldSz cx="12192000" cy="6858000"/>
   <p:notesSz cx="6858000" cy="9144000"/>
@@ -1634,7 +1635,13 @@
   <p:cSld>
     <p:spTree>
       <p:nvGrpSpPr>
-        <p:cNvPr id="1" name=""/>
+        <p:cNvPr id="1" name="">
+          <a:extLst>
+            <a:ext uri="{FF2B5EF4-FFF2-40B4-BE49-F238E27FC236}">
+              <a16:creationId xmlns:a16="http://schemas.microsoft.com/office/drawing/2014/main" id="{D217B37F-3E38-B126-DC34-24126012C1EA}"/>
+            </a:ext>
+          </a:extLst>
+        </p:cNvPr>
         <p:cNvGrpSpPr/>
         <p:nvPr/>
       </p:nvGrpSpPr>
@@ -1648,7 +1655,13 @@
       </p:grpSpPr>
       <p:sp>
         <p:nvSpPr>
-          <p:cNvPr id="2" name="Slide Image Placeholder 1"/>
+          <p:cNvPr id="2" name="Slide Image Placeholder 1">
+            <a:extLst>
+              <a:ext uri="{FF2B5EF4-FFF2-40B4-BE49-F238E27FC236}">
+                <a16:creationId xmlns:a16="http://schemas.microsoft.com/office/drawing/2014/main" id="{216CD2BB-E7A9-9A50-D081-9425EE175D6B}"/>
+              </a:ext>
+            </a:extLst>
+          </p:cNvPr>
           <p:cNvSpPr>
             <a:spLocks noGrp="1" noRot="1" noChangeAspect="1"/>
           </p:cNvSpPr>
@@ -1660,7 +1673,13 @@
       </p:sp>
       <p:sp>
         <p:nvSpPr>
-          <p:cNvPr id="3" name="Notes Placeholder 2"/>
+          <p:cNvPr id="3" name="Notes Placeholder 2">
+            <a:extLst>
+              <a:ext uri="{FF2B5EF4-FFF2-40B4-BE49-F238E27FC236}">
+                <a16:creationId xmlns:a16="http://schemas.microsoft.com/office/drawing/2014/main" id="{CB72F96A-5A83-FFAB-E127-00BD2E35CBAD}"/>
+              </a:ext>
+            </a:extLst>
+          </p:cNvPr>
           <p:cNvSpPr>
             <a:spLocks noGrp="1"/>
           </p:cNvSpPr>
@@ -1679,7 +1698,13 @@
       </p:sp>
       <p:sp>
         <p:nvSpPr>
-          <p:cNvPr id="4" name="Slide Number Placeholder 3"/>
+          <p:cNvPr id="4" name="Slide Number Placeholder 3">
+            <a:extLst>
+              <a:ext uri="{FF2B5EF4-FFF2-40B4-BE49-F238E27FC236}">
+                <a16:creationId xmlns:a16="http://schemas.microsoft.com/office/drawing/2014/main" id="{54AFF676-1B05-369B-9E5B-7C5D06FBCC4A}"/>
+              </a:ext>
+            </a:extLst>
+          </p:cNvPr>
           <p:cNvSpPr>
             <a:spLocks noGrp="1"/>
           </p:cNvSpPr>
@@ -1703,7 +1728,7 @@
     </p:spTree>
     <p:extLst>
       <p:ext uri="{BB962C8B-B14F-4D97-AF65-F5344CB8AC3E}">
-        <p14:creationId xmlns:p14="http://schemas.microsoft.com/office/powerpoint/2010/main" val="317741553"/>
+        <p14:creationId xmlns:p14="http://schemas.microsoft.com/office/powerpoint/2010/main" val="3168483067"/>
       </p:ext>
     </p:extLst>
   </p:cSld>
@@ -1787,7 +1812,7 @@
     </p:spTree>
     <p:extLst>
       <p:ext uri="{BB962C8B-B14F-4D97-AF65-F5344CB8AC3E}">
-        <p14:creationId xmlns:p14="http://schemas.microsoft.com/office/powerpoint/2010/main" val="927329561"/>
+        <p14:creationId xmlns:p14="http://schemas.microsoft.com/office/powerpoint/2010/main" val="317741553"/>
       </p:ext>
     </p:extLst>
   </p:cSld>
@@ -1863,6 +1888,90 @@
             <a:fld id="{01C17934-6AC1-E145-AB48-94840A833696}" type="slidenum">
               <a:rPr lang="fr-FR" smtClean="0"/>
               <a:t>24</a:t>
+            </a:fld>
+            <a:endParaRPr lang="fr-FR"/>
+          </a:p>
+        </p:txBody>
+      </p:sp>
+    </p:spTree>
+    <p:extLst>
+      <p:ext uri="{BB962C8B-B14F-4D97-AF65-F5344CB8AC3E}">
+        <p14:creationId xmlns:p14="http://schemas.microsoft.com/office/powerpoint/2010/main" val="927329561"/>
+      </p:ext>
+    </p:extLst>
+  </p:cSld>
+  <p:clrMapOvr>
+    <a:masterClrMapping/>
+  </p:clrMapOvr>
+</p:notes>
+</file>
+
+<file path=ppt/notesSlides/notesSlide24.xml><?xml version="1.0" encoding="utf-8"?>
+<p:notes xmlns:a="http://schemas.openxmlformats.org/drawingml/2006/main" xmlns:r="http://schemas.openxmlformats.org/officeDocument/2006/relationships" xmlns:p="http://schemas.openxmlformats.org/presentationml/2006/main">
+  <p:cSld>
+    <p:spTree>
+      <p:nvGrpSpPr>
+        <p:cNvPr id="1" name=""/>
+        <p:cNvGrpSpPr/>
+        <p:nvPr/>
+      </p:nvGrpSpPr>
+      <p:grpSpPr>
+        <a:xfrm>
+          <a:off x="0" y="0"/>
+          <a:ext cx="0" cy="0"/>
+          <a:chOff x="0" y="0"/>
+          <a:chExt cx="0" cy="0"/>
+        </a:xfrm>
+      </p:grpSpPr>
+      <p:sp>
+        <p:nvSpPr>
+          <p:cNvPr id="2" name="Slide Image Placeholder 1"/>
+          <p:cNvSpPr>
+            <a:spLocks noGrp="1" noRot="1" noChangeAspect="1"/>
+          </p:cNvSpPr>
+          <p:nvPr>
+            <p:ph type="sldImg"/>
+          </p:nvPr>
+        </p:nvSpPr>
+        <p:spPr/>
+      </p:sp>
+      <p:sp>
+        <p:nvSpPr>
+          <p:cNvPr id="3" name="Notes Placeholder 2"/>
+          <p:cNvSpPr>
+            <a:spLocks noGrp="1"/>
+          </p:cNvSpPr>
+          <p:nvPr>
+            <p:ph type="body" idx="1"/>
+          </p:nvPr>
+        </p:nvSpPr>
+        <p:spPr/>
+        <p:txBody>
+          <a:bodyPr/>
+          <a:lstStyle/>
+          <a:p>
+            <a:endParaRPr lang="fr-CA"/>
+          </a:p>
+        </p:txBody>
+      </p:sp>
+      <p:sp>
+        <p:nvSpPr>
+          <p:cNvPr id="4" name="Slide Number Placeholder 3"/>
+          <p:cNvSpPr>
+            <a:spLocks noGrp="1"/>
+          </p:cNvSpPr>
+          <p:nvPr>
+            <p:ph type="sldNum" sz="quarter" idx="5"/>
+          </p:nvPr>
+        </p:nvSpPr>
+        <p:spPr/>
+        <p:txBody>
+          <a:bodyPr/>
+          <a:lstStyle/>
+          <a:p>
+            <a:fld id="{01C17934-6AC1-E145-AB48-94840A833696}" type="slidenum">
+              <a:rPr lang="fr-FR" smtClean="0"/>
+              <a:t>25</a:t>
             </a:fld>
             <a:endParaRPr lang="fr-FR"/>
           </a:p>
@@ -13972,7 +14081,7 @@
               </a:spcAft>
             </a:pPr>
             <a:r>
-              <a:rPr lang="fr-FR" sz="2000">
+              <a:rPr lang="fr-FR" sz="2000" dirty="0">
                 <a:solidFill>
                   <a:schemeClr val="bg2">
                     <a:lumMod val="75000"/>
@@ -13984,7 +14093,7 @@
               <a:t>Résumé d’une étude avec </a:t>
             </a:r>
             <a:r>
-              <a:rPr lang="fr-FR" sz="2000" err="1">
+              <a:rPr lang="fr-FR" sz="2000" dirty="0" err="1">
                 <a:solidFill>
                   <a:schemeClr val="bg2">
                     <a:lumMod val="75000"/>
@@ -13995,7 +14104,7 @@
               </a:rPr>
               <a:t>ADNe</a:t>
             </a:r>
-            <a:endParaRPr lang="fr-FR" sz="2000">
+            <a:endParaRPr lang="fr-FR" sz="2000" dirty="0">
               <a:solidFill>
                 <a:schemeClr val="bg2">
                   <a:lumMod val="75000"/>
@@ -14018,13 +14127,13 @@
               </a:spcAft>
             </a:pPr>
             <a:r>
-              <a:rPr lang="fr-FR" sz="2000">
+              <a:rPr lang="fr-FR" sz="2000" dirty="0">
                 <a:latin typeface="Calibri"/>
                 <a:cs typeface="Calibri"/>
               </a:rPr>
               <a:t>Théorie et exercices à faire </a:t>
             </a:r>
-            <a:endParaRPr lang="fr-FR" sz="2000"/>
+            <a:endParaRPr lang="fr-FR" sz="2000" dirty="0"/>
           </a:p>
           <a:p>
             <a:pPr lvl="1">
@@ -14039,7 +14148,7 @@
               </a:spcAft>
             </a:pPr>
             <a:r>
-              <a:rPr lang="fr-FR" sz="2000">
+              <a:rPr lang="fr-FR" sz="2000" dirty="0">
                 <a:solidFill>
                   <a:schemeClr val="bg2">
                     <a:lumMod val="75000"/>
@@ -14050,7 +14159,7 @@
               </a:rPr>
               <a:t># 1 – Échantillonnage de vos microbiomes</a:t>
             </a:r>
-            <a:endParaRPr lang="fr-FR" sz="2000">
+            <a:endParaRPr lang="fr-FR" sz="2000" dirty="0">
               <a:solidFill>
                 <a:schemeClr val="bg2">
                   <a:lumMod val="75000"/>
@@ -14071,7 +14180,7 @@
               </a:spcAft>
             </a:pPr>
             <a:r>
-              <a:rPr lang="fr-FR" sz="2000">
+              <a:rPr lang="fr-FR" sz="2000" dirty="0">
                 <a:solidFill>
                   <a:schemeClr val="bg2">
                     <a:lumMod val="75000"/>
@@ -14083,7 +14192,7 @@
               <a:t># 2.1 – Extraction de l’ADN de bactéries </a:t>
             </a:r>
             <a:r>
-              <a:rPr lang="fr-FR" sz="2000" i="1">
+              <a:rPr lang="fr-FR" sz="2000" i="1" dirty="0">
                 <a:solidFill>
                   <a:schemeClr val="bg2">
                     <a:lumMod val="75000"/>
@@ -14108,7 +14217,7 @@
               </a:spcAft>
             </a:pPr>
             <a:r>
-              <a:rPr lang="fr-FR" sz="2000">
+              <a:rPr lang="fr-FR" sz="2000" dirty="0">
                 <a:solidFill>
                   <a:schemeClr val="bg2">
                     <a:lumMod val="75000"/>
@@ -14133,7 +14242,7 @@
               </a:spcAft>
             </a:pPr>
             <a:r>
-              <a:rPr lang="fr-FR" sz="2000">
+              <a:rPr lang="fr-FR" sz="2000" dirty="0">
                 <a:latin typeface="Calibri"/>
                 <a:cs typeface="Calibri"/>
               </a:rPr>
@@ -14153,7 +14262,7 @@
               </a:spcAft>
             </a:pPr>
             <a:r>
-              <a:rPr lang="fr-FR" sz="2000">
+              <a:rPr lang="fr-FR" sz="2000" dirty="0">
                 <a:solidFill>
                   <a:schemeClr val="bg2">
                     <a:lumMod val="75000"/>
@@ -14836,7 +14945,7 @@
               </a:spcAft>
             </a:pPr>
             <a:r>
-              <a:rPr lang="fr-FR" sz="2000">
+              <a:rPr lang="fr-FR" sz="2000" dirty="0">
                 <a:solidFill>
                   <a:schemeClr val="bg2">
                     <a:lumMod val="90000"/>
@@ -14847,7 +14956,7 @@
               </a:rPr>
               <a:t>Présentation des notions théoriques </a:t>
             </a:r>
-            <a:endParaRPr lang="en-US" sz="2000">
+            <a:endParaRPr lang="en-US" sz="2000" dirty="0">
               <a:solidFill>
                 <a:schemeClr val="bg2">
                   <a:lumMod val="90000"/>
@@ -14870,7 +14979,7 @@
               </a:spcAft>
             </a:pPr>
             <a:r>
-              <a:rPr lang="fr-FR" sz="2000">
+              <a:rPr lang="fr-FR" sz="2000" dirty="0">
                 <a:solidFill>
                   <a:schemeClr val="bg2">
                     <a:lumMod val="90000"/>
@@ -14881,7 +14990,7 @@
               </a:rPr>
               <a:t>Extraction de l’ADN </a:t>
             </a:r>
-            <a:endParaRPr lang="en-US" sz="2000">
+            <a:endParaRPr lang="en-US" sz="2000" dirty="0">
               <a:solidFill>
                 <a:schemeClr val="bg2">
                   <a:lumMod val="90000"/>
@@ -14904,7 +15013,7 @@
               </a:spcAft>
             </a:pPr>
             <a:r>
-              <a:rPr lang="fr-FR" sz="2000">
+              <a:rPr lang="fr-FR" sz="2000" dirty="0">
                 <a:solidFill>
                   <a:schemeClr val="bg2">
                     <a:lumMod val="90000"/>
@@ -14915,7 +15024,7 @@
               </a:rPr>
               <a:t>Électrophorèse sur gel d’agarose</a:t>
             </a:r>
-            <a:endParaRPr lang="en-US" sz="2000">
+            <a:endParaRPr lang="en-US" sz="2000" dirty="0">
               <a:solidFill>
                 <a:schemeClr val="bg2">
                   <a:lumMod val="90000"/>
@@ -14938,7 +15047,7 @@
               </a:spcAft>
             </a:pPr>
             <a:r>
-              <a:rPr lang="fr-FR" sz="2000">
+              <a:rPr lang="fr-FR" sz="2000" dirty="0">
                 <a:solidFill>
                   <a:schemeClr val="bg2">
                     <a:lumMod val="90000"/>
@@ -14949,7 +15058,7 @@
               </a:rPr>
               <a:t>Protocoles des exercices à faire </a:t>
             </a:r>
-            <a:endParaRPr lang="fr-FR" sz="2000">
+            <a:endParaRPr lang="fr-FR" sz="2000" dirty="0">
               <a:solidFill>
                 <a:schemeClr val="bg2">
                   <a:lumMod val="90000"/>
@@ -14970,7 +15079,7 @@
               </a:spcAft>
             </a:pPr>
             <a:r>
-              <a:rPr lang="fr-FR" sz="2000">
+              <a:rPr lang="fr-FR" sz="2000" dirty="0">
                 <a:solidFill>
                   <a:schemeClr val="bg2">
                     <a:lumMod val="90000"/>
@@ -14981,7 +15090,7 @@
               </a:rPr>
               <a:t># 1 – Échantillonnage de vos microbiomes</a:t>
             </a:r>
-            <a:endParaRPr lang="fr-FR" sz="2000">
+            <a:endParaRPr lang="fr-FR" sz="2000" dirty="0">
               <a:solidFill>
                 <a:schemeClr val="bg2">
                   <a:lumMod val="90000"/>
@@ -15002,7 +15111,7 @@
               </a:spcAft>
             </a:pPr>
             <a:r>
-              <a:rPr lang="fr-FR" sz="2000">
+              <a:rPr lang="fr-FR" sz="2000" dirty="0">
                 <a:solidFill>
                   <a:schemeClr val="bg2">
                     <a:lumMod val="90000"/>
@@ -15014,7 +15123,7 @@
               <a:t># 2.1 – Extraction de l’ADN de bactéries </a:t>
             </a:r>
             <a:r>
-              <a:rPr lang="fr-FR" sz="2000" i="1">
+              <a:rPr lang="fr-FR" sz="2000" i="1" dirty="0">
                 <a:solidFill>
                   <a:schemeClr val="bg2">
                     <a:lumMod val="90000"/>
@@ -15039,7 +15148,7 @@
               </a:spcAft>
             </a:pPr>
             <a:r>
-              <a:rPr lang="fr-FR" sz="2000">
+              <a:rPr lang="fr-FR" sz="2000" dirty="0">
                 <a:solidFill>
                   <a:schemeClr val="bg2">
                     <a:lumMod val="90000"/>
@@ -15064,7 +15173,7 @@
               </a:spcAft>
             </a:pPr>
             <a:r>
-              <a:rPr lang="fr-FR" sz="2000">
+              <a:rPr lang="fr-FR" sz="2000" dirty="0">
                 <a:solidFill>
                   <a:schemeClr val="bg2">
                     <a:lumMod val="90000"/>
@@ -15089,7 +15198,7 @@
               </a:spcAft>
             </a:pPr>
             <a:r>
-              <a:rPr lang="fr-FR" sz="2000">
+              <a:rPr lang="fr-FR" sz="2000" dirty="0">
                 <a:latin typeface="Calibri"/>
                 <a:cs typeface="Calibri"/>
               </a:rPr>
@@ -15231,25 +15340,592 @@
           </a:p>
         </p:txBody>
       </p:sp>
+      <p:sp>
+        <p:nvSpPr>
+          <p:cNvPr id="8" name="TextBox 7">
+            <a:extLst>
+              <a:ext uri="{FF2B5EF4-FFF2-40B4-BE49-F238E27FC236}">
+                <a16:creationId xmlns:a16="http://schemas.microsoft.com/office/drawing/2014/main" id="{3FB1F93F-3C18-D5F5-0BEB-C0BA80DA1BFF}"/>
+              </a:ext>
+            </a:extLst>
+          </p:cNvPr>
+          <p:cNvSpPr txBox="1"/>
+          <p:nvPr/>
+        </p:nvSpPr>
+        <p:spPr>
+          <a:xfrm>
+            <a:off x="901873" y="1609429"/>
+            <a:ext cx="10451927" cy="5306068"/>
+          </a:xfrm>
+          <a:prstGeom prst="rect">
+            <a:avLst/>
+          </a:prstGeom>
+          <a:noFill/>
+        </p:spPr>
+        <p:txBody>
+          <a:bodyPr wrap="square" lIns="91440" tIns="45720" rIns="91440" bIns="45720" rtlCol="0" anchor="t">
+            <a:spAutoFit/>
+          </a:bodyPr>
+          <a:lstStyle/>
+          <a:p>
+            <a:r>
+              <a:rPr lang="fr-CA" sz="2000" u="sng" dirty="0">
+                <a:latin typeface="Calibri"/>
+                <a:cs typeface="Calibri"/>
+              </a:rPr>
+              <a:t>Remise</a:t>
+            </a:r>
+            <a:r>
+              <a:rPr lang="fr-CA" sz="2000" dirty="0">
+                <a:latin typeface="Calibri"/>
+                <a:cs typeface="Calibri"/>
+              </a:rPr>
+              <a:t> sur Moodle le </a:t>
+            </a:r>
+            <a:r>
+              <a:rPr lang="fr-CA" sz="2000" b="1" dirty="0">
+                <a:latin typeface="Calibri"/>
+                <a:cs typeface="Calibri"/>
+              </a:rPr>
+              <a:t>1 avril 2025</a:t>
+            </a:r>
+            <a:r>
+              <a:rPr lang="fr-CA" sz="2000" dirty="0">
+                <a:latin typeface="Calibri"/>
+                <a:cs typeface="Calibri"/>
+              </a:rPr>
+              <a:t> (1 par équipe)</a:t>
+            </a:r>
+          </a:p>
+          <a:p>
+            <a:r>
+              <a:rPr lang="fr-CA" sz="2000" dirty="0">
+                <a:solidFill>
+                  <a:srgbClr val="000000"/>
+                </a:solidFill>
+                <a:latin typeface="Calibri" panose="020F0502020204030204" pitchFamily="34" charset="0"/>
+                <a:ea typeface="Calibri" panose="020F0502020204030204" pitchFamily="34" charset="0"/>
+                <a:cs typeface="Calibri" panose="020F0502020204030204" pitchFamily="34" charset="0"/>
+              </a:rPr>
+              <a:t>	</a:t>
+            </a:r>
+            <a:r>
+              <a:rPr lang="fr-CA" sz="2000" dirty="0">
+                <a:solidFill>
+                  <a:srgbClr val="000000"/>
+                </a:solidFill>
+                <a:effectLst/>
+                <a:latin typeface="Calibri" panose="020F0502020204030204" pitchFamily="34" charset="0"/>
+                <a:ea typeface="Calibri" panose="020F0502020204030204" pitchFamily="34" charset="0"/>
+                <a:cs typeface="Calibri" panose="020F0502020204030204" pitchFamily="34" charset="0"/>
+              </a:rPr>
+              <a:t>Les rapports de laboratoire doivent être soumis en format </a:t>
+            </a:r>
+            <a:r>
+              <a:rPr lang="fr-CA" sz="2000" b="1" dirty="0">
+                <a:solidFill>
+                  <a:srgbClr val="000000"/>
+                </a:solidFill>
+                <a:effectLst/>
+                <a:latin typeface="Calibri" panose="020F0502020204030204" pitchFamily="34" charset="0"/>
+                <a:ea typeface="Calibri" panose="020F0502020204030204" pitchFamily="34" charset="0"/>
+                <a:cs typeface="Calibri" panose="020F0502020204030204" pitchFamily="34" charset="0"/>
+              </a:rPr>
+              <a:t>Word </a:t>
+            </a:r>
+            <a:r>
+              <a:rPr lang="fr-CA" sz="2000" dirty="0">
+                <a:solidFill>
+                  <a:srgbClr val="000000"/>
+                </a:solidFill>
+                <a:effectLst/>
+                <a:latin typeface="Calibri" panose="020F0502020204030204" pitchFamily="34" charset="0"/>
+                <a:ea typeface="Calibri" panose="020F0502020204030204" pitchFamily="34" charset="0"/>
+                <a:cs typeface="Calibri" panose="020F0502020204030204" pitchFamily="34" charset="0"/>
+              </a:rPr>
+              <a:t>sur </a:t>
+            </a:r>
+            <a:r>
+              <a:rPr lang="fr-CA" sz="2000" b="1" dirty="0">
+                <a:solidFill>
+                  <a:srgbClr val="000000"/>
+                </a:solidFill>
+                <a:effectLst/>
+                <a:latin typeface="Calibri" panose="020F0502020204030204" pitchFamily="34" charset="0"/>
+                <a:ea typeface="Calibri" panose="020F0502020204030204" pitchFamily="34" charset="0"/>
+                <a:cs typeface="Calibri" panose="020F0502020204030204" pitchFamily="34" charset="0"/>
+              </a:rPr>
+              <a:t>Moodle</a:t>
+            </a:r>
+          </a:p>
+          <a:p>
+            <a:r>
+              <a:rPr lang="fr-CA" sz="2000" u="sng" dirty="0">
+                <a:solidFill>
+                  <a:srgbClr val="000000"/>
+                </a:solidFill>
+                <a:effectLst/>
+                <a:latin typeface="Calibri" panose="020F0502020204030204" pitchFamily="34" charset="0"/>
+                <a:ea typeface="Calibri" panose="020F0502020204030204" pitchFamily="34" charset="0"/>
+                <a:cs typeface="Calibri" panose="020F0502020204030204" pitchFamily="34" charset="0"/>
+              </a:rPr>
+              <a:t>Retard</a:t>
+            </a:r>
+            <a:r>
+              <a:rPr lang="fr-CA" sz="2000" dirty="0">
+                <a:solidFill>
+                  <a:srgbClr val="000000"/>
+                </a:solidFill>
+                <a:effectLst/>
+                <a:latin typeface="Calibri" panose="020F0502020204030204" pitchFamily="34" charset="0"/>
+                <a:ea typeface="Calibri" panose="020F0502020204030204" pitchFamily="34" charset="0"/>
+                <a:cs typeface="Calibri" panose="020F0502020204030204" pitchFamily="34" charset="0"/>
+              </a:rPr>
+              <a:t> dans la remise des travaux</a:t>
+            </a:r>
+          </a:p>
+          <a:p>
+            <a:r>
+              <a:rPr lang="fr-CA" sz="2000" dirty="0">
+                <a:solidFill>
+                  <a:srgbClr val="000000"/>
+                </a:solidFill>
+                <a:effectLst/>
+                <a:latin typeface="Calibri" panose="020F0502020204030204" pitchFamily="34" charset="0"/>
+                <a:ea typeface="Calibri" panose="020F0502020204030204" pitchFamily="34" charset="0"/>
+                <a:cs typeface="Calibri" panose="020F0502020204030204" pitchFamily="34" charset="0"/>
+              </a:rPr>
+              <a:t>Tout retard, quels que soit le travail et l</a:t>
+            </a:r>
+            <a:r>
+              <a:rPr lang="fr-CA" sz="2000" spc="5" dirty="0">
+                <a:solidFill>
+                  <a:srgbClr val="000000"/>
+                </a:solidFill>
+                <a:effectLst/>
+                <a:latin typeface="Calibri" panose="020F0502020204030204" pitchFamily="34" charset="0"/>
+                <a:ea typeface="Calibri" panose="020F0502020204030204" pitchFamily="34" charset="0"/>
+                <a:cs typeface="Calibri" panose="020F0502020204030204" pitchFamily="34" charset="0"/>
+              </a:rPr>
+              <a:t>’</a:t>
+            </a:r>
+            <a:r>
+              <a:rPr lang="fr-CA" sz="2000" dirty="0">
+                <a:solidFill>
+                  <a:srgbClr val="000000"/>
+                </a:solidFill>
+                <a:effectLst/>
+                <a:latin typeface="Calibri" panose="020F0502020204030204" pitchFamily="34" charset="0"/>
+                <a:ea typeface="Calibri" panose="020F0502020204030204" pitchFamily="34" charset="0"/>
+                <a:cs typeface="Calibri" panose="020F0502020204030204" pitchFamily="34" charset="0"/>
+              </a:rPr>
+              <a:t>unité/cours, sera sanctionné comme suit</a:t>
+            </a:r>
+            <a:r>
+              <a:rPr lang="fr-CA" sz="2000" b="1" dirty="0">
+                <a:solidFill>
+                  <a:srgbClr val="000000"/>
+                </a:solidFill>
+                <a:effectLst/>
+                <a:latin typeface="Calibri" panose="020F0502020204030204" pitchFamily="34" charset="0"/>
+                <a:ea typeface="Calibri" panose="020F0502020204030204" pitchFamily="34" charset="0"/>
+                <a:cs typeface="Calibri" panose="020F0502020204030204" pitchFamily="34" charset="0"/>
+              </a:rPr>
+              <a:t> </a:t>
+            </a:r>
+          </a:p>
+          <a:p>
+            <a:r>
+              <a:rPr lang="fr-CA" sz="2000" b="1" dirty="0">
+                <a:solidFill>
+                  <a:srgbClr val="000000"/>
+                </a:solidFill>
+                <a:latin typeface="Calibri" panose="020F0502020204030204" pitchFamily="34" charset="0"/>
+                <a:ea typeface="Calibri" panose="020F0502020204030204" pitchFamily="34" charset="0"/>
+                <a:cs typeface="Calibri" panose="020F0502020204030204" pitchFamily="34" charset="0"/>
+              </a:rPr>
+              <a:t>	</a:t>
+            </a:r>
+            <a:r>
+              <a:rPr lang="fr-CA" sz="2000" b="1" dirty="0">
+                <a:solidFill>
+                  <a:srgbClr val="000000"/>
+                </a:solidFill>
+                <a:effectLst/>
+                <a:latin typeface="Calibri" panose="020F0502020204030204" pitchFamily="34" charset="0"/>
+                <a:ea typeface="Calibri" panose="020F0502020204030204" pitchFamily="34" charset="0"/>
+                <a:cs typeface="Calibri" panose="020F0502020204030204" pitchFamily="34" charset="0"/>
+              </a:rPr>
+              <a:t>10% de pénalité/jour supplémentaire. </a:t>
+            </a:r>
+          </a:p>
+          <a:p>
+            <a:r>
+              <a:rPr lang="fr-CA" sz="2000" b="1" dirty="0">
+                <a:solidFill>
+                  <a:srgbClr val="000000"/>
+                </a:solidFill>
+                <a:latin typeface="Calibri" panose="020F0502020204030204" pitchFamily="34" charset="0"/>
+                <a:ea typeface="Calibri" panose="020F0502020204030204" pitchFamily="34" charset="0"/>
+                <a:cs typeface="Calibri" panose="020F0502020204030204" pitchFamily="34" charset="0"/>
+              </a:rPr>
+              <a:t>	</a:t>
+            </a:r>
+            <a:r>
+              <a:rPr lang="fr-CA" sz="2000" dirty="0">
+                <a:solidFill>
+                  <a:srgbClr val="000000"/>
+                </a:solidFill>
+                <a:effectLst/>
+                <a:latin typeface="Calibri" panose="020F0502020204030204" pitchFamily="34" charset="0"/>
+                <a:ea typeface="Calibri" panose="020F0502020204030204" pitchFamily="34" charset="0"/>
+                <a:cs typeface="Calibri" panose="020F0502020204030204" pitchFamily="34" charset="0"/>
+              </a:rPr>
+              <a:t>Aucun document ne sera accepté au-delà de 5 jours après la date prévue de remise</a:t>
+            </a:r>
+          </a:p>
+          <a:p>
+            <a:r>
+              <a:rPr lang="fr-CA" sz="2000" u="sng" dirty="0">
+                <a:solidFill>
+                  <a:srgbClr val="000000"/>
+                </a:solidFill>
+                <a:effectLst/>
+                <a:latin typeface="Calibri" panose="020F0502020204030204" pitchFamily="34" charset="0"/>
+                <a:ea typeface="Calibri" panose="020F0502020204030204" pitchFamily="34" charset="0"/>
+                <a:cs typeface="Calibri" panose="020F0502020204030204" pitchFamily="34" charset="0"/>
+              </a:rPr>
+              <a:t>Plagiat.</a:t>
+            </a:r>
+            <a:r>
+              <a:rPr lang="fr-CA" sz="2000" dirty="0">
+                <a:solidFill>
+                  <a:srgbClr val="000000"/>
+                </a:solidFill>
+                <a:effectLst/>
+                <a:latin typeface="Calibri" panose="020F0502020204030204" pitchFamily="34" charset="0"/>
+                <a:ea typeface="Calibri" panose="020F0502020204030204" pitchFamily="34" charset="0"/>
+                <a:cs typeface="Calibri" panose="020F0502020204030204" pitchFamily="34" charset="0"/>
+              </a:rPr>
+              <a:t> Tout travail écrit soumis fera l’objet d’une recherche systématique sur internet</a:t>
+            </a:r>
+            <a:r>
+              <a:rPr lang="en-CA" sz="2000" dirty="0">
+                <a:latin typeface="Calibri" panose="020F0502020204030204" pitchFamily="34" charset="0"/>
+                <a:ea typeface="Calibri" panose="020F0502020204030204" pitchFamily="34" charset="0"/>
+                <a:cs typeface="Calibri" panose="020F0502020204030204" pitchFamily="34" charset="0"/>
+              </a:rPr>
+              <a:t> </a:t>
+            </a:r>
+            <a:r>
+              <a:rPr lang="fr-CA" sz="2000" dirty="0">
+                <a:solidFill>
+                  <a:srgbClr val="000000"/>
+                </a:solidFill>
+                <a:effectLst/>
+                <a:latin typeface="Calibri" panose="020F0502020204030204" pitchFamily="34" charset="0"/>
+                <a:ea typeface="Calibri" panose="020F0502020204030204" pitchFamily="34" charset="0"/>
+                <a:cs typeface="Calibri" panose="020F0502020204030204" pitchFamily="34" charset="0"/>
+              </a:rPr>
+              <a:t>via un logiciel anti-plagiat</a:t>
+            </a:r>
+          </a:p>
+          <a:p>
+            <a:r>
+              <a:rPr lang="fr-CA" sz="2000" dirty="0">
+                <a:solidFill>
+                  <a:srgbClr val="000000"/>
+                </a:solidFill>
+                <a:latin typeface="Calibri" panose="020F0502020204030204" pitchFamily="34" charset="0"/>
+                <a:ea typeface="Calibri" panose="020F0502020204030204" pitchFamily="34" charset="0"/>
+                <a:cs typeface="Calibri" panose="020F0502020204030204" pitchFamily="34" charset="0"/>
+              </a:rPr>
+              <a:t>	-Citer vos sources</a:t>
+            </a:r>
+          </a:p>
+          <a:p>
+            <a:r>
+              <a:rPr lang="fr-CA" sz="2000" dirty="0">
+                <a:solidFill>
+                  <a:srgbClr val="000000"/>
+                </a:solidFill>
+                <a:latin typeface="Calibri" panose="020F0502020204030204" pitchFamily="34" charset="0"/>
+                <a:ea typeface="Calibri" panose="020F0502020204030204" pitchFamily="34" charset="0"/>
+                <a:cs typeface="Calibri" panose="020F0502020204030204" pitchFamily="34" charset="0"/>
+              </a:rPr>
+              <a:t>	-Ne copier pas vos sources mot par mot</a:t>
+            </a:r>
+          </a:p>
+          <a:p>
+            <a:r>
+              <a:rPr lang="fr-CA" sz="2000" dirty="0">
+                <a:solidFill>
+                  <a:srgbClr val="000000"/>
+                </a:solidFill>
+                <a:latin typeface="Calibri" panose="020F0502020204030204" pitchFamily="34" charset="0"/>
+                <a:ea typeface="Calibri" panose="020F0502020204030204" pitchFamily="34" charset="0"/>
+                <a:cs typeface="Calibri" panose="020F0502020204030204" pitchFamily="34" charset="0"/>
+              </a:rPr>
+              <a:t>	-Faites vos propres travaux</a:t>
+            </a:r>
+          </a:p>
+          <a:p>
+            <a:r>
+              <a:rPr lang="fr-CA" sz="2000" dirty="0">
+                <a:solidFill>
+                  <a:srgbClr val="000000"/>
+                </a:solidFill>
+                <a:latin typeface="Calibri" panose="020F0502020204030204" pitchFamily="34" charset="0"/>
+                <a:ea typeface="Calibri" panose="020F0502020204030204" pitchFamily="34" charset="0"/>
+                <a:cs typeface="Calibri" panose="020F0502020204030204" pitchFamily="34" charset="0"/>
+              </a:rPr>
+              <a:t>	-</a:t>
+            </a:r>
+            <a:r>
+              <a:rPr lang="fr-CA" sz="2000" dirty="0" err="1">
+                <a:solidFill>
+                  <a:srgbClr val="000000"/>
+                </a:solidFill>
+                <a:latin typeface="Calibri" panose="020F0502020204030204" pitchFamily="34" charset="0"/>
+                <a:ea typeface="Calibri" panose="020F0502020204030204" pitchFamily="34" charset="0"/>
+                <a:cs typeface="Calibri" panose="020F0502020204030204" pitchFamily="34" charset="0"/>
+              </a:rPr>
+              <a:t>ChatGPT</a:t>
+            </a:r>
+            <a:r>
+              <a:rPr lang="fr-CA" sz="2000" dirty="0">
+                <a:solidFill>
+                  <a:srgbClr val="000000"/>
+                </a:solidFill>
+                <a:latin typeface="Calibri" panose="020F0502020204030204" pitchFamily="34" charset="0"/>
+                <a:ea typeface="Calibri" panose="020F0502020204030204" pitchFamily="34" charset="0"/>
+                <a:cs typeface="Calibri" panose="020F0502020204030204" pitchFamily="34" charset="0"/>
+              </a:rPr>
+              <a:t> peut être un bon outil (des idées, brève synthèse d’un sujet, traduction 	</a:t>
+            </a:r>
+            <a:r>
+              <a:rPr lang="en-CA" sz="2000" dirty="0">
+                <a:solidFill>
+                  <a:srgbClr val="000000"/>
+                </a:solidFill>
+                <a:latin typeface="Calibri" panose="020F0502020204030204" pitchFamily="34" charset="0"/>
+                <a:ea typeface="Calibri" panose="020F0502020204030204" pitchFamily="34" charset="0"/>
+                <a:cs typeface="Calibri" panose="020F0502020204030204" pitchFamily="34" charset="0"/>
+              </a:rPr>
+              <a:t>[</a:t>
+            </a:r>
+            <a:r>
+              <a:rPr lang="en-CA" sz="2000" dirty="0" err="1">
+                <a:solidFill>
+                  <a:srgbClr val="000000"/>
+                </a:solidFill>
+                <a:latin typeface="Calibri" panose="020F0502020204030204" pitchFamily="34" charset="0"/>
+                <a:ea typeface="Calibri" panose="020F0502020204030204" pitchFamily="34" charset="0"/>
+                <a:cs typeface="Calibri" panose="020F0502020204030204" pitchFamily="34" charset="0"/>
+              </a:rPr>
+              <a:t>DeepL</a:t>
+            </a:r>
+            <a:r>
+              <a:rPr lang="en-CA" sz="2000" dirty="0">
+                <a:solidFill>
+                  <a:srgbClr val="000000"/>
+                </a:solidFill>
+                <a:latin typeface="Calibri" panose="020F0502020204030204" pitchFamily="34" charset="0"/>
+                <a:ea typeface="Calibri" panose="020F0502020204030204" pitchFamily="34" charset="0"/>
+                <a:cs typeface="Calibri" panose="020F0502020204030204" pitchFamily="34" charset="0"/>
+              </a:rPr>
+              <a:t>])</a:t>
+            </a:r>
+            <a:r>
+              <a:rPr lang="fr-CA" sz="2000" dirty="0">
+                <a:solidFill>
+                  <a:srgbClr val="000000"/>
+                </a:solidFill>
+                <a:latin typeface="Calibri" panose="020F0502020204030204" pitchFamily="34" charset="0"/>
+                <a:ea typeface="Calibri" panose="020F0502020204030204" pitchFamily="34" charset="0"/>
+                <a:cs typeface="Calibri" panose="020F0502020204030204" pitchFamily="34" charset="0"/>
+              </a:rPr>
+              <a:t>, mais il n’est pas des bonnes sources d’information scientifique.</a:t>
+            </a:r>
+          </a:p>
+          <a:p>
+            <a:r>
+              <a:rPr lang="fr-FR" sz="2000" dirty="0">
+                <a:solidFill>
+                  <a:srgbClr val="000000"/>
+                </a:solidFill>
+                <a:latin typeface="Calibri" panose="020F0502020204030204" pitchFamily="34" charset="0"/>
+                <a:ea typeface="Calibri" panose="020F0502020204030204" pitchFamily="34" charset="0"/>
+                <a:cs typeface="Calibri" panose="020F0502020204030204" pitchFamily="34" charset="0"/>
+              </a:rPr>
+              <a:t>Rappel : l’utilisation de </a:t>
+            </a:r>
+            <a:r>
+              <a:rPr lang="fr-FR" sz="2000" dirty="0" err="1">
+                <a:solidFill>
+                  <a:srgbClr val="000000"/>
+                </a:solidFill>
+                <a:latin typeface="Calibri" panose="020F0502020204030204" pitchFamily="34" charset="0"/>
+                <a:ea typeface="Calibri" panose="020F0502020204030204" pitchFamily="34" charset="0"/>
+                <a:cs typeface="Calibri" panose="020F0502020204030204" pitchFamily="34" charset="0"/>
+              </a:rPr>
+              <a:t>ChatGPT</a:t>
+            </a:r>
+            <a:r>
+              <a:rPr lang="fr-FR" sz="2000" dirty="0">
+                <a:solidFill>
+                  <a:srgbClr val="000000"/>
+                </a:solidFill>
+                <a:latin typeface="Calibri" panose="020F0502020204030204" pitchFamily="34" charset="0"/>
+                <a:ea typeface="Calibri" panose="020F0502020204030204" pitchFamily="34" charset="0"/>
+                <a:cs typeface="Calibri" panose="020F0502020204030204" pitchFamily="34" charset="0"/>
+              </a:rPr>
+              <a:t>, etc… pour générer en totale ou partielle vos rapports sans le citer tombe sous « l’utilisation totale ou partielle du texte d’autrui en le faisant passer pour sien ou sans indication de référence »</a:t>
+            </a:r>
+            <a:r>
+              <a:rPr lang="fr-CA" sz="2000" dirty="0">
+                <a:solidFill>
+                  <a:srgbClr val="000000"/>
+                </a:solidFill>
+                <a:latin typeface="Calibri" panose="020F0502020204030204" pitchFamily="34" charset="0"/>
+                <a:ea typeface="Calibri" panose="020F0502020204030204" pitchFamily="34" charset="0"/>
+                <a:cs typeface="Calibri" panose="020F0502020204030204" pitchFamily="34" charset="0"/>
+              </a:rPr>
+              <a:t> </a:t>
+            </a:r>
+            <a:r>
+              <a:rPr lang="fr-CA" sz="1800" u="sng" dirty="0">
+                <a:solidFill>
+                  <a:srgbClr val="000000"/>
+                </a:solidFill>
+                <a:effectLst/>
+                <a:latin typeface="Times New Roman" panose="02020603050405020304" pitchFamily="18" charset="0"/>
+                <a:ea typeface="Times New Roman" panose="02020603050405020304" pitchFamily="18" charset="0"/>
+                <a:hlinkClick r:id="rId3"/>
+              </a:rPr>
+              <a:t>https://apastyle.apa.org/blog/how-to-cite-chatgpt</a:t>
+            </a:r>
+            <a:endParaRPr lang="en-CA" sz="1800" dirty="0">
+              <a:effectLst/>
+              <a:latin typeface="Calibri" panose="020F0502020204030204" pitchFamily="34" charset="0"/>
+              <a:ea typeface="Calibri" panose="020F0502020204030204" pitchFamily="34" charset="0"/>
+            </a:endParaRPr>
+          </a:p>
+          <a:p>
+            <a:endParaRPr lang="en-CA" sz="2000" dirty="0">
+              <a:latin typeface="Calibri" panose="020F0502020204030204" pitchFamily="34" charset="0"/>
+              <a:ea typeface="Calibri" panose="020F0502020204030204" pitchFamily="34" charset="0"/>
+              <a:cs typeface="Calibri" panose="020F0502020204030204" pitchFamily="34" charset="0"/>
+            </a:endParaRPr>
+          </a:p>
+        </p:txBody>
+      </p:sp>
+    </p:spTree>
+    <p:extLst>
+      <p:ext uri="{BB962C8B-B14F-4D97-AF65-F5344CB8AC3E}">
+        <p14:creationId xmlns:p14="http://schemas.microsoft.com/office/powerpoint/2010/main" val="627140520"/>
+      </p:ext>
+    </p:extLst>
+  </p:cSld>
+  <p:clrMapOvr>
+    <a:masterClrMapping/>
+  </p:clrMapOvr>
+</p:sld>
+</file>
+
+<file path=ppt/slides/slide22.xml><?xml version="1.0" encoding="utf-8"?>
+<p:sld xmlns:a="http://schemas.openxmlformats.org/drawingml/2006/main" xmlns:r="http://schemas.openxmlformats.org/officeDocument/2006/relationships" xmlns:p="http://schemas.openxmlformats.org/presentationml/2006/main">
+  <p:cSld>
+    <p:spTree>
+      <p:nvGrpSpPr>
+        <p:cNvPr id="1" name="">
+          <a:extLst>
+            <a:ext uri="{FF2B5EF4-FFF2-40B4-BE49-F238E27FC236}">
+              <a16:creationId xmlns:a16="http://schemas.microsoft.com/office/drawing/2014/main" id="{9CDA9CEC-59AB-F0DF-F34B-953D49E8C374}"/>
+            </a:ext>
+          </a:extLst>
+        </p:cNvPr>
+        <p:cNvGrpSpPr/>
+        <p:nvPr/>
+      </p:nvGrpSpPr>
+      <p:grpSpPr>
+        <a:xfrm>
+          <a:off x="0" y="0"/>
+          <a:ext cx="0" cy="0"/>
+          <a:chOff x="0" y="0"/>
+          <a:chExt cx="0" cy="0"/>
+        </a:xfrm>
+      </p:grpSpPr>
+      <p:sp>
+        <p:nvSpPr>
+          <p:cNvPr id="2" name="Title 1">
+            <a:extLst>
+              <a:ext uri="{FF2B5EF4-FFF2-40B4-BE49-F238E27FC236}">
+                <a16:creationId xmlns:a16="http://schemas.microsoft.com/office/drawing/2014/main" id="{DDB1EC43-25AE-9AEF-1019-A2951F9FD813}"/>
+              </a:ext>
+            </a:extLst>
+          </p:cNvPr>
+          <p:cNvSpPr>
+            <a:spLocks noGrp="1"/>
+          </p:cNvSpPr>
+          <p:nvPr>
+            <p:ph type="title"/>
+          </p:nvPr>
+        </p:nvSpPr>
+        <p:spPr/>
+        <p:txBody>
+          <a:bodyPr/>
+          <a:lstStyle/>
+          <a:p>
+            <a:r>
+              <a:rPr lang="fr-CA"/>
+              <a:t>Rapport </a:t>
+            </a:r>
+          </a:p>
+        </p:txBody>
+      </p:sp>
+      <p:sp>
+        <p:nvSpPr>
+          <p:cNvPr id="4" name="Slide Number Placeholder 3">
+            <a:extLst>
+              <a:ext uri="{FF2B5EF4-FFF2-40B4-BE49-F238E27FC236}">
+                <a16:creationId xmlns:a16="http://schemas.microsoft.com/office/drawing/2014/main" id="{35D2A37A-4CD8-38AF-8D2E-068DE88E4AE6}"/>
+              </a:ext>
+            </a:extLst>
+          </p:cNvPr>
+          <p:cNvSpPr>
+            <a:spLocks noGrp="1"/>
+          </p:cNvSpPr>
+          <p:nvPr>
+            <p:ph type="sldNum" sz="quarter" idx="12"/>
+          </p:nvPr>
+        </p:nvSpPr>
+        <p:spPr/>
+        <p:txBody>
+          <a:bodyPr/>
+          <a:lstStyle/>
+          <a:p>
+            <a:fld id="{9B15ED26-301E-7946-9B9C-2C2CD640F984}" type="slidenum">
+              <a:rPr lang="fr-FR" smtClean="0"/>
+              <a:t>22</a:t>
+            </a:fld>
+            <a:endParaRPr lang="fr-FR"/>
+          </a:p>
+        </p:txBody>
+      </p:sp>
       <p:graphicFrame>
         <p:nvGraphicFramePr>
           <p:cNvPr id="7" name="Table 6">
             <a:extLst>
               <a:ext uri="{FF2B5EF4-FFF2-40B4-BE49-F238E27FC236}">
-                <a16:creationId xmlns:a16="http://schemas.microsoft.com/office/drawing/2014/main" id="{9AD0D14E-AD51-8356-C01F-1A18B82A03F1}"/>
+                <a16:creationId xmlns:a16="http://schemas.microsoft.com/office/drawing/2014/main" id="{1CDF22DD-E804-A8A2-D166-409E3293FB42}"/>
               </a:ext>
             </a:extLst>
           </p:cNvPr>
           <p:cNvGraphicFramePr>
             <a:graphicFrameLocks noGrp="1"/>
           </p:cNvGraphicFramePr>
-          <p:nvPr>
-            <p:extLst>
-              <p:ext uri="{D42A27DB-BD31-4B8C-83A1-F6EECF244321}">
-                <p14:modId xmlns:p14="http://schemas.microsoft.com/office/powerpoint/2010/main" val="3791006277"/>
-              </p:ext>
-            </p:extLst>
-          </p:nvPr>
+          <p:nvPr/>
         </p:nvGraphicFramePr>
         <p:xfrm>
           <a:off x="1016941" y="2104785"/>
@@ -15407,7 +16083,7 @@
                         </a:spcAft>
                       </a:pPr>
                       <a:r>
-                        <a:rPr lang="en-CA" sz="1800" b="1" i="0" u="none" strike="noStrike">
+                        <a:rPr lang="en-CA" sz="1800" b="1" i="0" u="none" strike="noStrike" dirty="0">
                           <a:solidFill>
                             <a:srgbClr val="000000"/>
                           </a:solidFill>
@@ -16653,7 +17329,7 @@
                         </a:spcAft>
                       </a:pPr>
                       <a:r>
-                        <a:rPr lang="en-CA" sz="1800" u="none" strike="noStrike" err="1">
+                        <a:rPr lang="en-CA" sz="1800" u="none" strike="noStrike" dirty="0" err="1">
                           <a:effectLst/>
                           <a:latin typeface="Calibri"/>
                           <a:cs typeface="Calibri"/>
@@ -16661,7 +17337,7 @@
                         <a:t>Méthodologie</a:t>
                       </a:r>
                       <a:r>
-                        <a:rPr lang="en-CA" sz="1800" u="none" strike="noStrike">
+                        <a:rPr lang="en-CA" sz="1800" u="none" strike="noStrike" dirty="0">
                           <a:effectLst/>
                           <a:latin typeface="Calibri"/>
                           <a:cs typeface="Calibri"/>
@@ -16669,7 +17345,7 @@
                         <a:t> </a:t>
                       </a:r>
                       <a:r>
-                        <a:rPr lang="en-CA" sz="1800" u="none" strike="noStrike" err="1">
+                        <a:rPr lang="en-CA" sz="1800" u="none" strike="noStrike" dirty="0" err="1">
                           <a:effectLst/>
                           <a:latin typeface="Calibri"/>
                           <a:cs typeface="Calibri"/>
@@ -16677,14 +17353,14 @@
                         <a:t>sommaire</a:t>
                       </a:r>
                       <a:r>
-                        <a:rPr lang="en-CA" sz="1800" u="none" strike="noStrike">
+                        <a:rPr lang="en-CA" sz="1800" u="none" strike="noStrike" dirty="0">
                           <a:effectLst/>
                           <a:latin typeface="Calibri"/>
                           <a:cs typeface="Calibri"/>
                         </a:rPr>
                         <a:t> </a:t>
                       </a:r>
-                      <a:endParaRPr lang="en-CA" sz="1800" b="0" i="0" u="none" strike="noStrike">
+                      <a:endParaRPr lang="en-CA" sz="1800" b="0" i="0" u="none" strike="noStrike" dirty="0">
                         <a:solidFill>
                           <a:srgbClr val="000000"/>
                         </a:solidFill>
@@ -16748,7 +17424,7 @@
           <p:cNvPr id="8" name="TextBox 7">
             <a:extLst>
               <a:ext uri="{FF2B5EF4-FFF2-40B4-BE49-F238E27FC236}">
-                <a16:creationId xmlns:a16="http://schemas.microsoft.com/office/drawing/2014/main" id="{3FB1F93F-3C18-D5F5-0BEB-C0BA80DA1BFF}"/>
+                <a16:creationId xmlns:a16="http://schemas.microsoft.com/office/drawing/2014/main" id="{57F45EFD-5900-8300-2B55-00FF7EE640B2}"/>
               </a:ext>
             </a:extLst>
           </p:cNvPr>
@@ -16758,7 +17434,7 @@
         <p:spPr>
           <a:xfrm>
             <a:off x="901873" y="1609429"/>
-            <a:ext cx="4802020" cy="369332"/>
+            <a:ext cx="1883272" cy="369332"/>
           </a:xfrm>
           <a:prstGeom prst="rect">
             <a:avLst/>
@@ -16773,36 +17449,18 @@
           <a:p>
             <a:r>
               <a:rPr lang="fr-CA" dirty="0">
-                <a:latin typeface="Calibri"/>
-                <a:cs typeface="Calibri"/>
-              </a:rPr>
-              <a:t>Remise sur Moodle le </a:t>
-            </a:r>
-            <a:r>
-              <a:rPr lang="fr-CA" b="1" dirty="0">
-                <a:latin typeface="Calibri"/>
-                <a:cs typeface="Calibri"/>
-              </a:rPr>
-              <a:t>1 avril 2025</a:t>
-            </a:r>
-            <a:r>
-              <a:rPr lang="fr-CA" dirty="0">
-                <a:latin typeface="Calibri"/>
-                <a:cs typeface="Calibri"/>
-              </a:rPr>
-              <a:t> (1 par équipe) </a:t>
-            </a:r>
-            <a:endParaRPr lang="fr-CA" dirty="0">
-              <a:latin typeface="Calibri" panose="020F0502020204030204" pitchFamily="34" charset="0"/>
-              <a:cs typeface="Calibri" panose="020F0502020204030204" pitchFamily="34" charset="0"/>
-            </a:endParaRPr>
+                <a:latin typeface="Calibri" panose="020F0502020204030204" pitchFamily="34" charset="0"/>
+                <a:cs typeface="Calibri" panose="020F0502020204030204" pitchFamily="34" charset="0"/>
+              </a:rPr>
+              <a:t>Grille d’évaluation</a:t>
+            </a:r>
           </a:p>
         </p:txBody>
       </p:sp>
     </p:spTree>
     <p:extLst>
       <p:ext uri="{BB962C8B-B14F-4D97-AF65-F5344CB8AC3E}">
-        <p14:creationId xmlns:p14="http://schemas.microsoft.com/office/powerpoint/2010/main" val="627140520"/>
+        <p14:creationId xmlns:p14="http://schemas.microsoft.com/office/powerpoint/2010/main" val="2653648448"/>
       </p:ext>
     </p:extLst>
   </p:cSld>
@@ -16812,7 +17470,7 @@
 </p:sld>
 </file>
 
-<file path=ppt/slides/slide22.xml><?xml version="1.0" encoding="utf-8"?>
+<file path=ppt/slides/slide23.xml><?xml version="1.0" encoding="utf-8"?>
 <p:sld xmlns:a="http://schemas.openxmlformats.org/drawingml/2006/main" xmlns:r="http://schemas.openxmlformats.org/officeDocument/2006/relationships" xmlns:p="http://schemas.openxmlformats.org/presentationml/2006/main">
   <p:cSld>
     <p:spTree>
@@ -16880,7 +17538,7 @@
           <a:p>
             <a:fld id="{9B15ED26-301E-7946-9B9C-2C2CD640F984}" type="slidenum">
               <a:rPr lang="fr-FR" smtClean="0"/>
-              <a:t>22</a:t>
+              <a:t>23</a:t>
             </a:fld>
             <a:endParaRPr lang="fr-FR"/>
           </a:p>
@@ -18143,7 +18801,7 @@
 </p:sld>
 </file>
 
-<file path=ppt/slides/slide23.xml><?xml version="1.0" encoding="utf-8"?>
+<file path=ppt/slides/slide24.xml><?xml version="1.0" encoding="utf-8"?>
 <p:sld xmlns:a="http://schemas.openxmlformats.org/drawingml/2006/main" xmlns:r="http://schemas.openxmlformats.org/officeDocument/2006/relationships" xmlns:p="http://schemas.openxmlformats.org/presentationml/2006/main">
   <p:cSld>
     <p:spTree>
@@ -18211,7 +18869,7 @@
           <a:p>
             <a:fld id="{9B15ED26-301E-7946-9B9C-2C2CD640F984}" type="slidenum">
               <a:rPr lang="fr-FR" smtClean="0"/>
-              <a:t>23</a:t>
+              <a:t>24</a:t>
             </a:fld>
             <a:endParaRPr lang="fr-FR"/>
           </a:p>
@@ -19241,7 +19899,7 @@
 </p:sld>
 </file>
 
-<file path=ppt/slides/slide24.xml><?xml version="1.0" encoding="utf-8"?>
+<file path=ppt/slides/slide25.xml><?xml version="1.0" encoding="utf-8"?>
 <p:sld xmlns:a="http://schemas.openxmlformats.org/drawingml/2006/main" xmlns:r="http://schemas.openxmlformats.org/officeDocument/2006/relationships" xmlns:p="http://schemas.openxmlformats.org/presentationml/2006/main">
   <p:cSld>
     <p:spTree>
@@ -19309,7 +19967,7 @@
           <a:p>
             <a:fld id="{9B15ED26-301E-7946-9B9C-2C2CD640F984}" type="slidenum">
               <a:rPr lang="fr-FR" smtClean="0"/>
-              <a:t>24</a:t>
+              <a:t>25</a:t>
             </a:fld>
             <a:endParaRPr lang="fr-FR"/>
           </a:p>
@@ -20540,7 +21198,7 @@
 </p:sld>
 </file>
 
-<file path=ppt/slides/slide25.xml><?xml version="1.0" encoding="utf-8"?>
+<file path=ppt/slides/slide26.xml><?xml version="1.0" encoding="utf-8"?>
 <p:sld xmlns:a="http://schemas.openxmlformats.org/drawingml/2006/main" xmlns:r="http://schemas.openxmlformats.org/officeDocument/2006/relationships" xmlns:p="http://schemas.openxmlformats.org/presentationml/2006/main">
   <p:cSld>
     <p:spTree>
@@ -20580,7 +21238,7 @@
           <a:p>
             <a:fld id="{9B15ED26-301E-7946-9B9C-2C2CD640F984}" type="slidenum">
               <a:rPr lang="fr-FR" smtClean="0"/>
-              <a:t>25</a:t>
+              <a:t>26</a:t>
             </a:fld>
             <a:endParaRPr lang="fr-FR"/>
           </a:p>

--- a/BIO1410_labo-2.pptx
+++ b/BIO1410_labo-2.pptx
@@ -15355,7 +15355,7 @@
         <p:spPr>
           <a:xfrm>
             <a:off x="901873" y="1609429"/>
-            <a:ext cx="10451927" cy="5306068"/>
+            <a:ext cx="10451927" cy="5016758"/>
           </a:xfrm>
           <a:prstGeom prst="rect">
             <a:avLst/>
@@ -15780,10 +15780,10 @@
                 <a:ea typeface="Calibri" panose="020F0502020204030204" pitchFamily="34" charset="0"/>
                 <a:cs typeface="Calibri" panose="020F0502020204030204" pitchFamily="34" charset="0"/>
               </a:rPr>
-              <a:t>, etc… pour générer en totale ou partielle vos rapports sans le citer tombe sous « l’utilisation totale ou partielle du texte d’autrui en le faisant passer pour sien ou sans indication de référence »</a:t>
-            </a:r>
-            <a:r>
-              <a:rPr lang="fr-CA" sz="2000" dirty="0">
+              <a:t>, etc… pour générer en totale ou partielle vos rapports sans le citer tombe sous « l’utilisation totale ou partielle du texte d’autrui en le faisant passer pour sien ou sans indication de </a:t>
+            </a:r>
+            <a:r>
+              <a:rPr lang="fr-FR" sz="2000">
                 <a:solidFill>
                   <a:srgbClr val="000000"/>
                 </a:solidFill>
@@ -15791,27 +15791,8 @@
                 <a:ea typeface="Calibri" panose="020F0502020204030204" pitchFamily="34" charset="0"/>
                 <a:cs typeface="Calibri" panose="020F0502020204030204" pitchFamily="34" charset="0"/>
               </a:rPr>
-              <a:t> </a:t>
-            </a:r>
-            <a:r>
-              <a:rPr lang="fr-CA" sz="1800" u="sng" dirty="0">
-                <a:solidFill>
-                  <a:srgbClr val="000000"/>
-                </a:solidFill>
-                <a:effectLst/>
-                <a:latin typeface="Times New Roman" panose="02020603050405020304" pitchFamily="18" charset="0"/>
-                <a:ea typeface="Times New Roman" panose="02020603050405020304" pitchFamily="18" charset="0"/>
-                <a:hlinkClick r:id="rId3"/>
-              </a:rPr>
-              <a:t>https://apastyle.apa.org/blog/how-to-cite-chatgpt</a:t>
-            </a:r>
-            <a:endParaRPr lang="en-CA" sz="1800" dirty="0">
-              <a:effectLst/>
-              <a:latin typeface="Calibri" panose="020F0502020204030204" pitchFamily="34" charset="0"/>
-              <a:ea typeface="Calibri" panose="020F0502020204030204" pitchFamily="34" charset="0"/>
-            </a:endParaRPr>
-          </a:p>
-          <a:p>
+              <a:t>référence »</a:t>
+            </a:r>
             <a:endParaRPr lang="en-CA" sz="2000" dirty="0">
               <a:latin typeface="Calibri" panose="020F0502020204030204" pitchFamily="34" charset="0"/>
               <a:ea typeface="Calibri" panose="020F0502020204030204" pitchFamily="34" charset="0"/>

--- a/BIO1410_labo-2.pptx
+++ b/BIO1410_labo-2.pptx
@@ -222,7 +222,7 @@
           <a:p>
             <a:fld id="{C08414A9-7F57-064B-9498-58438E229F1C}" type="datetimeFigureOut">
               <a:rPr lang="fr-FR" smtClean="0"/>
-              <a:t>27/01/2025</a:t>
+              <a:t>05/02/2025</a:t>
             </a:fld>
             <a:endParaRPr lang="fr-FR"/>
           </a:p>
@@ -2826,7 +2826,7 @@
           <a:p>
             <a:fld id="{E5C3F8E6-E0BC-D847-8A4F-F984538FE02A}" type="datetime1">
               <a:rPr lang="fr-CA" smtClean="0"/>
-              <a:t>2025-01-27</a:t>
+              <a:t>2025-02-05</a:t>
             </a:fld>
             <a:endParaRPr lang="fr-FR"/>
           </a:p>
@@ -3034,7 +3034,7 @@
           <a:p>
             <a:fld id="{E98629D1-0E23-3B4D-9988-0C58B9F13186}" type="datetime1">
               <a:rPr lang="fr-CA" smtClean="0"/>
-              <a:t>2025-01-27</a:t>
+              <a:t>2025-02-05</a:t>
             </a:fld>
             <a:endParaRPr lang="fr-FR"/>
           </a:p>
@@ -3247,7 +3247,7 @@
           <a:p>
             <a:fld id="{9688775C-48C4-ED40-B7AA-BC260775E5D7}" type="datetime1">
               <a:rPr lang="fr-CA" smtClean="0"/>
-              <a:t>2025-01-27</a:t>
+              <a:t>2025-02-05</a:t>
             </a:fld>
             <a:endParaRPr lang="fr-FR"/>
           </a:p>
@@ -3563,7 +3563,7 @@
           <a:p>
             <a:fld id="{3A7A29EC-2DA2-A844-AD0D-D4C84DDC7539}" type="datetime1">
               <a:rPr lang="fr-CA" smtClean="0"/>
-              <a:t>2025-01-27</a:t>
+              <a:t>2025-02-05</a:t>
             </a:fld>
             <a:endParaRPr lang="fr-FR"/>
           </a:p>
@@ -3885,7 +3885,7 @@
           <a:p>
             <a:fld id="{CD6DFA2F-7ED3-5746-8AD2-9DE40256FB99}" type="datetime1">
               <a:rPr lang="fr-CA" smtClean="0"/>
-              <a:t>2025-01-27</a:t>
+              <a:t>2025-02-05</a:t>
             </a:fld>
             <a:endParaRPr lang="fr-FR"/>
           </a:p>
@@ -4161,7 +4161,7 @@
           <a:p>
             <a:fld id="{9EBCA33E-81E5-F24E-ABC1-4D72B8AE4BAD}" type="datetime1">
               <a:rPr lang="fr-CA" smtClean="0"/>
-              <a:t>2025-01-27</a:t>
+              <a:t>2025-02-05</a:t>
             </a:fld>
             <a:endParaRPr lang="fr-FR"/>
           </a:p>
@@ -4579,7 +4579,7 @@
           <a:p>
             <a:fld id="{3C16EBFF-706A-F34E-89DE-BEC8C7C43498}" type="datetime1">
               <a:rPr lang="fr-CA" smtClean="0"/>
-              <a:t>2025-01-27</a:t>
+              <a:t>2025-02-05</a:t>
             </a:fld>
             <a:endParaRPr lang="fr-FR"/>
           </a:p>
@@ -4729,7 +4729,7 @@
           <a:p>
             <a:fld id="{A40B396F-15D9-3044-B88E-CF5322E226E3}" type="datetime1">
               <a:rPr lang="fr-CA" smtClean="0"/>
-              <a:t>2025-01-27</a:t>
+              <a:t>2025-02-05</a:t>
             </a:fld>
             <a:endParaRPr lang="fr-FR"/>
           </a:p>
@@ -4842,7 +4842,7 @@
           <a:p>
             <a:fld id="{7AF54194-0EF8-B04B-904F-19DE5315CFBD}" type="datetime1">
               <a:rPr lang="fr-CA" smtClean="0"/>
-              <a:t>2025-01-27</a:t>
+              <a:t>2025-02-05</a:t>
             </a:fld>
             <a:endParaRPr lang="fr-FR"/>
           </a:p>
@@ -5158,7 +5158,7 @@
           <a:p>
             <a:fld id="{10F462FD-58B8-7C45-AA61-0F113E772A96}" type="datetime1">
               <a:rPr lang="fr-CA" smtClean="0"/>
-              <a:t>2025-01-27</a:t>
+              <a:t>2025-02-05</a:t>
             </a:fld>
             <a:endParaRPr lang="fr-FR"/>
           </a:p>
@@ -5450,7 +5450,7 @@
           <a:p>
             <a:fld id="{812FC241-56CA-AB41-A6A7-E3D0351CF20C}" type="datetime1">
               <a:rPr lang="fr-CA" smtClean="0"/>
-              <a:t>2025-01-27</a:t>
+              <a:t>2025-02-05</a:t>
             </a:fld>
             <a:endParaRPr lang="fr-FR"/>
           </a:p>
@@ -5656,7 +5656,7 @@
             <a:fld id="{6A537DD5-4F34-5F4B-BEB2-033AF8CDB394}" type="datetime1">
               <a:rPr lang="fr-CA" smtClean="0"/>
               <a:pPr/>
-              <a:t>2025-01-27</a:t>
+              <a:t>2025-02-05</a:t>
             </a:fld>
             <a:endParaRPr lang="fr-FR"/>
           </a:p>
@@ -13770,7 +13770,35 @@
                 <a:latin typeface="Calibri"/>
                 <a:cs typeface="Calibri"/>
               </a:rPr>
-              <a:t> dans le tube Eppendorf contenant le </a:t>
+              <a:t> dans le tube Eppendorf contenant </a:t>
+            </a:r>
+            <a:r>
+              <a:rPr lang="fr-CA" sz="2400" b="1" dirty="0">
+                <a:latin typeface="Calibri"/>
+                <a:cs typeface="Calibri"/>
+              </a:rPr>
+              <a:t>2 </a:t>
+            </a:r>
+            <a:r>
+              <a:rPr lang="fr-CA" sz="2400" b="1" dirty="0" err="1">
+                <a:latin typeface="Calibri"/>
+                <a:cs typeface="Calibri"/>
+              </a:rPr>
+              <a:t>μl</a:t>
+            </a:r>
+            <a:r>
+              <a:rPr lang="fr-CA" sz="2400" b="1" dirty="0">
+                <a:latin typeface="Calibri"/>
+                <a:cs typeface="Calibri"/>
+              </a:rPr>
+              <a:t> du</a:t>
+            </a:r>
+            <a:r>
+              <a:rPr lang="fr-CA" sz="2400" dirty="0">
+                <a:latin typeface="Calibri"/>
+                <a:cs typeface="Calibri"/>
+              </a:rPr>
+              <a:t> </a:t>
             </a:r>
             <a:r>
               <a:rPr lang="fr-CA" sz="2400" b="1" dirty="0">
